--- a/diagrammatic-reasoning/2024-november-coreact.pptx
+++ b/diagrammatic-reasoning/2024-november-coreact.pptx
@@ -5,29 +5,30 @@
     <p:sldMasterId id="2147483697" r:id="rId4"/>
   </p:sldMasterIdLst>
   <p:notesMasterIdLst>
-    <p:notesMasterId r:id="rId22"/>
+    <p:notesMasterId r:id="rId23"/>
   </p:notesMasterIdLst>
   <p:handoutMasterIdLst>
-    <p:handoutMasterId r:id="rId23"/>
+    <p:handoutMasterId r:id="rId24"/>
   </p:handoutMasterIdLst>
   <p:sldIdLst>
     <p:sldId id="472" r:id="rId5"/>
-    <p:sldId id="761" r:id="rId6"/>
-    <p:sldId id="736" r:id="rId7"/>
-    <p:sldId id="738" r:id="rId8"/>
-    <p:sldId id="767" r:id="rId9"/>
-    <p:sldId id="741" r:id="rId10"/>
-    <p:sldId id="762" r:id="rId11"/>
-    <p:sldId id="769" r:id="rId12"/>
-    <p:sldId id="778" r:id="rId13"/>
-    <p:sldId id="746" r:id="rId14"/>
-    <p:sldId id="771" r:id="rId15"/>
-    <p:sldId id="774" r:id="rId16"/>
-    <p:sldId id="775" r:id="rId17"/>
-    <p:sldId id="776" r:id="rId18"/>
-    <p:sldId id="763" r:id="rId19"/>
-    <p:sldId id="777" r:id="rId20"/>
-    <p:sldId id="768" r:id="rId21"/>
+    <p:sldId id="779" r:id="rId6"/>
+    <p:sldId id="761" r:id="rId7"/>
+    <p:sldId id="736" r:id="rId8"/>
+    <p:sldId id="738" r:id="rId9"/>
+    <p:sldId id="767" r:id="rId10"/>
+    <p:sldId id="741" r:id="rId11"/>
+    <p:sldId id="762" r:id="rId12"/>
+    <p:sldId id="769" r:id="rId13"/>
+    <p:sldId id="778" r:id="rId14"/>
+    <p:sldId id="746" r:id="rId15"/>
+    <p:sldId id="771" r:id="rId16"/>
+    <p:sldId id="774" r:id="rId17"/>
+    <p:sldId id="775" r:id="rId18"/>
+    <p:sldId id="776" r:id="rId19"/>
+    <p:sldId id="763" r:id="rId20"/>
+    <p:sldId id="777" r:id="rId21"/>
+    <p:sldId id="768" r:id="rId22"/>
   </p:sldIdLst>
   <p:sldSz cx="12192000" cy="6858000"/>
   <p:notesSz cx="6858000" cy="9144000"/>
@@ -132,6 +133,7 @@
         <p14:section name="Default Section" id="{DDE11D35-4771-4D04-BD83-4C7FF2D7C70E}">
           <p14:sldIdLst>
             <p14:sldId id="472"/>
+            <p14:sldId id="779"/>
           </p14:sldIdLst>
         </p14:section>
         <p14:section name="Diagrammatic reasoning" id="{455B9B87-E269-4A46-9523-33DD9D713C57}">
@@ -264,7 +266,7 @@
           <a:p>
             <a:fld id="{2580D0C4-C4D4-4DF8-B7B8-734EF432FA45}" type="datetimeFigureOut">
               <a:rPr lang="fr-FR" smtClean="0"/>
-              <a:t>26/11/2024</a:t>
+              <a:t>27/11/2024</a:t>
             </a:fld>
             <a:endParaRPr lang="fr-FR"/>
           </a:p>
@@ -445,7 +447,7 @@
           <a:p>
             <a:fld id="{C1C5544D-24DB-489C-AA38-E91C5DDD72D1}" type="datetimeFigureOut">
               <a:rPr lang="fr-FR" smtClean="0"/>
-              <a:t>26/11/2024</a:t>
+              <a:t>27/11/2024</a:t>
             </a:fld>
             <a:endParaRPr lang="fr-FR"/>
           </a:p>
@@ -841,10 +843,7 @@
           <a:bodyPr/>
           <a:lstStyle/>
           <a:p>
-            <a:r>
-              <a:rPr lang="en-GB" dirty="0"/>
-              <a:t>{"graph":{"activeTabId":0,"latexPreamble":"\\newcommand{\\coqproof}[1]{\\checkmark}","nextTabId":1,"tabs":[{"edges":[{"from":0,"id":3,"label":{"kind":"normal","label":"","style":{"alignment":"left","bend":0,"color":"black","dashed":false,"head":"default","kind":"normal","position":0.5,"tail":"hook"},"zindex":0},"to":1},{"from":2,"id":4,"label":{"kind":"normal","label":"","style":{"alignment":"left","bend":0,"color":"black","dashed":false,"head":"default","kind":"normal","position":0.5,"tail":"none"},"zindex":0},"to":0},{"from":2,"id":5,"label":{"kind":"normal","label":"","style":{"alignment":"left","bend":-0.6,"color":"black","dashed":false,"head":"default","kind":"normal","position":0.5,"tail":"none"},"zindex":0},"to":1},{"from":0,"id":6,"label":{"kind":"normal","label":"","style":{"alignment":"left","bend":-0.30000000000000004,"color":"black","dashed":false,"head":"default","kind":"double","position":0.5,"tail":"none"},"zindex":0},"to":5},{"from":0,"id":7,"label":{"kind":"normal","label":"","style":{"alignment":"left","bend":0.30000000000000004,"color":"black","dashed":false,"head":"default","kind":"double","position":0.5,"tail":"none"},"zindex":0},"to":5}],"id":0,"nextGraphId":8,"nodes":[{"id":0,"label":{"isCoqValidated":false,"isMath":true,"label":"","pos":[444.0052080154419,124.67465209960938],"zindex":0}},{"id":1,"label":{"isCoqValidated":false,"isMath":true,"label":"","pos":[544.0052080154419,124.67465209960938],"zindex":0}},{"id":2,"label":{"isCoqValidated":false,"isMath":true,"label":"","pos":[344.0052080154419,124.67465209960938],"zindex":0}}],"sizeGrid":150,"title":"1"}]},"version":14}</a:t>
-            </a:r>
+            <a:endParaRPr lang="en-GB" dirty="0"/>
           </a:p>
         </p:txBody>
       </p:sp>
@@ -873,7 +872,7 @@
     </p:spTree>
     <p:extLst>
       <p:ext uri="{BB962C8B-B14F-4D97-AF65-F5344CB8AC3E}">
-        <p14:creationId xmlns:p14="http://schemas.microsoft.com/office/powerpoint/2010/main" val="3389681393"/>
+        <p14:creationId xmlns:p14="http://schemas.microsoft.com/office/powerpoint/2010/main" val="3222974959"/>
       </p:ext>
     </p:extLst>
   </p:cSld>
@@ -929,7 +928,7 @@
           <a:p>
             <a:r>
               <a:rPr lang="en-GB" dirty="0"/>
-              <a:t>{"graph":{"activeTabId":0,"latexPreamble":"\\newcommand{\\coqproof}[1]{\\checkmark}","nextTabId":1,"tabs":[{"edges":[{"from":0,"id":4,"label":{"kind":"normal","label":"","style":{"alignment":"left","bend":0,"color":"black","dashed":false,"head":"default","kind":"normal","position":0.5,"tail":"hook"},"zindex":0},"to":1},{"from":1,"id":5,"label":{"kind":"normal","label":"","style":{"alignment":"left","bend":0,"color":"black","dashed":false,"head":"default","kind":"normal","position":0.5,"tail":"hook"},"zindex":0},"to":2},{"from":3,"id":6,"label":{"kind":"normal","label":"","style":{"alignment":"left","bend":0.2,"color":"black","dashed":false,"head":"default","kind":"normal","position":0.5,"tail":"none"},"zindex":0},"to":0},{"from":3,"id":7,"label":{"kind":"normal","label":"","style":{"alignment":"left","bend":-0.30000000000000004,"color":"black","dashed":false,"head":"default","kind":"normal","position":0.5,"tail":"none"},"zindex":0},"to":0},{"from":3,"id":8,"label":{"kind":"normal","label":"","style":{"alignment":"left","bend":-0.6,"color":"black","dashed":false,"head":"default","kind":"normal","position":0.5,"tail":"none"},"zindex":0},"to":2},{"from":0,"id":9,"label":{"kind":"normal","label":"","style":{"alignment":"left","bend":-0.5,"color":"black","dashed":false,"head":"default","kind":"normal","position":0.5,"tail":"none"},"zindex":0},"to":2},{"from":1,"id":10,"label":{"kind":"normal","label":"","style":{"alignment":"left","bend":0,"color":"black","dashed":false,"head":"default","kind":"double","position":0.5,"tail":"none"},"zindex":0},"to":9},{"from":0,"id":11,"label":{"kind":"normal","label":"","style":{"alignment":"left","bend":-0.4,"color":"black","dashed":false,"head":"default","kind":"double","position":0.5,"tail":"none"},"zindex":0},"to":8},{"from":0,"id":12,"label":{"kind":"normal","label":"","style":{"alignment":"left","bend":0.1,"color":"black","dashed":false,"head":"default","kind":"double","position":0.5,"tail":"none"},"zindex":0},"to":8}],"id":0,"nextGraphId":13,"nodes":[{"id":0,"label":{"isCoqValidated":false,"isMath":true,"label":"\\textcolor{black}{\\bullet}","pos":[250,150],"zindex":0}},{"id":1,"label":{"isCoqValidated":false,"isMath":true,"label":"\\textcolor{black}{\\bullet}","pos":[350,150],"zindex":0}},{"id":2,"label":{"isCoqValidated":false,"isMath":true,"label":"\\textcolor{black}{\\bullet}","pos":[450,150],"zindex":0}},{"id":3,"label":{"isCoqValidated":false,"isMath":true,"label":"","pos":[150,150],"zindex":0}}],"sizeGrid":150,"title":"1"}]},"version":14}</a:t>
+              <a:t>{"graph":{"activeTabId":0,"latexPreamble":"\\newcommand{\\coqproof}[1]{\\checkmark}","nextTabId":1,"tabs":[{"edges":[{"from":0,"id":3,"label":{"kind":"normal","label":"","style":{"alignment":"left","bend":0,"color":"black","dashed":false,"head":"default","kind":"normal","position":0.5,"tail":"hook"},"zindex":0},"to":1},{"from":2,"id":4,"label":{"kind":"normal","label":"","style":{"alignment":"left","bend":0,"color":"black","dashed":false,"head":"default","kind":"normal","position":0.5,"tail":"none"},"zindex":0},"to":0},{"from":2,"id":5,"label":{"kind":"normal","label":"","style":{"alignment":"left","bend":-0.6,"color":"black","dashed":false,"head":"default","kind":"normal","position":0.5,"tail":"none"},"zindex":0},"to":1},{"from":0,"id":6,"label":{"kind":"normal","label":"","style":{"alignment":"left","bend":-0.30000000000000004,"color":"black","dashed":false,"head":"default","kind":"double","position":0.5,"tail":"none"},"zindex":0},"to":5},{"from":0,"id":7,"label":{"kind":"normal","label":"","style":{"alignment":"left","bend":0.30000000000000004,"color":"black","dashed":false,"head":"default","kind":"double","position":0.5,"tail":"none"},"zindex":0},"to":5}],"id":0,"nextGraphId":8,"nodes":[{"id":0,"label":{"isCoqValidated":false,"isMath":true,"label":"","pos":[444.0052080154419,124.67465209960938],"zindex":0}},{"id":1,"label":{"isCoqValidated":false,"isMath":true,"label":"","pos":[544.0052080154419,124.67465209960938],"zindex":0}},{"id":2,"label":{"isCoqValidated":false,"isMath":true,"label":"","pos":[344.0052080154419,124.67465209960938],"zindex":0}}],"sizeGrid":150,"title":"1"}]},"version":14}</a:t>
             </a:r>
           </a:p>
         </p:txBody>
@@ -959,7 +958,7 @@
     </p:spTree>
     <p:extLst>
       <p:ext uri="{BB962C8B-B14F-4D97-AF65-F5344CB8AC3E}">
-        <p14:creationId xmlns:p14="http://schemas.microsoft.com/office/powerpoint/2010/main" val="3151718343"/>
+        <p14:creationId xmlns:p14="http://schemas.microsoft.com/office/powerpoint/2010/main" val="3389681393"/>
       </p:ext>
     </p:extLst>
   </p:cSld>
@@ -1015,711 +1014,7 @@
           <a:p>
             <a:r>
               <a:rPr lang="en-GB" dirty="0"/>
-              <a:t>{"graph":{"activeTabId":0,"latexPreamble":"\\newcommand{\\coqproof}[1]{\\checkmark}","nextTabId":1,"tabs":[{"edges":[{"from":0,"id":40,"label":{"kind":"normal","label":"","style":{"alignment":"left","bend":0,"color":"black","dashed":false,"head":"default","kind":"normal","marker":"","position":0.5,"tail":"none"},"zindex":0},"to":1},{"from":1,"id":41,"label":{"kind":"normal","label":"","style":{"alignment":"left","bend":0,"color":"black","dashed":false,"head":"default","kind":"normal","marker":"","position":0.5,"tail":"none"},"zindex":0},"to":2},{"from":2,"id":42,"label":{"kind":"normal","label":"","style":{"alignment":"left","bend":0,"color":"black","dashed":false,"head":"default","kind":"normal","marker":"","position":0.5,"tail":"none"},"zindex":0},"to":3},{"from":4,"id":43,"label":{"kind":"normal","label":"","style":{"alignment":"left","bend":0,"color":"black","dashed":false,"head":"default","kind":"normal","marker":"","position":0.5,"tail":"none"},"zindex":0},"to":5},{"from":5,"id":44,"label":{"kind":"normal","label":"","style":{"alignment":"left","bend":0,"color":"black","dashed":false,"head":"default","kind":"normal","marker":"","position":0.5,"tail":"none"},"zindex":0},"to":6},{"from":6,"id":45,"label":{"kind":"normal","label":"","style":{"alignment":"left","bend":0,"color":"black","dashed":false,"head":"default","kind":"normal","marker":"","position":0.5,"tail":"none"},"zindex":0},"to":7},{"from":4,"id":46,"label":{"kind":"normal","label":"","style":{"alignment":"left","bend":-0.6,"color":"black","dashed":false,"head":"default","kind":"normal","marker":"","position":0.5,"tail":"none"},"zindex":0},"to":6},{"from":10,"id":47,"label":{"kind":"normal","label":"","style":{"alignment":"left","bend":0,"color":"black","dashed":false,"head":"default","kind":"normal","marker":"","position":0.5,"tail":"none"},"zindex":0},"to":11},{"from":11,"id":48,"label":{"kind":"normal","label":"","style":{"alignment":"left","bend":0,"color":"black","dashed":false,"head":"default","kind":"normal","marker":"","position":0.5,"tail":"none"},"zindex":0},"to":12},{"from":12,"id":49,"label":{"kind":"normal","label":"","style":{"alignment":"left","bend":0,"color":"black","dashed":false,"head":"default","kind":"normal","marker":"","position":0.5,"tail":"none"},"zindex":0},"to":13},{"from":10,"id":50,"label":{"kind":"normal","label":"","style":{"alignment":"left","bend":-0.6,"color":"black","dashed":false,"head":"default","kind":"normal","marker":"","position":0.5,"tail":"none"},"zindex":0},"to":12},{"from":15,"id":51,"label":{"kind":"normal","label":"","style":{"alignment":"left","bend":0,"color":"red","dashed":false,"head":"default","kind":"normal","marker":"","position":0.5,"tail":"none"},"zindex":0},"to":16},{"from":16,"id":52,"label":{"kind":"normal","label":"","style":{"alignment":"left","bend":0,"color":"red","dashed":false,"head":"default","kind":"normal","marker":"","position":0.5,"tail":"none"},"zindex":0},"to":17},{"from":17,"id":53,"label":{"kind":"normal","label":"","style":{"alignment":"left","bend":0,"color":"red","dashed":false,"head":"default","kind":"normal","marker":"","position":0.5,"tail":"none"},"zindex":0},"to":18},{"from":20,"id":54,"label":{"kind":"normal","label":"","style":{"alignment":"left","bend":0,"color":"red","dashed":false,"head":"default","kind":"normal","marker":"","position":0.5,"tail":"none"},"zindex":0},"to":21},{"from":21,"id":55,"label":{"kind":"normal","label":"","style":{"alignment":"left","bend":0,"color":"red","dashed":false,"head":"default","kind":"normal","marker":"","position":0.5,"tail":"none"},"zindex":0},"to":22},{"from":22,"id":56,"label":{"kind":"normal","label":"","style":{"alignment":"left","bend":0,"color":"red","dashed":false,"head":"default","kind":"normal","marker":"","position":0.5,"tail":"none"},"zindex":0},"to":23},{"from":25,"id":57,"label":{"kind":"normal","label":"","style":{"alignment":"left","bend":0,"color":"black","dashed":false,"head":"default","kind":"normal","marker":"","position":0.5,"tail":"none"},"zindex":0},"to":26},{"from":26,"id":58,"label":{"kind":"normal","label":"","style":{"alignment":"left","bend":0,"color":"black","dashed":false,"head":"default","kind":"normal","marker":"","position":0.5,"tail":"none"},"zindex":0},"to":27},{"from":27,"id":59,"label":{"kind":"normal","label":"","style":{"alignment":"left","bend":0,"color":"black","dashed":false,"head":"default","kind":"normal","marker":"","position":0.5,"tail":"none"},"zindex":0},"to":28},{"from":25,"id":60,"label":{"kind":"normal","label":"","style":{"alignment":"left","bend":-0.6,"color":"red","dashed":false,"head":"default","kind":"normal","marker":"","position":0.5,"tail":"none"},"zindex":0},"to":27},{"from":11,"id":61,"label":{"kind":"normal","label":"","style":{"alignment":"left","bend":0.7,"color":"black","dashed":false,"head":"default","kind":"normal","marker":"","position":0.5,"tail":"none"},"zindex":0},"to":13},{"from":30,"id":62,"label":{"kind":"normal","label":"","style":{"alignment":"left","bend":0,"color":"red","dashed":false,"head":"default","kind":"normal","marker":"","position":0.5,"tail":"none"},"zindex":0},"to":31},{"from":31,"id":63,"label":{"kind":"normal","label":"","style":{"alignment":"left","bend":0,"color":"red","dashed":false,"head":"default","kind":"normal","marker":"","position":0.5,"tail":"none"},"zindex":0},"to":32},{"from":32,"id":64,"label":{"kind":"normal","label":"","style":{"alignment":"left","bend":0,"color":"red","dashed":false,"head":"default","kind":"normal","marker":"","position":0.5,"tail":"none"},"zindex":0},"to":33},{"from":35,"id":65,"label":{"kind":"normal","label":"","style":{"alignment":"left","bend":0,"color":"black","dashed":false,"head":"default","kind":"normal","marker":"","position":0.5,"tail":"none"},"zindex":0},"to":36},{"from":36,"id":66,"label":{"kind":"normal","label":"","style":{"alignment":"left","bend":0,"color":"black","dashed":false,"head":"default","kind":"normal","marker":"","position":0.5,"tail":"none"},"zindex":0},"to":37},{"from":37,"id":67,"label":{"kind":"normal","label":"","style":{"alignment":"left","bend":0,"color":"black","dashed":false,"head":"default","kind":"normal","marker":"","position":0.5,"tail":"none"},"zindex":0},"to":38},{"from":35,"id":68,"label":{"kind":"normal","label":"","style":{"alignment":"left","bend":-0.6,"color":"red","dashed":false,"head":"default","kind":"normal","marker":"","position":0.5,"tail":"none"},"zindex":0},"to":37},{"from":36,"id":69,"label":{"kind":"normal","label":"","style":{"alignment":"left","bend":0.7,"color":"red","dashed":false,"head":"default","kind":"normal","marker":"","position":0.5,"tail":"none"},"zindex":0},"to":38},{"from":46,"id":70,"label":{"kind":"normal","label":"","style":{"alignment":"left","bend":0,"color":"black","dashed":false,"head":"default","kind":"double","marker":"","position":0.5,"tail":"none"},"zindex":0},"to":5},{"from":50,"id":71,"label":{"kind":"normal","label":"","style":{"alignment":"left","bend":0,"color":"black","dashed":false,"head":"default","kind":"double","marker":"","position":0.5,"tail":"none"},"zindex":0},"to":11},{"from":26,"id":72,"label":{"kind":"normal","label":"","style":{"alignment":"right","bend":0,"color":"red","dashed":false,"head":"default","kind":"double","marker":"","position":0.5,"tail":"none"},"zindex":0},"to":60},{"from":61,"id":73,"label":{"kind":"normal","label":"","style":{"alignment":"left","bend":0,"color":"black","dashed":false,"head":"default","kind":"double","marker":"","position":0.5,"tail":"none"},"zindex":0},"to":12},{"from":36,"id":74,"label":{"kind":"normal","label":"","style":{"alignment":"right","bend":0,"color":"red","dashed":false,"head":"default","kind":"double","marker":"","position":0.5,"tail":"none"},"zindex":0},"to":68},{"from":69,"id":75,"label":{"kind":"normal","label":"","style":{"alignment":"left","bend":0,"color":"red","dashed":false,"head":"default","kind":"double","marker":"","position":0.5,"tail":"none"},"zindex":0},"to":37}],"id":0,"nextGraphId":76,"nodes":[{"id":0,"label":{"isCoqValidated":false,"isMath":true,"label":"","pos":[125,75],"zindex":0}},{"id":1,"label":{"isCoqValidated":false,"isMath":true,"label":"","pos":[175,75],"zindex":0}},{"id":2,"label":{"isCoqValidated":false,"isMath":true,"label":"","pos":[225,75],"zindex":0}},{"id":3,"label":{"isCoqValidated":false,"isMath":true,"label":"","pos":[275,75],"zindex":0}},{"id":4,"label":{"isCoqValidated":false,"isMath":true,"label":"","pos":[375,75],"zindex":0}},{"id":5,"label":{"isCoqValidated":false,"isMath":true,"label":"","pos":[425,75],"zindex":0}},{"id":6,"label":{"isCoqValidated":false,"isMath":true,"label":"","pos":[475,75],"zindex":0}},{"id":7,"label":{"isCoqValidated":false,"isMath":true,"label":"","pos":[525,75],"zindex":0}},{"id":8,"label":{"isCoqValidated":false,"isMath":true,"label":"\\Rightarrow","pos":[325,75],"zindex":0}},{"id":9,"label":{"isCoqValidated":false,"isMath":true,"label":"\\Rightarrow","pos":[625,75],"zindex":0}},{"id":10,"label":{"isCoqValidated":false,"isMath":true,"label":"","pos":[675,75],"zindex":0}},{"id":11,"label":{"isCoqValidated":false,"isMath":true,"label":"","pos":[725,75],"zindex":0}},{"id":12,"label":{"isCoqValidated":false,"isMath":true,"label":"","pos":[775,75],"zindex":0}},{"id":13,"label":{"isCoqValidated":false,"isMath":true,"label":"","pos":[825,75],"zindex":0}},{"id":14,"label":{"isCoqValidated":false,"isMath":true,"label":"\\forall","pos":[112.00284099578857,124.43182373046875],"zindex":0}},{"id":15,"label":{"isCoqValidated":false,"isMath":true,"label":"\\red \\bullet","</a:t>
-            </a:r>
-            <a:r>
-              <a:rPr lang="en-GB" dirty="0" err="1"/>
-              <a:t>pos</a:t>
-            </a:r>
-            <a:r>
-              <a:rPr lang="en-GB" dirty="0"/>
-              <a:t>":[122.00284099578857,142.43182373046875],"zindex":0}},{"id":16,"label":{"</a:t>
-            </a:r>
-            <a:r>
-              <a:rPr lang="en-GB" dirty="0" err="1"/>
-              <a:t>isCoqValidated</a:t>
-            </a:r>
-            <a:r>
-              <a:rPr lang="en-GB" dirty="0"/>
-              <a:t>":false,"</a:t>
-            </a:r>
-            <a:r>
-              <a:rPr lang="en-GB" dirty="0" err="1"/>
-              <a:t>isMath</a:t>
-            </a:r>
-            <a:r>
-              <a:rPr lang="en-GB" dirty="0"/>
-              <a:t>":</a:t>
-            </a:r>
-            <a:r>
-              <a:rPr lang="en-GB" dirty="0" err="1"/>
-              <a:t>true,"label</a:t>
-            </a:r>
-            <a:r>
-              <a:rPr lang="en-GB" dirty="0"/>
-              <a:t>":"\\red \\bullet","</a:t>
-            </a:r>
-            <a:r>
-              <a:rPr lang="en-GB" dirty="0" err="1"/>
-              <a:t>pos</a:t>
-            </a:r>
-            <a:r>
-              <a:rPr lang="en-GB" dirty="0"/>
-              <a:t>":[172.00284099578857,142.43182373046875],"zindex":0}},{"id":17,"label":{"</a:t>
-            </a:r>
-            <a:r>
-              <a:rPr lang="en-GB" dirty="0" err="1"/>
-              <a:t>isCoqValidated</a:t>
-            </a:r>
-            <a:r>
-              <a:rPr lang="en-GB" dirty="0"/>
-              <a:t>":false,"</a:t>
-            </a:r>
-            <a:r>
-              <a:rPr lang="en-GB" dirty="0" err="1"/>
-              <a:t>isMath</a:t>
-            </a:r>
-            <a:r>
-              <a:rPr lang="en-GB" dirty="0"/>
-              <a:t>":</a:t>
-            </a:r>
-            <a:r>
-              <a:rPr lang="en-GB" dirty="0" err="1"/>
-              <a:t>true,"label</a:t>
-            </a:r>
-            <a:r>
-              <a:rPr lang="en-GB" dirty="0"/>
-              <a:t>":"\\red \\bullet","</a:t>
-            </a:r>
-            <a:r>
-              <a:rPr lang="en-GB" dirty="0" err="1"/>
-              <a:t>pos</a:t>
-            </a:r>
-            <a:r>
-              <a:rPr lang="en-GB" dirty="0"/>
-              <a:t>":[222.00284099578857,142.43182373046875],"zindex":0}},{"id":18,"label":{"</a:t>
-            </a:r>
-            <a:r>
-              <a:rPr lang="en-GB" dirty="0" err="1"/>
-              <a:t>isCoqValidated</a:t>
-            </a:r>
-            <a:r>
-              <a:rPr lang="en-GB" dirty="0"/>
-              <a:t>":false,"</a:t>
-            </a:r>
-            <a:r>
-              <a:rPr lang="en-GB" dirty="0" err="1"/>
-              <a:t>isMath</a:t>
-            </a:r>
-            <a:r>
-              <a:rPr lang="en-GB" dirty="0"/>
-              <a:t>":</a:t>
-            </a:r>
-            <a:r>
-              <a:rPr lang="en-GB" dirty="0" err="1"/>
-              <a:t>true,"label</a:t>
-            </a:r>
-            <a:r>
-              <a:rPr lang="en-GB" dirty="0"/>
-              <a:t>":"\\red \\bullet","</a:t>
-            </a:r>
-            <a:r>
-              <a:rPr lang="en-GB" dirty="0" err="1"/>
-              <a:t>pos</a:t>
-            </a:r>
-            <a:r>
-              <a:rPr lang="en-GB" dirty="0"/>
-              <a:t>":[272.0028409957886,142.43182373046875],"zindex":0}},{"id":19,"label":{"</a:t>
-            </a:r>
-            <a:r>
-              <a:rPr lang="en-GB" dirty="0" err="1"/>
-              <a:t>isCoqValidated</a:t>
-            </a:r>
-            <a:r>
-              <a:rPr lang="en-GB" dirty="0"/>
-              <a:t>":false,"</a:t>
-            </a:r>
-            <a:r>
-              <a:rPr lang="en-GB" dirty="0" err="1"/>
-              <a:t>isMath</a:t>
-            </a:r>
-            <a:r>
-              <a:rPr lang="en-GB" dirty="0"/>
-              <a:t>":</a:t>
-            </a:r>
-            <a:r>
-              <a:rPr lang="en-GB" dirty="0" err="1"/>
-              <a:t>true,"label</a:t>
-            </a:r>
-            <a:r>
-              <a:rPr lang="en-GB" dirty="0"/>
-              <a:t>":"\\forall","pos":[373.0028409957886,128.43182373046875],"zindex":0}},{"id":20,"label":{"isCoqValidated":false,"isMath":true,"label":"\\red \\bullet","</a:t>
-            </a:r>
-            <a:r>
-              <a:rPr lang="en-GB" dirty="0" err="1"/>
-              <a:t>pos</a:t>
-            </a:r>
-            <a:r>
-              <a:rPr lang="en-GB" dirty="0"/>
-              <a:t>":[389.0028409957886,143.43182373046875],"zindex":0}},{"id":21,"label":{"</a:t>
-            </a:r>
-            <a:r>
-              <a:rPr lang="en-GB" dirty="0" err="1"/>
-              <a:t>isCoqValidated</a:t>
-            </a:r>
-            <a:r>
-              <a:rPr lang="en-GB" dirty="0"/>
-              <a:t>":false,"</a:t>
-            </a:r>
-            <a:r>
-              <a:rPr lang="en-GB" dirty="0" err="1"/>
-              <a:t>isMath</a:t>
-            </a:r>
-            <a:r>
-              <a:rPr lang="en-GB" dirty="0"/>
-              <a:t>":</a:t>
-            </a:r>
-            <a:r>
-              <a:rPr lang="en-GB" dirty="0" err="1"/>
-              <a:t>true,"label</a:t>
-            </a:r>
-            <a:r>
-              <a:rPr lang="en-GB" dirty="0"/>
-              <a:t>":"\\red \\bullet","</a:t>
-            </a:r>
-            <a:r>
-              <a:rPr lang="en-GB" dirty="0" err="1"/>
-              <a:t>pos</a:t>
-            </a:r>
-            <a:r>
-              <a:rPr lang="en-GB" dirty="0"/>
-              <a:t>":[419.0028409957886,143.43182373046875],"zindex":0}},{"id":22,"label":{"</a:t>
-            </a:r>
-            <a:r>
-              <a:rPr lang="en-GB" dirty="0" err="1"/>
-              <a:t>isCoqValidated</a:t>
-            </a:r>
-            <a:r>
-              <a:rPr lang="en-GB" dirty="0"/>
-              <a:t>":false,"</a:t>
-            </a:r>
-            <a:r>
-              <a:rPr lang="en-GB" dirty="0" err="1"/>
-              <a:t>isMath</a:t>
-            </a:r>
-            <a:r>
-              <a:rPr lang="en-GB" dirty="0"/>
-              <a:t>":</a:t>
-            </a:r>
-            <a:r>
-              <a:rPr lang="en-GB" dirty="0" err="1"/>
-              <a:t>true,"label</a:t>
-            </a:r>
-            <a:r>
-              <a:rPr lang="en-GB" dirty="0"/>
-              <a:t>":"\\red \\bullet","</a:t>
-            </a:r>
-            <a:r>
-              <a:rPr lang="en-GB" dirty="0" err="1"/>
-              <a:t>pos</a:t>
-            </a:r>
-            <a:r>
-              <a:rPr lang="en-GB" dirty="0"/>
-              <a:t>":[448.0028409957886,143.43182373046875],"zindex":0}},{"id":23,"label":{"</a:t>
-            </a:r>
-            <a:r>
-              <a:rPr lang="en-GB" dirty="0" err="1"/>
-              <a:t>isCoqValidated</a:t>
-            </a:r>
-            <a:r>
-              <a:rPr lang="en-GB" dirty="0"/>
-              <a:t>":false,"</a:t>
-            </a:r>
-            <a:r>
-              <a:rPr lang="en-GB" dirty="0" err="1"/>
-              <a:t>isMath</a:t>
-            </a:r>
-            <a:r>
-              <a:rPr lang="en-GB" dirty="0"/>
-              <a:t>":</a:t>
-            </a:r>
-            <a:r>
-              <a:rPr lang="en-GB" dirty="0" err="1"/>
-              <a:t>true,"label</a:t>
-            </a:r>
-            <a:r>
-              <a:rPr lang="en-GB" dirty="0"/>
-              <a:t>":"\\red \\bullet","</a:t>
-            </a:r>
-            <a:r>
-              <a:rPr lang="en-GB" dirty="0" err="1"/>
-              <a:t>pos</a:t>
-            </a:r>
-            <a:r>
-              <a:rPr lang="en-GB" dirty="0"/>
-              <a:t>":[476.0028409957886,143.43182373046875],"zindex":0}},{"id":24,"label":{"</a:t>
-            </a:r>
-            <a:r>
-              <a:rPr lang="en-GB" dirty="0" err="1"/>
-              <a:t>isCoqValidated</a:t>
-            </a:r>
-            <a:r>
-              <a:rPr lang="en-GB" dirty="0"/>
-              <a:t>":false,"</a:t>
-            </a:r>
-            <a:r>
-              <a:rPr lang="en-GB" dirty="0" err="1"/>
-              <a:t>isMath</a:t>
-            </a:r>
-            <a:r>
-              <a:rPr lang="en-GB" dirty="0"/>
-              <a:t>":</a:t>
-            </a:r>
-            <a:r>
-              <a:rPr lang="en-GB" dirty="0" err="1"/>
-              <a:t>true,"label</a:t>
-            </a:r>
-            <a:r>
-              <a:rPr lang="en-GB" dirty="0"/>
-              <a:t>":" ∃","</a:t>
-            </a:r>
-            <a:r>
-              <a:rPr lang="en-GB" dirty="0" err="1"/>
-              <a:t>pos</a:t>
-            </a:r>
-            <a:r>
-              <a:rPr lang="en-GB" dirty="0"/>
-              <a:t>":[490.0028409957886,126.88638305664062],"zindex":0}},{"id":25,"label":{"</a:t>
-            </a:r>
-            <a:r>
-              <a:rPr lang="en-GB" dirty="0" err="1"/>
-              <a:t>isCoqValidated</a:t>
-            </a:r>
-            <a:r>
-              <a:rPr lang="en-GB" dirty="0"/>
-              <a:t>":false,"</a:t>
-            </a:r>
-            <a:r>
-              <a:rPr lang="en-GB" dirty="0" err="1"/>
-              <a:t>isMath</a:t>
-            </a:r>
-            <a:r>
-              <a:rPr lang="en-GB" dirty="0"/>
-              <a:t>":</a:t>
-            </a:r>
-            <a:r>
-              <a:rPr lang="en-GB" dirty="0" err="1"/>
-              <a:t>true,"label</a:t>
-            </a:r>
-            <a:r>
-              <a:rPr lang="en-GB" dirty="0"/>
-              <a:t>":" \\bullet","</a:t>
-            </a:r>
-            <a:r>
-              <a:rPr lang="en-GB" dirty="0" err="1"/>
-              <a:t>pos</a:t>
-            </a:r>
-            <a:r>
-              <a:rPr lang="en-GB" dirty="0"/>
-              <a:t>":[509.5028409957886,142.88638305664062],"zindex":0}},{"id":26,"label":{"</a:t>
-            </a:r>
-            <a:r>
-              <a:rPr lang="en-GB" dirty="0" err="1"/>
-              <a:t>isCoqValidated</a:t>
-            </a:r>
-            <a:r>
-              <a:rPr lang="en-GB" dirty="0"/>
-              <a:t>":false,"</a:t>
-            </a:r>
-            <a:r>
-              <a:rPr lang="en-GB" dirty="0" err="1"/>
-              <a:t>isMath</a:t>
-            </a:r>
-            <a:r>
-              <a:rPr lang="en-GB" dirty="0"/>
-              <a:t>":</a:t>
-            </a:r>
-            <a:r>
-              <a:rPr lang="en-GB" dirty="0" err="1"/>
-              <a:t>true,"label</a:t>
-            </a:r>
-            <a:r>
-              <a:rPr lang="en-GB" dirty="0"/>
-              <a:t>":" \\bullet","</a:t>
-            </a:r>
-            <a:r>
-              <a:rPr lang="en-GB" dirty="0" err="1"/>
-              <a:t>pos</a:t>
-            </a:r>
-            <a:r>
-              <a:rPr lang="en-GB" dirty="0"/>
-              <a:t>":[539.5028409957886,142.88638305664062],"zindex":0}},{"id":27,"label":{"</a:t>
-            </a:r>
-            <a:r>
-              <a:rPr lang="en-GB" dirty="0" err="1"/>
-              <a:t>isCoqValidated</a:t>
-            </a:r>
-            <a:r>
-              <a:rPr lang="en-GB" dirty="0"/>
-              <a:t>":false,"</a:t>
-            </a:r>
-            <a:r>
-              <a:rPr lang="en-GB" dirty="0" err="1"/>
-              <a:t>isMath</a:t>
-            </a:r>
-            <a:r>
-              <a:rPr lang="en-GB" dirty="0"/>
-              <a:t>":</a:t>
-            </a:r>
-            <a:r>
-              <a:rPr lang="en-GB" dirty="0" err="1"/>
-              <a:t>true,"label</a:t>
-            </a:r>
-            <a:r>
-              <a:rPr lang="en-GB" dirty="0"/>
-              <a:t>":" \\bullet","</a:t>
-            </a:r>
-            <a:r>
-              <a:rPr lang="en-GB" dirty="0" err="1"/>
-              <a:t>pos</a:t>
-            </a:r>
-            <a:r>
-              <a:rPr lang="en-GB" dirty="0"/>
-              <a:t>":[568.5028409957886,142.88638305664062],"zindex":0}},{"id":28,"label":{"</a:t>
-            </a:r>
-            <a:r>
-              <a:rPr lang="en-GB" dirty="0" err="1"/>
-              <a:t>isCoqValidated</a:t>
-            </a:r>
-            <a:r>
-              <a:rPr lang="en-GB" dirty="0"/>
-              <a:t>":false,"</a:t>
-            </a:r>
-            <a:r>
-              <a:rPr lang="en-GB" dirty="0" err="1"/>
-              <a:t>isMath</a:t>
-            </a:r>
-            <a:r>
-              <a:rPr lang="en-GB" dirty="0"/>
-              <a:t>":</a:t>
-            </a:r>
-            <a:r>
-              <a:rPr lang="en-GB" dirty="0" err="1"/>
-              <a:t>true,"label</a:t>
-            </a:r>
-            <a:r>
-              <a:rPr lang="en-GB" dirty="0"/>
-              <a:t>":" \\bullet","</a:t>
-            </a:r>
-            <a:r>
-              <a:rPr lang="en-GB" dirty="0" err="1"/>
-              <a:t>pos</a:t>
-            </a:r>
-            <a:r>
-              <a:rPr lang="en-GB" dirty="0"/>
-              <a:t>":[596.5028409957886,142.88638305664062],"zindex":0}},{"id":29,"label":{"</a:t>
-            </a:r>
-            <a:r>
-              <a:rPr lang="en-GB" dirty="0" err="1"/>
-              <a:t>isCoqValidated</a:t>
-            </a:r>
-            <a:r>
-              <a:rPr lang="en-GB" dirty="0"/>
-              <a:t>":false,"</a:t>
-            </a:r>
-            <a:r>
-              <a:rPr lang="en-GB" dirty="0" err="1"/>
-              <a:t>isMath</a:t>
-            </a:r>
-            <a:r>
-              <a:rPr lang="en-GB" dirty="0"/>
-              <a:t>":</a:t>
-            </a:r>
-            <a:r>
-              <a:rPr lang="en-GB" dirty="0" err="1"/>
-              <a:t>true,"label</a:t>
-            </a:r>
-            <a:r>
-              <a:rPr lang="en-GB" dirty="0"/>
-              <a:t>":"\\forall","pos":[697.7528409957886,129.43182373046875],"zindex":0}},{"id":30,"label":{"isCoqValidated":false,"isMath":true,"label":"\\red \\bullet","</a:t>
-            </a:r>
-            <a:r>
-              <a:rPr lang="en-GB" dirty="0" err="1"/>
-              <a:t>pos</a:t>
-            </a:r>
-            <a:r>
-              <a:rPr lang="en-GB" dirty="0"/>
-              <a:t>":[713.7528409957886,144.43182373046875],"zindex":0}},{"id":31,"label":{"</a:t>
-            </a:r>
-            <a:r>
-              <a:rPr lang="en-GB" dirty="0" err="1"/>
-              <a:t>isCoqValidated</a:t>
-            </a:r>
-            <a:r>
-              <a:rPr lang="en-GB" dirty="0"/>
-              <a:t>":false,"</a:t>
-            </a:r>
-            <a:r>
-              <a:rPr lang="en-GB" dirty="0" err="1"/>
-              <a:t>isMath</a:t>
-            </a:r>
-            <a:r>
-              <a:rPr lang="en-GB" dirty="0"/>
-              <a:t>":</a:t>
-            </a:r>
-            <a:r>
-              <a:rPr lang="en-GB" dirty="0" err="1"/>
-              <a:t>true,"label</a:t>
-            </a:r>
-            <a:r>
-              <a:rPr lang="en-GB" dirty="0"/>
-              <a:t>":"\\red \\bullet","</a:t>
-            </a:r>
-            <a:r>
-              <a:rPr lang="en-GB" dirty="0" err="1"/>
-              <a:t>pos</a:t>
-            </a:r>
-            <a:r>
-              <a:rPr lang="en-GB" dirty="0"/>
-              <a:t>":[743.7528409957886,144.43182373046875],"zindex":0}},{"id":32,"label":{"</a:t>
-            </a:r>
-            <a:r>
-              <a:rPr lang="en-GB" dirty="0" err="1"/>
-              <a:t>isCoqValidated</a:t>
-            </a:r>
-            <a:r>
-              <a:rPr lang="en-GB" dirty="0"/>
-              <a:t>":false,"</a:t>
-            </a:r>
-            <a:r>
-              <a:rPr lang="en-GB" dirty="0" err="1"/>
-              <a:t>isMath</a:t>
-            </a:r>
-            <a:r>
-              <a:rPr lang="en-GB" dirty="0"/>
-              <a:t>":</a:t>
-            </a:r>
-            <a:r>
-              <a:rPr lang="en-GB" dirty="0" err="1"/>
-              <a:t>true,"label</a:t>
-            </a:r>
-            <a:r>
-              <a:rPr lang="en-GB" dirty="0"/>
-              <a:t>":"\\red \\bullet","</a:t>
-            </a:r>
-            <a:r>
-              <a:rPr lang="en-GB" dirty="0" err="1"/>
-              <a:t>pos</a:t>
-            </a:r>
-            <a:r>
-              <a:rPr lang="en-GB" dirty="0"/>
-              <a:t>":[772.7528409957886,144.43182373046875],"zindex":0}},{"id":33,"label":{"</a:t>
-            </a:r>
-            <a:r>
-              <a:rPr lang="en-GB" dirty="0" err="1"/>
-              <a:t>isCoqValidated</a:t>
-            </a:r>
-            <a:r>
-              <a:rPr lang="en-GB" dirty="0"/>
-              <a:t>":false,"</a:t>
-            </a:r>
-            <a:r>
-              <a:rPr lang="en-GB" dirty="0" err="1"/>
-              <a:t>isMath</a:t>
-            </a:r>
-            <a:r>
-              <a:rPr lang="en-GB" dirty="0"/>
-              <a:t>":</a:t>
-            </a:r>
-            <a:r>
-              <a:rPr lang="en-GB" dirty="0" err="1"/>
-              <a:t>true,"label</a:t>
-            </a:r>
-            <a:r>
-              <a:rPr lang="en-GB" dirty="0"/>
-              <a:t>":"\\red \\bullet","</a:t>
-            </a:r>
-            <a:r>
-              <a:rPr lang="en-GB" dirty="0" err="1"/>
-              <a:t>pos</a:t>
-            </a:r>
-            <a:r>
-              <a:rPr lang="en-GB" dirty="0"/>
-              <a:t>":[800.7528409957886,144.43182373046875],"zindex":0}},{"id":34,"label":{"</a:t>
-            </a:r>
-            <a:r>
-              <a:rPr lang="en-GB" dirty="0" err="1"/>
-              <a:t>isCoqValidated</a:t>
-            </a:r>
-            <a:r>
-              <a:rPr lang="en-GB" dirty="0"/>
-              <a:t>":false,"</a:t>
-            </a:r>
-            <a:r>
-              <a:rPr lang="en-GB" dirty="0" err="1"/>
-              <a:t>isMath</a:t>
-            </a:r>
-            <a:r>
-              <a:rPr lang="en-GB" dirty="0"/>
-              <a:t>":</a:t>
-            </a:r>
-            <a:r>
-              <a:rPr lang="en-GB" dirty="0" err="1"/>
-              <a:t>true,"label</a:t>
-            </a:r>
-            <a:r>
-              <a:rPr lang="en-GB" dirty="0"/>
-              <a:t>":" ∃","</a:t>
-            </a:r>
-            <a:r>
-              <a:rPr lang="en-GB" dirty="0" err="1"/>
-              <a:t>pos</a:t>
-            </a:r>
-            <a:r>
-              <a:rPr lang="en-GB" dirty="0"/>
-              <a:t>":[821.0028409957886,128.88638305664062],"zindex":0}},{"id":35,"label":{"</a:t>
-            </a:r>
-            <a:r>
-              <a:rPr lang="en-GB" dirty="0" err="1"/>
-              <a:t>isCoqValidated</a:t>
-            </a:r>
-            <a:r>
-              <a:rPr lang="en-GB" dirty="0"/>
-              <a:t>":false,"</a:t>
-            </a:r>
-            <a:r>
-              <a:rPr lang="en-GB" dirty="0" err="1"/>
-              <a:t>isMath</a:t>
-            </a:r>
-            <a:r>
-              <a:rPr lang="en-GB" dirty="0"/>
-              <a:t>":</a:t>
-            </a:r>
-            <a:r>
-              <a:rPr lang="en-GB" dirty="0" err="1"/>
-              <a:t>true,"label</a:t>
-            </a:r>
-            <a:r>
-              <a:rPr lang="en-GB" dirty="0"/>
-              <a:t>":" \\bullet","</a:t>
-            </a:r>
-            <a:r>
-              <a:rPr lang="en-GB" dirty="0" err="1"/>
-              <a:t>pos</a:t>
-            </a:r>
-            <a:r>
-              <a:rPr lang="en-GB" dirty="0"/>
-              <a:t>":[835.5028409957886,145.88638305664062],"zindex":0}},{"id":36,"label":{"</a:t>
-            </a:r>
-            <a:r>
-              <a:rPr lang="en-GB" dirty="0" err="1"/>
-              <a:t>isCoqValidated</a:t>
-            </a:r>
-            <a:r>
-              <a:rPr lang="en-GB" dirty="0"/>
-              <a:t>":false,"</a:t>
-            </a:r>
-            <a:r>
-              <a:rPr lang="en-GB" dirty="0" err="1"/>
-              <a:t>isMath</a:t>
-            </a:r>
-            <a:r>
-              <a:rPr lang="en-GB" dirty="0"/>
-              <a:t>":</a:t>
-            </a:r>
-            <a:r>
-              <a:rPr lang="en-GB" dirty="0" err="1"/>
-              <a:t>true,"label</a:t>
-            </a:r>
-            <a:r>
-              <a:rPr lang="en-GB" dirty="0"/>
-              <a:t>":" \\bullet","</a:t>
-            </a:r>
-            <a:r>
-              <a:rPr lang="en-GB" dirty="0" err="1"/>
-              <a:t>pos</a:t>
-            </a:r>
-            <a:r>
-              <a:rPr lang="en-GB" dirty="0"/>
-              <a:t>":[865.5028409957886,145.88638305664062],"zindex":0}},{"id":37,"label":{"</a:t>
-            </a:r>
-            <a:r>
-              <a:rPr lang="en-GB" dirty="0" err="1"/>
-              <a:t>isCoqValidated</a:t>
-            </a:r>
-            <a:r>
-              <a:rPr lang="en-GB" dirty="0"/>
-              <a:t>":false,"</a:t>
-            </a:r>
-            <a:r>
-              <a:rPr lang="en-GB" dirty="0" err="1"/>
-              <a:t>isMath</a:t>
-            </a:r>
-            <a:r>
-              <a:rPr lang="en-GB" dirty="0"/>
-              <a:t>":</a:t>
-            </a:r>
-            <a:r>
-              <a:rPr lang="en-GB" dirty="0" err="1"/>
-              <a:t>true,"label</a:t>
-            </a:r>
-            <a:r>
-              <a:rPr lang="en-GB" dirty="0"/>
-              <a:t>":" \\bullet","</a:t>
-            </a:r>
-            <a:r>
-              <a:rPr lang="en-GB" dirty="0" err="1"/>
-              <a:t>pos</a:t>
-            </a:r>
-            <a:r>
-              <a:rPr lang="en-GB" dirty="0"/>
-              <a:t>":[894.5028409957886,145.88638305664062],"zindex":0}},{"id":38,"label":{"</a:t>
-            </a:r>
-            <a:r>
-              <a:rPr lang="en-GB" dirty="0" err="1"/>
-              <a:t>isCoqValidated</a:t>
-            </a:r>
-            <a:r>
-              <a:rPr lang="en-GB" dirty="0"/>
-              <a:t>":false,"</a:t>
-            </a:r>
-            <a:r>
-              <a:rPr lang="en-GB" dirty="0" err="1"/>
-              <a:t>isMath</a:t>
-            </a:r>
-            <a:r>
-              <a:rPr lang="en-GB" dirty="0"/>
-              <a:t>":</a:t>
-            </a:r>
-            <a:r>
-              <a:rPr lang="en-GB" dirty="0" err="1"/>
-              <a:t>true,"label</a:t>
-            </a:r>
-            <a:r>
-              <a:rPr lang="en-GB" dirty="0"/>
-              <a:t>":" \\bullet","</a:t>
-            </a:r>
-            <a:r>
-              <a:rPr lang="en-GB" dirty="0" err="1"/>
-              <a:t>pos</a:t>
-            </a:r>
-            <a:r>
-              <a:rPr lang="en-GB" dirty="0"/>
-              <a:t>":[922.5028409957886,145.88638305664062],"zindex":0}},{"id":39,"label":{"</a:t>
-            </a:r>
-            <a:r>
-              <a:rPr lang="en-GB" dirty="0" err="1"/>
-              <a:t>isCoqValidated</a:t>
-            </a:r>
-            <a:r>
-              <a:rPr lang="en-GB" dirty="0"/>
-              <a:t>":false,"</a:t>
-            </a:r>
-            <a:r>
-              <a:rPr lang="en-GB" dirty="0" err="1"/>
-              <a:t>isMath</a:t>
-            </a:r>
-            <a:r>
-              <a:rPr lang="en-GB" dirty="0"/>
-              <a:t>":true,"label":"","</a:t>
-            </a:r>
-            <a:r>
-              <a:rPr lang="en-GB" dirty="0" err="1"/>
-              <a:t>pos</a:t>
-            </a:r>
-            <a:r>
-              <a:rPr lang="en-GB" dirty="0"/>
-              <a:t>":[576.0028409957886,419.8863830566406],"zindex":0}}],"sizeGrid":50,"title":"1"}]},"version":15}</a:t>
+              <a:t>{"graph":{"activeTabId":0,"latexPreamble":"\\newcommand{\\coqproof}[1]{\\checkmark}","nextTabId":1,"tabs":[{"edges":[{"from":0,"id":4,"label":{"kind":"normal","label":"","style":{"alignment":"left","bend":0,"color":"black","dashed":false,"head":"default","kind":"normal","position":0.5,"tail":"hook"},"zindex":0},"to":1},{"from":1,"id":5,"label":{"kind":"normal","label":"","style":{"alignment":"left","bend":0,"color":"black","dashed":false,"head":"default","kind":"normal","position":0.5,"tail":"hook"},"zindex":0},"to":2},{"from":3,"id":6,"label":{"kind":"normal","label":"","style":{"alignment":"left","bend":0.2,"color":"black","dashed":false,"head":"default","kind":"normal","position":0.5,"tail":"none"},"zindex":0},"to":0},{"from":3,"id":7,"label":{"kind":"normal","label":"","style":{"alignment":"left","bend":-0.30000000000000004,"color":"black","dashed":false,"head":"default","kind":"normal","position":0.5,"tail":"none"},"zindex":0},"to":0},{"from":3,"id":8,"label":{"kind":"normal","label":"","style":{"alignment":"left","bend":-0.6,"color":"black","dashed":false,"head":"default","kind":"normal","position":0.5,"tail":"none"},"zindex":0},"to":2},{"from":0,"id":9,"label":{"kind":"normal","label":"","style":{"alignment":"left","bend":-0.5,"color":"black","dashed":false,"head":"default","kind":"normal","position":0.5,"tail":"none"},"zindex":0},"to":2},{"from":1,"id":10,"label":{"kind":"normal","label":"","style":{"alignment":"left","bend":0,"color":"black","dashed":false,"head":"default","kind":"double","position":0.5,"tail":"none"},"zindex":0},"to":9},{"from":0,"id":11,"label":{"kind":"normal","label":"","style":{"alignment":"left","bend":-0.4,"color":"black","dashed":false,"head":"default","kind":"double","position":0.5,"tail":"none"},"zindex":0},"to":8},{"from":0,"id":12,"label":{"kind":"normal","label":"","style":{"alignment":"left","bend":0.1,"color":"black","dashed":false,"head":"default","kind":"double","position":0.5,"tail":"none"},"zindex":0},"to":8}],"id":0,"nextGraphId":13,"nodes":[{"id":0,"label":{"isCoqValidated":false,"isMath":true,"label":"\\textcolor{black}{\\bullet}","pos":[250,150],"zindex":0}},{"id":1,"label":{"isCoqValidated":false,"isMath":true,"label":"\\textcolor{black}{\\bullet}","pos":[350,150],"zindex":0}},{"id":2,"label":{"isCoqValidated":false,"isMath":true,"label":"\\textcolor{black}{\\bullet}","pos":[450,150],"zindex":0}},{"id":3,"label":{"isCoqValidated":false,"isMath":true,"label":"","pos":[150,150],"zindex":0}}],"sizeGrid":150,"title":"1"}]},"version":14}</a:t>
             </a:r>
           </a:p>
         </p:txBody>
@@ -1749,7 +1044,7 @@
     </p:spTree>
     <p:extLst>
       <p:ext uri="{BB962C8B-B14F-4D97-AF65-F5344CB8AC3E}">
-        <p14:creationId xmlns:p14="http://schemas.microsoft.com/office/powerpoint/2010/main" val="1518014636"/>
+        <p14:creationId xmlns:p14="http://schemas.microsoft.com/office/powerpoint/2010/main" val="3151718343"/>
       </p:ext>
     </p:extLst>
   </p:cSld>
@@ -1805,7 +1100,711 @@
           <a:p>
             <a:r>
               <a:rPr lang="en-GB" dirty="0"/>
-              <a:t>{"graph":{"activeTabId":0,"latexPreamble":"\\newcommand{\\coqproof}[1]{\\checkmark}","nextTabId":1,"tabs":[{"edges":[{"from":0,"id":4,"label":{"kind":"normal","label":"","style":{"alignment":"left","bend":0,"color":"red","dashed":false,"head":"default","kind":"normal","position":0.5,"tail":"hook"},"zindex":0},"to":1},{"from":2,"id":5,"label":{"kind":"normal","label":"","style":{"alignment":"left","bend":-0.30000000000000004,"color":"blue","dashed":false,"head":"default","kind":"normal","position":0.5,"tail":"none"},"zindex":0},"to":0},{"from":2,"id":6,"label":{"kind":"normal","label":"","style":{"alignment":"left","bend":0.30000000000000004,"color":"blue","dashed":false,"head":"default","kind":"normal","position":0.5,"tail":"none"},"zindex":0},"to":0},{"from":2,"id":7,"label":{"kind":"normal","label":"","style":{"alignment":"left","bend":-0.6,"color":"blue","dashed":false,"head":"default","kind":"normal","position":0.5,"tail":"none"},"zindex":0},"to":1},{"from":0,"id":8,"label":{"kind":"normal","label":"","style":{"alignment":"left","bend":0,"color":"black","dashed":false,"head":"default","kind":"normal","position":0.5,"tail":"none"},"zindex":0},"to":1},{"from":0,"id":9,"label":{"kind":"normal","label":"","style":{"alignment":"left","bend":-0.30000000000000004,"color":"blue","dashed":false,"head":"default","kind":"double","position":0.5,"tail":"none"},"zindex":0},"to":7},{"from":0,"id":10,"label":{"kind":"normal","label":"","style":{"alignment":"left","bend":0.30000000000000004,"color":"blue","dashed":false,"head":"default","kind":"double","position":0.5,"tail":"none"},"zindex":0},"to":7}],"id":0,"nextGraphId":11,"nodes":[{"id":0,"label":{"isCoqValidated":false,"isMath":true,"label":"","pos":[602.0052080154419,232.89686584472656],"zindex":0}},{"id":1,"label":{"isCoqValidated":false,"isMath":true,"label":"","pos":[702.0052080154419,232.89686584472656],"zindex":0}},{"id":2,"label":{"isCoqValidated":false,"isMath":true,"label":"","pos":[502.0052080154419,232.89686584472656],"zindex":0}},{"id":3,"label":{"isCoqValidated":false,"isMath":true,"label":"\\textcolor{green}{=}","pos":[550.0052080154419,229.6968536376953],"zindex":0}}],"sizeGrid":150,"title":"1"}]},"version":14}</a:t>
+              <a:t>{"graph":{"activeTabId":0,"latexPreamble":"\\newcommand{\\coqproof}[1]{\\checkmark}","nextTabId":1,"tabs":[{"edges":[{"from":0,"id":40,"label":{"kind":"normal","label":"","style":{"alignment":"left","bend":0,"color":"black","dashed":false,"head":"default","kind":"normal","marker":"","position":0.5,"tail":"none"},"zindex":0},"to":1},{"from":1,"id":41,"label":{"kind":"normal","label":"","style":{"alignment":"left","bend":0,"color":"black","dashed":false,"head":"default","kind":"normal","marker":"","position":0.5,"tail":"none"},"zindex":0},"to":2},{"from":2,"id":42,"label":{"kind":"normal","label":"","style":{"alignment":"left","bend":0,"color":"black","dashed":false,"head":"default","kind":"normal","marker":"","position":0.5,"tail":"none"},"zindex":0},"to":3},{"from":4,"id":43,"label":{"kind":"normal","label":"","style":{"alignment":"left","bend":0,"color":"black","dashed":false,"head":"default","kind":"normal","marker":"","position":0.5,"tail":"none"},"zindex":0},"to":5},{"from":5,"id":44,"label":{"kind":"normal","label":"","style":{"alignment":"left","bend":0,"color":"black","dashed":false,"head":"default","kind":"normal","marker":"","position":0.5,"tail":"none"},"zindex":0},"to":6},{"from":6,"id":45,"label":{"kind":"normal","label":"","style":{"alignment":"left","bend":0,"color":"black","dashed":false,"head":"default","kind":"normal","marker":"","position":0.5,"tail":"none"},"zindex":0},"to":7},{"from":4,"id":46,"label":{"kind":"normal","label":"","style":{"alignment":"left","bend":-0.6,"color":"black","dashed":false,"head":"default","kind":"normal","marker":"","position":0.5,"tail":"none"},"zindex":0},"to":6},{"from":10,"id":47,"label":{"kind":"normal","label":"","style":{"alignment":"left","bend":0,"color":"black","dashed":false,"head":"default","kind":"normal","marker":"","position":0.5,"tail":"none"},"zindex":0},"to":11},{"from":11,"id":48,"label":{"kind":"normal","label":"","style":{"alignment":"left","bend":0,"color":"black","dashed":false,"head":"default","kind":"normal","marker":"","position":0.5,"tail":"none"},"zindex":0},"to":12},{"from":12,"id":49,"label":{"kind":"normal","label":"","style":{"alignment":"left","bend":0,"color":"black","dashed":false,"head":"default","kind":"normal","marker":"","position":0.5,"tail":"none"},"zindex":0},"to":13},{"from":10,"id":50,"label":{"kind":"normal","label":"","style":{"alignment":"left","bend":-0.6,"color":"black","dashed":false,"head":"default","kind":"normal","marker":"","position":0.5,"tail":"none"},"zindex":0},"to":12},{"from":15,"id":51,"label":{"kind":"normal","label":"","style":{"alignment":"left","bend":0,"color":"red","dashed":false,"head":"default","kind":"normal","marker":"","position":0.5,"tail":"none"},"zindex":0},"to":16},{"from":16,"id":52,"label":{"kind":"normal","label":"","style":{"alignment":"left","bend":0,"color":"red","dashed":false,"head":"default","kind":"normal","marker":"","position":0.5,"tail":"none"},"zindex":0},"to":17},{"from":17,"id":53,"label":{"kind":"normal","label":"","style":{"alignment":"left","bend":0,"color":"red","dashed":false,"head":"default","kind":"normal","marker":"","position":0.5,"tail":"none"},"zindex":0},"to":18},{"from":20,"id":54,"label":{"kind":"normal","label":"","style":{"alignment":"left","bend":0,"color":"red","dashed":false,"head":"default","kind":"normal","marker":"","position":0.5,"tail":"none"},"zindex":0},"to":21},{"from":21,"id":55,"label":{"kind":"normal","label":"","style":{"alignment":"left","bend":0,"color":"red","dashed":false,"head":"default","kind":"normal","marker":"","position":0.5,"tail":"none"},"zindex":0},"to":22},{"from":22,"id":56,"label":{"kind":"normal","label":"","style":{"alignment":"left","bend":0,"color":"red","dashed":false,"head":"default","kind":"normal","marker":"","position":0.5,"tail":"none"},"zindex":0},"to":23},{"from":25,"id":57,"label":{"kind":"normal","label":"","style":{"alignment":"left","bend":0,"color":"black","dashed":false,"head":"default","kind":"normal","marker":"","position":0.5,"tail":"none"},"zindex":0},"to":26},{"from":26,"id":58,"label":{"kind":"normal","label":"","style":{"alignment":"left","bend":0,"color":"black","dashed":false,"head":"default","kind":"normal","marker":"","position":0.5,"tail":"none"},"zindex":0},"to":27},{"from":27,"id":59,"label":{"kind":"normal","label":"","style":{"alignment":"left","bend":0,"color":"black","dashed":false,"head":"default","kind":"normal","marker":"","position":0.5,"tail":"none"},"zindex":0},"to":28},{"from":25,"id":60,"label":{"kind":"normal","label":"","style":{"alignment":"left","bend":-0.6,"color":"red","dashed":false,"head":"default","kind":"normal","marker":"","position":0.5,"tail":"none"},"zindex":0},"to":27},{"from":11,"id":61,"label":{"kind":"normal","label":"","style":{"alignment":"left","bend":0.7,"color":"black","dashed":false,"head":"default","kind":"normal","marker":"","position":0.5,"tail":"none"},"zindex":0},"to":13},{"from":30,"id":62,"label":{"kind":"normal","label":"","style":{"alignment":"left","bend":0,"color":"red","dashed":false,"head":"default","kind":"normal","marker":"","position":0.5,"tail":"none"},"zindex":0},"to":31},{"from":31,"id":63,"label":{"kind":"normal","label":"","style":{"alignment":"left","bend":0,"color":"red","dashed":false,"head":"default","kind":"normal","marker":"","position":0.5,"tail":"none"},"zindex":0},"to":32},{"from":32,"id":64,"label":{"kind":"normal","label":"","style":{"alignment":"left","bend":0,"color":"red","dashed":false,"head":"default","kind":"normal","marker":"","position":0.5,"tail":"none"},"zindex":0},"to":33},{"from":35,"id":65,"label":{"kind":"normal","label":"","style":{"alignment":"left","bend":0,"color":"black","dashed":false,"head":"default","kind":"normal","marker":"","position":0.5,"tail":"none"},"zindex":0},"to":36},{"from":36,"id":66,"label":{"kind":"normal","label":"","style":{"alignment":"left","bend":0,"color":"black","dashed":false,"head":"default","kind":"normal","marker":"","position":0.5,"tail":"none"},"zindex":0},"to":37},{"from":37,"id":67,"label":{"kind":"normal","label":"","style":{"alignment":"left","bend":0,"color":"black","dashed":false,"head":"default","kind":"normal","marker":"","position":0.5,"tail":"none"},"zindex":0},"to":38},{"from":35,"id":68,"label":{"kind":"normal","label":"","style":{"alignment":"left","bend":-0.6,"color":"red","dashed":false,"head":"default","kind":"normal","marker":"","position":0.5,"tail":"none"},"zindex":0},"to":37},{"from":36,"id":69,"label":{"kind":"normal","label":"","style":{"alignment":"left","bend":0.7,"color":"red","dashed":false,"head":"default","kind":"normal","marker":"","position":0.5,"tail":"none"},"zindex":0},"to":38},{"from":46,"id":70,"label":{"kind":"normal","label":"","style":{"alignment":"left","bend":0,"color":"black","dashed":false,"head":"default","kind":"double","marker":"","position":0.5,"tail":"none"},"zindex":0},"to":5},{"from":50,"id":71,"label":{"kind":"normal","label":"","style":{"alignment":"left","bend":0,"color":"black","dashed":false,"head":"default","kind":"double","marker":"","position":0.5,"tail":"none"},"zindex":0},"to":11},{"from":26,"id":72,"label":{"kind":"normal","label":"","style":{"alignment":"right","bend":0,"color":"red","dashed":false,"head":"default","kind":"double","marker":"","position":0.5,"tail":"none"},"zindex":0},"to":60},{"from":61,"id":73,"label":{"kind":"normal","label":"","style":{"alignment":"left","bend":0,"color":"black","dashed":false,"head":"default","kind":"double","marker":"","position":0.5,"tail":"none"},"zindex":0},"to":12},{"from":36,"id":74,"label":{"kind":"normal","label":"","style":{"alignment":"right","bend":0,"color":"red","dashed":false,"head":"default","kind":"double","marker":"","position":0.5,"tail":"none"},"zindex":0},"to":68},{"from":69,"id":75,"label":{"kind":"normal","label":"","style":{"alignment":"left","bend":0,"color":"red","dashed":false,"head":"default","kind":"double","marker":"","position":0.5,"tail":"none"},"zindex":0},"to":37}],"id":0,"nextGraphId":76,"nodes":[{"id":0,"label":{"isCoqValidated":false,"isMath":true,"label":"","pos":[125,75],"zindex":0}},{"id":1,"label":{"isCoqValidated":false,"isMath":true,"label":"","pos":[175,75],"zindex":0}},{"id":2,"label":{"isCoqValidated":false,"isMath":true,"label":"","pos":[225,75],"zindex":0}},{"id":3,"label":{"isCoqValidated":false,"isMath":true,"label":"","pos":[275,75],"zindex":0}},{"id":4,"label":{"isCoqValidated":false,"isMath":true,"label":"","pos":[375,75],"zindex":0}},{"id":5,"label":{"isCoqValidated":false,"isMath":true,"label":"","pos":[425,75],"zindex":0}},{"id":6,"label":{"isCoqValidated":false,"isMath":true,"label":"","pos":[475,75],"zindex":0}},{"id":7,"label":{"isCoqValidated":false,"isMath":true,"label":"","pos":[525,75],"zindex":0}},{"id":8,"label":{"isCoqValidated":false,"isMath":true,"label":"\\Rightarrow","pos":[325,75],"zindex":0}},{"id":9,"label":{"isCoqValidated":false,"isMath":true,"label":"\\Rightarrow","pos":[625,75],"zindex":0}},{"id":10,"label":{"isCoqValidated":false,"isMath":true,"label":"","pos":[675,75],"zindex":0}},{"id":11,"label":{"isCoqValidated":false,"isMath":true,"label":"","pos":[725,75],"zindex":0}},{"id":12,"label":{"isCoqValidated":false,"isMath":true,"label":"","pos":[775,75],"zindex":0}},{"id":13,"label":{"isCoqValidated":false,"isMath":true,"label":"","pos":[825,75],"zindex":0}},{"id":14,"label":{"isCoqValidated":false,"isMath":true,"label":"\\forall","pos":[112.00284099578857,124.43182373046875],"zindex":0}},{"id":15,"label":{"isCoqValidated":false,"isMath":true,"label":"\\red \\bullet","</a:t>
+            </a:r>
+            <a:r>
+              <a:rPr lang="en-GB" dirty="0" err="1"/>
+              <a:t>pos</a:t>
+            </a:r>
+            <a:r>
+              <a:rPr lang="en-GB" dirty="0"/>
+              <a:t>":[122.00284099578857,142.43182373046875],"zindex":0}},{"id":16,"label":{"</a:t>
+            </a:r>
+            <a:r>
+              <a:rPr lang="en-GB" dirty="0" err="1"/>
+              <a:t>isCoqValidated</a:t>
+            </a:r>
+            <a:r>
+              <a:rPr lang="en-GB" dirty="0"/>
+              <a:t>":false,"</a:t>
+            </a:r>
+            <a:r>
+              <a:rPr lang="en-GB" dirty="0" err="1"/>
+              <a:t>isMath</a:t>
+            </a:r>
+            <a:r>
+              <a:rPr lang="en-GB" dirty="0"/>
+              <a:t>":</a:t>
+            </a:r>
+            <a:r>
+              <a:rPr lang="en-GB" dirty="0" err="1"/>
+              <a:t>true,"label</a:t>
+            </a:r>
+            <a:r>
+              <a:rPr lang="en-GB" dirty="0"/>
+              <a:t>":"\\red \\bullet","</a:t>
+            </a:r>
+            <a:r>
+              <a:rPr lang="en-GB" dirty="0" err="1"/>
+              <a:t>pos</a:t>
+            </a:r>
+            <a:r>
+              <a:rPr lang="en-GB" dirty="0"/>
+              <a:t>":[172.00284099578857,142.43182373046875],"zindex":0}},{"id":17,"label":{"</a:t>
+            </a:r>
+            <a:r>
+              <a:rPr lang="en-GB" dirty="0" err="1"/>
+              <a:t>isCoqValidated</a:t>
+            </a:r>
+            <a:r>
+              <a:rPr lang="en-GB" dirty="0"/>
+              <a:t>":false,"</a:t>
+            </a:r>
+            <a:r>
+              <a:rPr lang="en-GB" dirty="0" err="1"/>
+              <a:t>isMath</a:t>
+            </a:r>
+            <a:r>
+              <a:rPr lang="en-GB" dirty="0"/>
+              <a:t>":</a:t>
+            </a:r>
+            <a:r>
+              <a:rPr lang="en-GB" dirty="0" err="1"/>
+              <a:t>true,"label</a:t>
+            </a:r>
+            <a:r>
+              <a:rPr lang="en-GB" dirty="0"/>
+              <a:t>":"\\red \\bullet","</a:t>
+            </a:r>
+            <a:r>
+              <a:rPr lang="en-GB" dirty="0" err="1"/>
+              <a:t>pos</a:t>
+            </a:r>
+            <a:r>
+              <a:rPr lang="en-GB" dirty="0"/>
+              <a:t>":[222.00284099578857,142.43182373046875],"zindex":0}},{"id":18,"label":{"</a:t>
+            </a:r>
+            <a:r>
+              <a:rPr lang="en-GB" dirty="0" err="1"/>
+              <a:t>isCoqValidated</a:t>
+            </a:r>
+            <a:r>
+              <a:rPr lang="en-GB" dirty="0"/>
+              <a:t>":false,"</a:t>
+            </a:r>
+            <a:r>
+              <a:rPr lang="en-GB" dirty="0" err="1"/>
+              <a:t>isMath</a:t>
+            </a:r>
+            <a:r>
+              <a:rPr lang="en-GB" dirty="0"/>
+              <a:t>":</a:t>
+            </a:r>
+            <a:r>
+              <a:rPr lang="en-GB" dirty="0" err="1"/>
+              <a:t>true,"label</a:t>
+            </a:r>
+            <a:r>
+              <a:rPr lang="en-GB" dirty="0"/>
+              <a:t>":"\\red \\bullet","</a:t>
+            </a:r>
+            <a:r>
+              <a:rPr lang="en-GB" dirty="0" err="1"/>
+              <a:t>pos</a:t>
+            </a:r>
+            <a:r>
+              <a:rPr lang="en-GB" dirty="0"/>
+              <a:t>":[272.0028409957886,142.43182373046875],"zindex":0}},{"id":19,"label":{"</a:t>
+            </a:r>
+            <a:r>
+              <a:rPr lang="en-GB" dirty="0" err="1"/>
+              <a:t>isCoqValidated</a:t>
+            </a:r>
+            <a:r>
+              <a:rPr lang="en-GB" dirty="0"/>
+              <a:t>":false,"</a:t>
+            </a:r>
+            <a:r>
+              <a:rPr lang="en-GB" dirty="0" err="1"/>
+              <a:t>isMath</a:t>
+            </a:r>
+            <a:r>
+              <a:rPr lang="en-GB" dirty="0"/>
+              <a:t>":</a:t>
+            </a:r>
+            <a:r>
+              <a:rPr lang="en-GB" dirty="0" err="1"/>
+              <a:t>true,"label</a:t>
+            </a:r>
+            <a:r>
+              <a:rPr lang="en-GB" dirty="0"/>
+              <a:t>":"\\forall","pos":[373.0028409957886,128.43182373046875],"zindex":0}},{"id":20,"label":{"isCoqValidated":false,"isMath":true,"label":"\\red \\bullet","</a:t>
+            </a:r>
+            <a:r>
+              <a:rPr lang="en-GB" dirty="0" err="1"/>
+              <a:t>pos</a:t>
+            </a:r>
+            <a:r>
+              <a:rPr lang="en-GB" dirty="0"/>
+              <a:t>":[389.0028409957886,143.43182373046875],"zindex":0}},{"id":21,"label":{"</a:t>
+            </a:r>
+            <a:r>
+              <a:rPr lang="en-GB" dirty="0" err="1"/>
+              <a:t>isCoqValidated</a:t>
+            </a:r>
+            <a:r>
+              <a:rPr lang="en-GB" dirty="0"/>
+              <a:t>":false,"</a:t>
+            </a:r>
+            <a:r>
+              <a:rPr lang="en-GB" dirty="0" err="1"/>
+              <a:t>isMath</a:t>
+            </a:r>
+            <a:r>
+              <a:rPr lang="en-GB" dirty="0"/>
+              <a:t>":</a:t>
+            </a:r>
+            <a:r>
+              <a:rPr lang="en-GB" dirty="0" err="1"/>
+              <a:t>true,"label</a:t>
+            </a:r>
+            <a:r>
+              <a:rPr lang="en-GB" dirty="0"/>
+              <a:t>":"\\red \\bullet","</a:t>
+            </a:r>
+            <a:r>
+              <a:rPr lang="en-GB" dirty="0" err="1"/>
+              <a:t>pos</a:t>
+            </a:r>
+            <a:r>
+              <a:rPr lang="en-GB" dirty="0"/>
+              <a:t>":[419.0028409957886,143.43182373046875],"zindex":0}},{"id":22,"label":{"</a:t>
+            </a:r>
+            <a:r>
+              <a:rPr lang="en-GB" dirty="0" err="1"/>
+              <a:t>isCoqValidated</a:t>
+            </a:r>
+            <a:r>
+              <a:rPr lang="en-GB" dirty="0"/>
+              <a:t>":false,"</a:t>
+            </a:r>
+            <a:r>
+              <a:rPr lang="en-GB" dirty="0" err="1"/>
+              <a:t>isMath</a:t>
+            </a:r>
+            <a:r>
+              <a:rPr lang="en-GB" dirty="0"/>
+              <a:t>":</a:t>
+            </a:r>
+            <a:r>
+              <a:rPr lang="en-GB" dirty="0" err="1"/>
+              <a:t>true,"label</a:t>
+            </a:r>
+            <a:r>
+              <a:rPr lang="en-GB" dirty="0"/>
+              <a:t>":"\\red \\bullet","</a:t>
+            </a:r>
+            <a:r>
+              <a:rPr lang="en-GB" dirty="0" err="1"/>
+              <a:t>pos</a:t>
+            </a:r>
+            <a:r>
+              <a:rPr lang="en-GB" dirty="0"/>
+              <a:t>":[448.0028409957886,143.43182373046875],"zindex":0}},{"id":23,"label":{"</a:t>
+            </a:r>
+            <a:r>
+              <a:rPr lang="en-GB" dirty="0" err="1"/>
+              <a:t>isCoqValidated</a:t>
+            </a:r>
+            <a:r>
+              <a:rPr lang="en-GB" dirty="0"/>
+              <a:t>":false,"</a:t>
+            </a:r>
+            <a:r>
+              <a:rPr lang="en-GB" dirty="0" err="1"/>
+              <a:t>isMath</a:t>
+            </a:r>
+            <a:r>
+              <a:rPr lang="en-GB" dirty="0"/>
+              <a:t>":</a:t>
+            </a:r>
+            <a:r>
+              <a:rPr lang="en-GB" dirty="0" err="1"/>
+              <a:t>true,"label</a:t>
+            </a:r>
+            <a:r>
+              <a:rPr lang="en-GB" dirty="0"/>
+              <a:t>":"\\red \\bullet","</a:t>
+            </a:r>
+            <a:r>
+              <a:rPr lang="en-GB" dirty="0" err="1"/>
+              <a:t>pos</a:t>
+            </a:r>
+            <a:r>
+              <a:rPr lang="en-GB" dirty="0"/>
+              <a:t>":[476.0028409957886,143.43182373046875],"zindex":0}},{"id":24,"label":{"</a:t>
+            </a:r>
+            <a:r>
+              <a:rPr lang="en-GB" dirty="0" err="1"/>
+              <a:t>isCoqValidated</a:t>
+            </a:r>
+            <a:r>
+              <a:rPr lang="en-GB" dirty="0"/>
+              <a:t>":false,"</a:t>
+            </a:r>
+            <a:r>
+              <a:rPr lang="en-GB" dirty="0" err="1"/>
+              <a:t>isMath</a:t>
+            </a:r>
+            <a:r>
+              <a:rPr lang="en-GB" dirty="0"/>
+              <a:t>":</a:t>
+            </a:r>
+            <a:r>
+              <a:rPr lang="en-GB" dirty="0" err="1"/>
+              <a:t>true,"label</a:t>
+            </a:r>
+            <a:r>
+              <a:rPr lang="en-GB" dirty="0"/>
+              <a:t>":" ∃","</a:t>
+            </a:r>
+            <a:r>
+              <a:rPr lang="en-GB" dirty="0" err="1"/>
+              <a:t>pos</a:t>
+            </a:r>
+            <a:r>
+              <a:rPr lang="en-GB" dirty="0"/>
+              <a:t>":[490.0028409957886,126.88638305664062],"zindex":0}},{"id":25,"label":{"</a:t>
+            </a:r>
+            <a:r>
+              <a:rPr lang="en-GB" dirty="0" err="1"/>
+              <a:t>isCoqValidated</a:t>
+            </a:r>
+            <a:r>
+              <a:rPr lang="en-GB" dirty="0"/>
+              <a:t>":false,"</a:t>
+            </a:r>
+            <a:r>
+              <a:rPr lang="en-GB" dirty="0" err="1"/>
+              <a:t>isMath</a:t>
+            </a:r>
+            <a:r>
+              <a:rPr lang="en-GB" dirty="0"/>
+              <a:t>":</a:t>
+            </a:r>
+            <a:r>
+              <a:rPr lang="en-GB" dirty="0" err="1"/>
+              <a:t>true,"label</a:t>
+            </a:r>
+            <a:r>
+              <a:rPr lang="en-GB" dirty="0"/>
+              <a:t>":" \\bullet","</a:t>
+            </a:r>
+            <a:r>
+              <a:rPr lang="en-GB" dirty="0" err="1"/>
+              <a:t>pos</a:t>
+            </a:r>
+            <a:r>
+              <a:rPr lang="en-GB" dirty="0"/>
+              <a:t>":[509.5028409957886,142.88638305664062],"zindex":0}},{"id":26,"label":{"</a:t>
+            </a:r>
+            <a:r>
+              <a:rPr lang="en-GB" dirty="0" err="1"/>
+              <a:t>isCoqValidated</a:t>
+            </a:r>
+            <a:r>
+              <a:rPr lang="en-GB" dirty="0"/>
+              <a:t>":false,"</a:t>
+            </a:r>
+            <a:r>
+              <a:rPr lang="en-GB" dirty="0" err="1"/>
+              <a:t>isMath</a:t>
+            </a:r>
+            <a:r>
+              <a:rPr lang="en-GB" dirty="0"/>
+              <a:t>":</a:t>
+            </a:r>
+            <a:r>
+              <a:rPr lang="en-GB" dirty="0" err="1"/>
+              <a:t>true,"label</a:t>
+            </a:r>
+            <a:r>
+              <a:rPr lang="en-GB" dirty="0"/>
+              <a:t>":" \\bullet","</a:t>
+            </a:r>
+            <a:r>
+              <a:rPr lang="en-GB" dirty="0" err="1"/>
+              <a:t>pos</a:t>
+            </a:r>
+            <a:r>
+              <a:rPr lang="en-GB" dirty="0"/>
+              <a:t>":[539.5028409957886,142.88638305664062],"zindex":0}},{"id":27,"label":{"</a:t>
+            </a:r>
+            <a:r>
+              <a:rPr lang="en-GB" dirty="0" err="1"/>
+              <a:t>isCoqValidated</a:t>
+            </a:r>
+            <a:r>
+              <a:rPr lang="en-GB" dirty="0"/>
+              <a:t>":false,"</a:t>
+            </a:r>
+            <a:r>
+              <a:rPr lang="en-GB" dirty="0" err="1"/>
+              <a:t>isMath</a:t>
+            </a:r>
+            <a:r>
+              <a:rPr lang="en-GB" dirty="0"/>
+              <a:t>":</a:t>
+            </a:r>
+            <a:r>
+              <a:rPr lang="en-GB" dirty="0" err="1"/>
+              <a:t>true,"label</a:t>
+            </a:r>
+            <a:r>
+              <a:rPr lang="en-GB" dirty="0"/>
+              <a:t>":" \\bullet","</a:t>
+            </a:r>
+            <a:r>
+              <a:rPr lang="en-GB" dirty="0" err="1"/>
+              <a:t>pos</a:t>
+            </a:r>
+            <a:r>
+              <a:rPr lang="en-GB" dirty="0"/>
+              <a:t>":[568.5028409957886,142.88638305664062],"zindex":0}},{"id":28,"label":{"</a:t>
+            </a:r>
+            <a:r>
+              <a:rPr lang="en-GB" dirty="0" err="1"/>
+              <a:t>isCoqValidated</a:t>
+            </a:r>
+            <a:r>
+              <a:rPr lang="en-GB" dirty="0"/>
+              <a:t>":false,"</a:t>
+            </a:r>
+            <a:r>
+              <a:rPr lang="en-GB" dirty="0" err="1"/>
+              <a:t>isMath</a:t>
+            </a:r>
+            <a:r>
+              <a:rPr lang="en-GB" dirty="0"/>
+              <a:t>":</a:t>
+            </a:r>
+            <a:r>
+              <a:rPr lang="en-GB" dirty="0" err="1"/>
+              <a:t>true,"label</a:t>
+            </a:r>
+            <a:r>
+              <a:rPr lang="en-GB" dirty="0"/>
+              <a:t>":" \\bullet","</a:t>
+            </a:r>
+            <a:r>
+              <a:rPr lang="en-GB" dirty="0" err="1"/>
+              <a:t>pos</a:t>
+            </a:r>
+            <a:r>
+              <a:rPr lang="en-GB" dirty="0"/>
+              <a:t>":[596.5028409957886,142.88638305664062],"zindex":0}},{"id":29,"label":{"</a:t>
+            </a:r>
+            <a:r>
+              <a:rPr lang="en-GB" dirty="0" err="1"/>
+              <a:t>isCoqValidated</a:t>
+            </a:r>
+            <a:r>
+              <a:rPr lang="en-GB" dirty="0"/>
+              <a:t>":false,"</a:t>
+            </a:r>
+            <a:r>
+              <a:rPr lang="en-GB" dirty="0" err="1"/>
+              <a:t>isMath</a:t>
+            </a:r>
+            <a:r>
+              <a:rPr lang="en-GB" dirty="0"/>
+              <a:t>":</a:t>
+            </a:r>
+            <a:r>
+              <a:rPr lang="en-GB" dirty="0" err="1"/>
+              <a:t>true,"label</a:t>
+            </a:r>
+            <a:r>
+              <a:rPr lang="en-GB" dirty="0"/>
+              <a:t>":"\\forall","pos":[697.7528409957886,129.43182373046875],"zindex":0}},{"id":30,"label":{"isCoqValidated":false,"isMath":true,"label":"\\red \\bullet","</a:t>
+            </a:r>
+            <a:r>
+              <a:rPr lang="en-GB" dirty="0" err="1"/>
+              <a:t>pos</a:t>
+            </a:r>
+            <a:r>
+              <a:rPr lang="en-GB" dirty="0"/>
+              <a:t>":[713.7528409957886,144.43182373046875],"zindex":0}},{"id":31,"label":{"</a:t>
+            </a:r>
+            <a:r>
+              <a:rPr lang="en-GB" dirty="0" err="1"/>
+              <a:t>isCoqValidated</a:t>
+            </a:r>
+            <a:r>
+              <a:rPr lang="en-GB" dirty="0"/>
+              <a:t>":false,"</a:t>
+            </a:r>
+            <a:r>
+              <a:rPr lang="en-GB" dirty="0" err="1"/>
+              <a:t>isMath</a:t>
+            </a:r>
+            <a:r>
+              <a:rPr lang="en-GB" dirty="0"/>
+              <a:t>":</a:t>
+            </a:r>
+            <a:r>
+              <a:rPr lang="en-GB" dirty="0" err="1"/>
+              <a:t>true,"label</a:t>
+            </a:r>
+            <a:r>
+              <a:rPr lang="en-GB" dirty="0"/>
+              <a:t>":"\\red \\bullet","</a:t>
+            </a:r>
+            <a:r>
+              <a:rPr lang="en-GB" dirty="0" err="1"/>
+              <a:t>pos</a:t>
+            </a:r>
+            <a:r>
+              <a:rPr lang="en-GB" dirty="0"/>
+              <a:t>":[743.7528409957886,144.43182373046875],"zindex":0}},{"id":32,"label":{"</a:t>
+            </a:r>
+            <a:r>
+              <a:rPr lang="en-GB" dirty="0" err="1"/>
+              <a:t>isCoqValidated</a:t>
+            </a:r>
+            <a:r>
+              <a:rPr lang="en-GB" dirty="0"/>
+              <a:t>":false,"</a:t>
+            </a:r>
+            <a:r>
+              <a:rPr lang="en-GB" dirty="0" err="1"/>
+              <a:t>isMath</a:t>
+            </a:r>
+            <a:r>
+              <a:rPr lang="en-GB" dirty="0"/>
+              <a:t>":</a:t>
+            </a:r>
+            <a:r>
+              <a:rPr lang="en-GB" dirty="0" err="1"/>
+              <a:t>true,"label</a:t>
+            </a:r>
+            <a:r>
+              <a:rPr lang="en-GB" dirty="0"/>
+              <a:t>":"\\red \\bullet","</a:t>
+            </a:r>
+            <a:r>
+              <a:rPr lang="en-GB" dirty="0" err="1"/>
+              <a:t>pos</a:t>
+            </a:r>
+            <a:r>
+              <a:rPr lang="en-GB" dirty="0"/>
+              <a:t>":[772.7528409957886,144.43182373046875],"zindex":0}},{"id":33,"label":{"</a:t>
+            </a:r>
+            <a:r>
+              <a:rPr lang="en-GB" dirty="0" err="1"/>
+              <a:t>isCoqValidated</a:t>
+            </a:r>
+            <a:r>
+              <a:rPr lang="en-GB" dirty="0"/>
+              <a:t>":false,"</a:t>
+            </a:r>
+            <a:r>
+              <a:rPr lang="en-GB" dirty="0" err="1"/>
+              <a:t>isMath</a:t>
+            </a:r>
+            <a:r>
+              <a:rPr lang="en-GB" dirty="0"/>
+              <a:t>":</a:t>
+            </a:r>
+            <a:r>
+              <a:rPr lang="en-GB" dirty="0" err="1"/>
+              <a:t>true,"label</a:t>
+            </a:r>
+            <a:r>
+              <a:rPr lang="en-GB" dirty="0"/>
+              <a:t>":"\\red \\bullet","</a:t>
+            </a:r>
+            <a:r>
+              <a:rPr lang="en-GB" dirty="0" err="1"/>
+              <a:t>pos</a:t>
+            </a:r>
+            <a:r>
+              <a:rPr lang="en-GB" dirty="0"/>
+              <a:t>":[800.7528409957886,144.43182373046875],"zindex":0}},{"id":34,"label":{"</a:t>
+            </a:r>
+            <a:r>
+              <a:rPr lang="en-GB" dirty="0" err="1"/>
+              <a:t>isCoqValidated</a:t>
+            </a:r>
+            <a:r>
+              <a:rPr lang="en-GB" dirty="0"/>
+              <a:t>":false,"</a:t>
+            </a:r>
+            <a:r>
+              <a:rPr lang="en-GB" dirty="0" err="1"/>
+              <a:t>isMath</a:t>
+            </a:r>
+            <a:r>
+              <a:rPr lang="en-GB" dirty="0"/>
+              <a:t>":</a:t>
+            </a:r>
+            <a:r>
+              <a:rPr lang="en-GB" dirty="0" err="1"/>
+              <a:t>true,"label</a:t>
+            </a:r>
+            <a:r>
+              <a:rPr lang="en-GB" dirty="0"/>
+              <a:t>":" ∃","</a:t>
+            </a:r>
+            <a:r>
+              <a:rPr lang="en-GB" dirty="0" err="1"/>
+              <a:t>pos</a:t>
+            </a:r>
+            <a:r>
+              <a:rPr lang="en-GB" dirty="0"/>
+              <a:t>":[821.0028409957886,128.88638305664062],"zindex":0}},{"id":35,"label":{"</a:t>
+            </a:r>
+            <a:r>
+              <a:rPr lang="en-GB" dirty="0" err="1"/>
+              <a:t>isCoqValidated</a:t>
+            </a:r>
+            <a:r>
+              <a:rPr lang="en-GB" dirty="0"/>
+              <a:t>":false,"</a:t>
+            </a:r>
+            <a:r>
+              <a:rPr lang="en-GB" dirty="0" err="1"/>
+              <a:t>isMath</a:t>
+            </a:r>
+            <a:r>
+              <a:rPr lang="en-GB" dirty="0"/>
+              <a:t>":</a:t>
+            </a:r>
+            <a:r>
+              <a:rPr lang="en-GB" dirty="0" err="1"/>
+              <a:t>true,"label</a:t>
+            </a:r>
+            <a:r>
+              <a:rPr lang="en-GB" dirty="0"/>
+              <a:t>":" \\bullet","</a:t>
+            </a:r>
+            <a:r>
+              <a:rPr lang="en-GB" dirty="0" err="1"/>
+              <a:t>pos</a:t>
+            </a:r>
+            <a:r>
+              <a:rPr lang="en-GB" dirty="0"/>
+              <a:t>":[835.5028409957886,145.88638305664062],"zindex":0}},{"id":36,"label":{"</a:t>
+            </a:r>
+            <a:r>
+              <a:rPr lang="en-GB" dirty="0" err="1"/>
+              <a:t>isCoqValidated</a:t>
+            </a:r>
+            <a:r>
+              <a:rPr lang="en-GB" dirty="0"/>
+              <a:t>":false,"</a:t>
+            </a:r>
+            <a:r>
+              <a:rPr lang="en-GB" dirty="0" err="1"/>
+              <a:t>isMath</a:t>
+            </a:r>
+            <a:r>
+              <a:rPr lang="en-GB" dirty="0"/>
+              <a:t>":</a:t>
+            </a:r>
+            <a:r>
+              <a:rPr lang="en-GB" dirty="0" err="1"/>
+              <a:t>true,"label</a:t>
+            </a:r>
+            <a:r>
+              <a:rPr lang="en-GB" dirty="0"/>
+              <a:t>":" \\bullet","</a:t>
+            </a:r>
+            <a:r>
+              <a:rPr lang="en-GB" dirty="0" err="1"/>
+              <a:t>pos</a:t>
+            </a:r>
+            <a:r>
+              <a:rPr lang="en-GB" dirty="0"/>
+              <a:t>":[865.5028409957886,145.88638305664062],"zindex":0}},{"id":37,"label":{"</a:t>
+            </a:r>
+            <a:r>
+              <a:rPr lang="en-GB" dirty="0" err="1"/>
+              <a:t>isCoqValidated</a:t>
+            </a:r>
+            <a:r>
+              <a:rPr lang="en-GB" dirty="0"/>
+              <a:t>":false,"</a:t>
+            </a:r>
+            <a:r>
+              <a:rPr lang="en-GB" dirty="0" err="1"/>
+              <a:t>isMath</a:t>
+            </a:r>
+            <a:r>
+              <a:rPr lang="en-GB" dirty="0"/>
+              <a:t>":</a:t>
+            </a:r>
+            <a:r>
+              <a:rPr lang="en-GB" dirty="0" err="1"/>
+              <a:t>true,"label</a:t>
+            </a:r>
+            <a:r>
+              <a:rPr lang="en-GB" dirty="0"/>
+              <a:t>":" \\bullet","</a:t>
+            </a:r>
+            <a:r>
+              <a:rPr lang="en-GB" dirty="0" err="1"/>
+              <a:t>pos</a:t>
+            </a:r>
+            <a:r>
+              <a:rPr lang="en-GB" dirty="0"/>
+              <a:t>":[894.5028409957886,145.88638305664062],"zindex":0}},{"id":38,"label":{"</a:t>
+            </a:r>
+            <a:r>
+              <a:rPr lang="en-GB" dirty="0" err="1"/>
+              <a:t>isCoqValidated</a:t>
+            </a:r>
+            <a:r>
+              <a:rPr lang="en-GB" dirty="0"/>
+              <a:t>":false,"</a:t>
+            </a:r>
+            <a:r>
+              <a:rPr lang="en-GB" dirty="0" err="1"/>
+              <a:t>isMath</a:t>
+            </a:r>
+            <a:r>
+              <a:rPr lang="en-GB" dirty="0"/>
+              <a:t>":</a:t>
+            </a:r>
+            <a:r>
+              <a:rPr lang="en-GB" dirty="0" err="1"/>
+              <a:t>true,"label</a:t>
+            </a:r>
+            <a:r>
+              <a:rPr lang="en-GB" dirty="0"/>
+              <a:t>":" \\bullet","</a:t>
+            </a:r>
+            <a:r>
+              <a:rPr lang="en-GB" dirty="0" err="1"/>
+              <a:t>pos</a:t>
+            </a:r>
+            <a:r>
+              <a:rPr lang="en-GB" dirty="0"/>
+              <a:t>":[922.5028409957886,145.88638305664062],"zindex":0}},{"id":39,"label":{"</a:t>
+            </a:r>
+            <a:r>
+              <a:rPr lang="en-GB" dirty="0" err="1"/>
+              <a:t>isCoqValidated</a:t>
+            </a:r>
+            <a:r>
+              <a:rPr lang="en-GB" dirty="0"/>
+              <a:t>":false,"</a:t>
+            </a:r>
+            <a:r>
+              <a:rPr lang="en-GB" dirty="0" err="1"/>
+              <a:t>isMath</a:t>
+            </a:r>
+            <a:r>
+              <a:rPr lang="en-GB" dirty="0"/>
+              <a:t>":true,"label":"","</a:t>
+            </a:r>
+            <a:r>
+              <a:rPr lang="en-GB" dirty="0" err="1"/>
+              <a:t>pos</a:t>
+            </a:r>
+            <a:r>
+              <a:rPr lang="en-GB" dirty="0"/>
+              <a:t>":[576.0028409957886,419.8863830566406],"zindex":0}}],"sizeGrid":50,"title":"1"}]},"version":15}</a:t>
             </a:r>
           </a:p>
         </p:txBody>
@@ -1835,6 +1834,92 @@
     </p:spTree>
     <p:extLst>
       <p:ext uri="{BB962C8B-B14F-4D97-AF65-F5344CB8AC3E}">
+        <p14:creationId xmlns:p14="http://schemas.microsoft.com/office/powerpoint/2010/main" val="1518014636"/>
+      </p:ext>
+    </p:extLst>
+  </p:cSld>
+  <p:clrMapOvr>
+    <a:masterClrMapping/>
+  </p:clrMapOvr>
+</p:notes>
+</file>
+
+<file path=ppt/notesSlides/notesSlide6.xml><?xml version="1.0" encoding="utf-8"?>
+<p:notes xmlns:a="http://schemas.openxmlformats.org/drawingml/2006/main" xmlns:r="http://schemas.openxmlformats.org/officeDocument/2006/relationships" xmlns:p="http://schemas.openxmlformats.org/presentationml/2006/main">
+  <p:cSld>
+    <p:spTree>
+      <p:nvGrpSpPr>
+        <p:cNvPr id="1" name=""/>
+        <p:cNvGrpSpPr/>
+        <p:nvPr/>
+      </p:nvGrpSpPr>
+      <p:grpSpPr>
+        <a:xfrm>
+          <a:off x="0" y="0"/>
+          <a:ext cx="0" cy="0"/>
+          <a:chOff x="0" y="0"/>
+          <a:chExt cx="0" cy="0"/>
+        </a:xfrm>
+      </p:grpSpPr>
+      <p:sp>
+        <p:nvSpPr>
+          <p:cNvPr id="2" name="Slide Image Placeholder 1"/>
+          <p:cNvSpPr>
+            <a:spLocks noGrp="1" noRot="1" noChangeAspect="1"/>
+          </p:cNvSpPr>
+          <p:nvPr>
+            <p:ph type="sldImg"/>
+          </p:nvPr>
+        </p:nvSpPr>
+        <p:spPr/>
+      </p:sp>
+      <p:sp>
+        <p:nvSpPr>
+          <p:cNvPr id="3" name="Notes Placeholder 2"/>
+          <p:cNvSpPr>
+            <a:spLocks noGrp="1"/>
+          </p:cNvSpPr>
+          <p:nvPr>
+            <p:ph type="body" idx="1"/>
+          </p:nvPr>
+        </p:nvSpPr>
+        <p:spPr/>
+        <p:txBody>
+          <a:bodyPr/>
+          <a:lstStyle/>
+          <a:p>
+            <a:r>
+              <a:rPr lang="en-GB" dirty="0"/>
+              <a:t>{"graph":{"activeTabId":0,"latexPreamble":"\\newcommand{\\coqproof}[1]{\\checkmark}","nextTabId":1,"tabs":[{"edges":[{"from":0,"id":4,"label":{"kind":"normal","label":"","style":{"alignment":"left","bend":0,"color":"red","dashed":false,"head":"default","kind":"normal","position":0.5,"tail":"hook"},"zindex":0},"to":1},{"from":2,"id":5,"label":{"kind":"normal","label":"","style":{"alignment":"left","bend":-0.30000000000000004,"color":"blue","dashed":false,"head":"default","kind":"normal","position":0.5,"tail":"none"},"zindex":0},"to":0},{"from":2,"id":6,"label":{"kind":"normal","label":"","style":{"alignment":"left","bend":0.30000000000000004,"color":"blue","dashed":false,"head":"default","kind":"normal","position":0.5,"tail":"none"},"zindex":0},"to":0},{"from":2,"id":7,"label":{"kind":"normal","label":"","style":{"alignment":"left","bend":-0.6,"color":"blue","dashed":false,"head":"default","kind":"normal","position":0.5,"tail":"none"},"zindex":0},"to":1},{"from":0,"id":8,"label":{"kind":"normal","label":"","style":{"alignment":"left","bend":0,"color":"black","dashed":false,"head":"default","kind":"normal","position":0.5,"tail":"none"},"zindex":0},"to":1},{"from":0,"id":9,"label":{"kind":"normal","label":"","style":{"alignment":"left","bend":-0.30000000000000004,"color":"blue","dashed":false,"head":"default","kind":"double","position":0.5,"tail":"none"},"zindex":0},"to":7},{"from":0,"id":10,"label":{"kind":"normal","label":"","style":{"alignment":"left","bend":0.30000000000000004,"color":"blue","dashed":false,"head":"default","kind":"double","position":0.5,"tail":"none"},"zindex":0},"to":7}],"id":0,"nextGraphId":11,"nodes":[{"id":0,"label":{"isCoqValidated":false,"isMath":true,"label":"","pos":[602.0052080154419,232.89686584472656],"zindex":0}},{"id":1,"label":{"isCoqValidated":false,"isMath":true,"label":"","pos":[702.0052080154419,232.89686584472656],"zindex":0}},{"id":2,"label":{"isCoqValidated":false,"isMath":true,"label":"","pos":[502.0052080154419,232.89686584472656],"zindex":0}},{"id":3,"label":{"isCoqValidated":false,"isMath":true,"label":"\\textcolor{green}{=}","pos":[550.0052080154419,229.6968536376953],"zindex":0}}],"sizeGrid":150,"title":"1"}]},"version":14}</a:t>
+            </a:r>
+          </a:p>
+        </p:txBody>
+      </p:sp>
+      <p:sp>
+        <p:nvSpPr>
+          <p:cNvPr id="4" name="Header Placeholder 3"/>
+          <p:cNvSpPr>
+            <a:spLocks noGrp="1"/>
+          </p:cNvSpPr>
+          <p:nvPr>
+            <p:ph type="hdr" sz="quarter"/>
+          </p:nvPr>
+        </p:nvSpPr>
+        <p:spPr/>
+        <p:txBody>
+          <a:bodyPr/>
+          <a:lstStyle/>
+          <a:p>
+            <a:r>
+              <a:rPr lang="fr-FR"/>
+              <a:t>Modular theory of PLs</a:t>
+            </a:r>
+          </a:p>
+        </p:txBody>
+      </p:sp>
+    </p:spTree>
+    <p:extLst>
+      <p:ext uri="{BB962C8B-B14F-4D97-AF65-F5344CB8AC3E}">
         <p14:creationId xmlns:p14="http://schemas.microsoft.com/office/powerpoint/2010/main" val="4249320923"/>
       </p:ext>
     </p:extLst>
@@ -1845,7 +1930,7 @@
 </p:notes>
 </file>
 
-<file path=ppt/notesSlides/notesSlide6.xml><?xml version="1.0" encoding="utf-8"?>
+<file path=ppt/notesSlides/notesSlide7.xml><?xml version="1.0" encoding="utf-8"?>
 <p:notes xmlns:a="http://schemas.openxmlformats.org/drawingml/2006/main" xmlns:r="http://schemas.openxmlformats.org/officeDocument/2006/relationships" xmlns:p="http://schemas.openxmlformats.org/presentationml/2006/main">
   <p:cSld>
     <p:spTree>
@@ -2060,7 +2145,7 @@
           <a:p>
             <a:fld id="{5718F1CF-E24A-4F93-9D94-3391D23E1A3F}" type="datetime1">
               <a:rPr lang="en-US" smtClean="0"/>
-              <a:t>11/26/2024</a:t>
+              <a:t>11/27/2024</a:t>
             </a:fld>
             <a:endParaRPr lang="en-US"/>
           </a:p>
@@ -2228,7 +2313,7 @@
           <a:p>
             <a:fld id="{14B1C252-2FD2-4CF6-BEA4-64F6ACEC81B6}" type="datetime1">
               <a:rPr lang="en-US" smtClean="0"/>
-              <a:t>11/26/2024</a:t>
+              <a:t>11/27/2024</a:t>
             </a:fld>
             <a:endParaRPr lang="en-US"/>
           </a:p>
@@ -2406,7 +2491,7 @@
           <a:p>
             <a:fld id="{9C6DC07B-F885-4EF0-BFE3-5CEF464FDEE5}" type="datetime1">
               <a:rPr lang="en-US" smtClean="0"/>
-              <a:t>11/26/2024</a:t>
+              <a:t>11/27/2024</a:t>
             </a:fld>
             <a:endParaRPr lang="en-US"/>
           </a:p>
@@ -2574,7 +2659,7 @@
           <a:p>
             <a:fld id="{684D88E1-E6B1-4059-8068-9D5AC67622BD}" type="datetime1">
               <a:rPr lang="en-US" smtClean="0"/>
-              <a:t>11/26/2024</a:t>
+              <a:t>11/27/2024</a:t>
             </a:fld>
             <a:endParaRPr lang="en-US"/>
           </a:p>
@@ -2824,7 +2909,7 @@
           <a:p>
             <a:fld id="{84B318C2-4885-4368-AC7E-9ED2CC44021C}" type="datetime1">
               <a:rPr lang="en-US" smtClean="0"/>
-              <a:t>11/26/2024</a:t>
+              <a:t>11/27/2024</a:t>
             </a:fld>
             <a:endParaRPr lang="en-US"/>
           </a:p>
@@ -3058,7 +3143,7 @@
           <a:p>
             <a:fld id="{798AEC55-CDE0-44E2-B045-4EAAFC3EF908}" type="datetime1">
               <a:rPr lang="en-US" smtClean="0"/>
-              <a:t>11/26/2024</a:t>
+              <a:t>11/27/2024</a:t>
             </a:fld>
             <a:endParaRPr lang="en-US"/>
           </a:p>
@@ -3422,7 +3507,7 @@
           <a:p>
             <a:fld id="{BEA861E4-43F2-46CA-9352-165E2C1D8B7D}" type="datetime1">
               <a:rPr lang="en-US" smtClean="0"/>
-              <a:t>11/26/2024</a:t>
+              <a:t>11/27/2024</a:t>
             </a:fld>
             <a:endParaRPr lang="en-US"/>
           </a:p>
@@ -3539,7 +3624,7 @@
           <a:p>
             <a:fld id="{55D76E10-5C26-46E6-B32D-4547EFD6AACF}" type="datetime1">
               <a:rPr lang="en-US" smtClean="0"/>
-              <a:t>11/26/2024</a:t>
+              <a:t>11/27/2024</a:t>
             </a:fld>
             <a:endParaRPr lang="en-US"/>
           </a:p>
@@ -3634,7 +3719,7 @@
           <a:p>
             <a:fld id="{F42038C9-7F60-4F0E-A561-3EA9A3975D8E}" type="datetime1">
               <a:rPr lang="en-US" smtClean="0"/>
-              <a:t>11/26/2024</a:t>
+              <a:t>11/27/2024</a:t>
             </a:fld>
             <a:endParaRPr lang="en-US"/>
           </a:p>
@@ -3915,7 +4000,7 @@
           <a:p>
             <a:fld id="{6974F6F3-2ACF-43AE-8373-A35F96D22AE5}" type="datetime1">
               <a:rPr lang="en-US" smtClean="0"/>
-              <a:t>11/26/2024</a:t>
+              <a:t>11/27/2024</a:t>
             </a:fld>
             <a:endParaRPr lang="en-US"/>
           </a:p>
@@ -4171,7 +4256,7 @@
           <a:p>
             <a:fld id="{066AAB2D-6675-4C11-85D3-BA16F56F19A5}" type="datetime1">
               <a:rPr lang="en-US" smtClean="0"/>
-              <a:t>11/26/2024</a:t>
+              <a:t>11/27/2024</a:t>
             </a:fld>
             <a:endParaRPr lang="en-US"/>
           </a:p>
@@ -4382,7 +4467,7 @@
           <a:p>
             <a:fld id="{798F886D-A75D-4123-854D-3EEFBE63C074}" type="datetime1">
               <a:rPr lang="en-US" smtClean="0"/>
-              <a:t>11/26/2024</a:t>
+              <a:t>11/27/2024</a:t>
             </a:fld>
             <a:endParaRPr lang="en-US"/>
           </a:p>
@@ -4979,6 +5064,1157 @@
           <p:cNvPr id="2" name="Title 1">
             <a:extLst>
               <a:ext uri="{FF2B5EF4-FFF2-40B4-BE49-F238E27FC236}">
+                <a16:creationId xmlns:a16="http://schemas.microsoft.com/office/drawing/2014/main" id="{3E15FD04-853D-FEDB-EF39-87746E9D7E05}"/>
+              </a:ext>
+            </a:extLst>
+          </p:cNvPr>
+          <p:cNvSpPr>
+            <a:spLocks noGrp="1"/>
+          </p:cNvSpPr>
+          <p:nvPr>
+            <p:ph type="title"/>
+          </p:nvPr>
+        </p:nvSpPr>
+        <p:spPr>
+          <a:xfrm>
+            <a:off x="838200" y="38400"/>
+            <a:ext cx="10515600" cy="1325563"/>
+          </a:xfrm>
+        </p:spPr>
+        <p:txBody>
+          <a:bodyPr/>
+          <a:lstStyle/>
+          <a:p>
+            <a:r>
+              <a:rPr lang="en-GB" dirty="0"/>
+              <a:t>Logical semantics</a:t>
+            </a:r>
+          </a:p>
+        </p:txBody>
+      </p:sp>
+      <p:sp>
+        <p:nvSpPr>
+          <p:cNvPr id="4" name="Slide Number Placeholder 3">
+            <a:extLst>
+              <a:ext uri="{FF2B5EF4-FFF2-40B4-BE49-F238E27FC236}">
+                <a16:creationId xmlns:a16="http://schemas.microsoft.com/office/drawing/2014/main" id="{763D1B60-BDCF-128C-9081-1A5EFAE5712D}"/>
+              </a:ext>
+            </a:extLst>
+          </p:cNvPr>
+          <p:cNvSpPr>
+            <a:spLocks noGrp="1"/>
+          </p:cNvSpPr>
+          <p:nvPr>
+            <p:ph type="sldNum" sz="quarter" idx="12"/>
+          </p:nvPr>
+        </p:nvSpPr>
+        <p:spPr/>
+        <p:txBody>
+          <a:bodyPr/>
+          <a:lstStyle/>
+          <a:p>
+            <a:fld id="{6113E31D-E2AB-40D1-8B51-AFA5AFEF393A}" type="slidenum">
+              <a:rPr lang="en-US" smtClean="0"/>
+              <a:t>10</a:t>
+            </a:fld>
+            <a:endParaRPr lang="en-US"/>
+          </a:p>
+        </p:txBody>
+      </p:sp>
+      <p:sp>
+        <p:nvSpPr>
+          <p:cNvPr id="10" name="TextBox 9">
+            <a:extLst>
+              <a:ext uri="{FF2B5EF4-FFF2-40B4-BE49-F238E27FC236}">
+                <a16:creationId xmlns:a16="http://schemas.microsoft.com/office/drawing/2014/main" id="{E19623A2-14DC-93EE-24A7-25EA214E0FDD}"/>
+              </a:ext>
+            </a:extLst>
+          </p:cNvPr>
+          <p:cNvSpPr txBox="1"/>
+          <p:nvPr/>
+        </p:nvSpPr>
+        <p:spPr>
+          <a:xfrm>
+            <a:off x="945478" y="1161449"/>
+            <a:ext cx="9763829" cy="3539430"/>
+          </a:xfrm>
+          <a:prstGeom prst="rect">
+            <a:avLst/>
+          </a:prstGeom>
+          <a:noFill/>
+        </p:spPr>
+        <p:txBody>
+          <a:bodyPr wrap="square" rtlCol="0">
+            <a:spAutoFit/>
+          </a:bodyPr>
+          <a:lstStyle/>
+          <a:p>
+            <a:pPr marL="285750" indent="-285750">
+              <a:buFont typeface="Arial" panose="020B0604020202020204" pitchFamily="34" charset="0"/>
+              <a:buChar char="•"/>
+            </a:pPr>
+            <a:r>
+              <a:rPr lang="en-GB" sz="2800" dirty="0"/>
+              <a:t>Formal logic: calculus of conditions</a:t>
+            </a:r>
+          </a:p>
+          <a:p>
+            <a:pPr marL="285750" indent="-285750">
+              <a:buFont typeface="Arial" panose="020B0604020202020204" pitchFamily="34" charset="0"/>
+              <a:buChar char="•"/>
+            </a:pPr>
+            <a:endParaRPr lang="en-GB" sz="2800" dirty="0"/>
+          </a:p>
+          <a:p>
+            <a:pPr marL="285750" indent="-285750">
+              <a:buFont typeface="Arial" panose="020B0604020202020204" pitchFamily="34" charset="0"/>
+              <a:buChar char="•"/>
+            </a:pPr>
+            <a:r>
+              <a:rPr lang="en-GB" sz="2800" dirty="0"/>
+              <a:t>Theory: all the declared rewriting rules, e.g.,</a:t>
+            </a:r>
+          </a:p>
+          <a:p>
+            <a:pPr marL="285750" indent="-285750">
+              <a:buFont typeface="Arial" panose="020B0604020202020204" pitchFamily="34" charset="0"/>
+              <a:buChar char="•"/>
+            </a:pPr>
+            <a:endParaRPr lang="en-GB" sz="2800" dirty="0"/>
+          </a:p>
+          <a:p>
+            <a:pPr marL="285750" indent="-285750">
+              <a:buFont typeface="Arial" panose="020B0604020202020204" pitchFamily="34" charset="0"/>
+              <a:buChar char="•"/>
+            </a:pPr>
+            <a:endParaRPr lang="en-GB" sz="2800" dirty="0"/>
+          </a:p>
+          <a:p>
+            <a:pPr marL="285750" indent="-285750">
+              <a:buFont typeface="Arial" panose="020B0604020202020204" pitchFamily="34" charset="0"/>
+              <a:buChar char="•"/>
+            </a:pPr>
+            <a:r>
+              <a:rPr lang="en-GB" sz="2800" dirty="0"/>
+              <a:t>A state is represented by a formula which expresses what has been proved so far</a:t>
+            </a:r>
+          </a:p>
+          <a:p>
+            <a:endParaRPr lang="en-GB" sz="2800" dirty="0"/>
+          </a:p>
+        </p:txBody>
+      </p:sp>
+      <p:grpSp>
+        <p:nvGrpSpPr>
+          <p:cNvPr id="20" name="Group 19">
+            <a:extLst>
+              <a:ext uri="{FF2B5EF4-FFF2-40B4-BE49-F238E27FC236}">
+                <a16:creationId xmlns:a16="http://schemas.microsoft.com/office/drawing/2014/main" id="{32A37611-51E7-D77A-85A2-E47B37C4DBC2}"/>
+              </a:ext>
+            </a:extLst>
+          </p:cNvPr>
+          <p:cNvGrpSpPr/>
+          <p:nvPr/>
+        </p:nvGrpSpPr>
+        <p:grpSpPr>
+          <a:xfrm>
+            <a:off x="4882998" y="2560968"/>
+            <a:ext cx="2130287" cy="848232"/>
+            <a:chOff x="4863635" y="2085045"/>
+            <a:chExt cx="2130287" cy="848232"/>
+          </a:xfrm>
+        </p:grpSpPr>
+        <mc:AlternateContent xmlns:mc="http://schemas.openxmlformats.org/markup-compatibility/2006" xmlns:a14="http://schemas.microsoft.com/office/drawing/2010/main">
+          <mc:Choice Requires="a14">
+            <p:sp>
+              <p:nvSpPr>
+                <p:cNvPr id="11" name="TextBox 10">
+                  <a:extLst>
+                    <a:ext uri="{FF2B5EF4-FFF2-40B4-BE49-F238E27FC236}">
+                      <a16:creationId xmlns:a16="http://schemas.microsoft.com/office/drawing/2014/main" id="{988EADA6-F22E-F9B9-DC45-2D6D8D0F6F72}"/>
+                    </a:ext>
+                  </a:extLst>
+                </p:cNvPr>
+                <p:cNvSpPr txBox="1"/>
+                <p:nvPr/>
+              </p:nvSpPr>
+              <p:spPr>
+                <a:xfrm>
+                  <a:off x="4863635" y="2124660"/>
+                  <a:ext cx="482503" cy="677108"/>
+                </a:xfrm>
+                <a:prstGeom prst="rect">
+                  <a:avLst/>
+                </a:prstGeom>
+                <a:noFill/>
+              </p:spPr>
+              <p:txBody>
+                <a:bodyPr wrap="none" lIns="0" tIns="0" rIns="0" bIns="0" rtlCol="0">
+                  <a:spAutoFit/>
+                </a:bodyPr>
+                <a:lstStyle/>
+                <a:p>
+                  <a:pPr/>
+                  <a14:m>
+                    <m:oMathPara xmlns:m="http://schemas.openxmlformats.org/officeDocument/2006/math">
+                      <m:oMathParaPr>
+                        <m:jc m:val="centerGroup"/>
+                      </m:oMathParaPr>
+                      <m:oMath xmlns:m="http://schemas.openxmlformats.org/officeDocument/2006/math">
+                        <m:r>
+                          <a:rPr lang="en-GB" sz="4400" b="0" i="1" smtClean="0">
+                            <a:latin typeface="Cambria Math" panose="02040503050406030204" pitchFamily="18" charset="0"/>
+                          </a:rPr>
+                          <m:t>∀</m:t>
+                        </m:r>
+                      </m:oMath>
+                    </m:oMathPara>
+                  </a14:m>
+                  <a:endParaRPr lang="en-GB" sz="4400" dirty="0"/>
+                </a:p>
+              </p:txBody>
+            </p:sp>
+          </mc:Choice>
+          <mc:Fallback xmlns="">
+            <p:sp>
+              <p:nvSpPr>
+                <p:cNvPr id="11" name="TextBox 10">
+                  <a:extLst>
+                    <a:ext uri="{FF2B5EF4-FFF2-40B4-BE49-F238E27FC236}">
+                      <a16:creationId xmlns:a16="http://schemas.microsoft.com/office/drawing/2014/main" id="{988EADA6-F22E-F9B9-DC45-2D6D8D0F6F72}"/>
+                    </a:ext>
+                  </a:extLst>
+                </p:cNvPr>
+                <p:cNvSpPr txBox="1">
+                  <a:spLocks noRot="1" noChangeAspect="1" noMove="1" noResize="1" noEditPoints="1" noAdjustHandles="1" noChangeArrowheads="1" noChangeShapeType="1" noTextEdit="1"/>
+                </p:cNvSpPr>
+                <p:nvPr/>
+              </p:nvSpPr>
+              <p:spPr>
+                <a:xfrm>
+                  <a:off x="4863635" y="2124660"/>
+                  <a:ext cx="482503" cy="677108"/>
+                </a:xfrm>
+                <a:prstGeom prst="rect">
+                  <a:avLst/>
+                </a:prstGeom>
+                <a:blipFill>
+                  <a:blip r:embed="rId3"/>
+                  <a:stretch>
+                    <a:fillRect/>
+                  </a:stretch>
+                </a:blipFill>
+              </p:spPr>
+              <p:txBody>
+                <a:bodyPr/>
+                <a:lstStyle/>
+                <a:p>
+                  <a:r>
+                    <a:rPr lang="en-GB">
+                      <a:noFill/>
+                    </a:rPr>
+                    <a:t> </a:t>
+                  </a:r>
+                </a:p>
+              </p:txBody>
+            </p:sp>
+          </mc:Fallback>
+        </mc:AlternateContent>
+        <p:cxnSp>
+          <p:nvCxnSpPr>
+            <p:cNvPr id="12" name="Straight Arrow Connector 11">
+              <a:extLst>
+                <a:ext uri="{FF2B5EF4-FFF2-40B4-BE49-F238E27FC236}">
+                  <a16:creationId xmlns:a16="http://schemas.microsoft.com/office/drawing/2014/main" id="{9B4A4257-E06D-5897-26C3-E8244FA43DAD}"/>
+                </a:ext>
+              </a:extLst>
+            </p:cNvPr>
+            <p:cNvCxnSpPr/>
+            <p:nvPr/>
+          </p:nvCxnSpPr>
+          <p:spPr>
+            <a:xfrm flipV="1">
+              <a:off x="5145244" y="2466557"/>
+              <a:ext cx="319119" cy="411173"/>
+            </a:xfrm>
+            <a:prstGeom prst="straightConnector1">
+              <a:avLst/>
+            </a:prstGeom>
+            <a:ln>
+              <a:tailEnd type="triangle"/>
+            </a:ln>
+          </p:spPr>
+          <p:style>
+            <a:lnRef idx="2">
+              <a:schemeClr val="accent2"/>
+            </a:lnRef>
+            <a:fillRef idx="0">
+              <a:schemeClr val="accent2"/>
+            </a:fillRef>
+            <a:effectRef idx="1">
+              <a:schemeClr val="accent2"/>
+            </a:effectRef>
+            <a:fontRef idx="minor">
+              <a:schemeClr val="tx1"/>
+            </a:fontRef>
+          </p:style>
+        </p:cxnSp>
+        <p:cxnSp>
+          <p:nvCxnSpPr>
+            <p:cNvPr id="13" name="Straight Arrow Connector 12">
+              <a:extLst>
+                <a:ext uri="{FF2B5EF4-FFF2-40B4-BE49-F238E27FC236}">
+                  <a16:creationId xmlns:a16="http://schemas.microsoft.com/office/drawing/2014/main" id="{2C59CCE0-39FD-1DDA-B411-1128DA804401}"/>
+                </a:ext>
+              </a:extLst>
+            </p:cNvPr>
+            <p:cNvCxnSpPr/>
+            <p:nvPr/>
+          </p:nvCxnSpPr>
+          <p:spPr>
+            <a:xfrm>
+              <a:off x="5464363" y="2466557"/>
+              <a:ext cx="319120" cy="368215"/>
+            </a:xfrm>
+            <a:prstGeom prst="straightConnector1">
+              <a:avLst/>
+            </a:prstGeom>
+            <a:ln>
+              <a:tailEnd type="triangle"/>
+            </a:ln>
+          </p:spPr>
+          <p:style>
+            <a:lnRef idx="2">
+              <a:schemeClr val="accent2"/>
+            </a:lnRef>
+            <a:fillRef idx="0">
+              <a:schemeClr val="accent2"/>
+            </a:fillRef>
+            <a:effectRef idx="1">
+              <a:schemeClr val="accent2"/>
+            </a:effectRef>
+            <a:fontRef idx="minor">
+              <a:schemeClr val="tx1"/>
+            </a:fontRef>
+          </p:style>
+        </p:cxnSp>
+        <mc:AlternateContent xmlns:mc="http://schemas.openxmlformats.org/markup-compatibility/2006" xmlns:a14="http://schemas.microsoft.com/office/drawing/2010/main">
+          <mc:Choice Requires="a14">
+            <p:sp>
+              <p:nvSpPr>
+                <p:cNvPr id="14" name="TextBox 13">
+                  <a:extLst>
+                    <a:ext uri="{FF2B5EF4-FFF2-40B4-BE49-F238E27FC236}">
+                      <a16:creationId xmlns:a16="http://schemas.microsoft.com/office/drawing/2014/main" id="{BA22B093-9980-E538-2BF0-79F3B9D217F2}"/>
+                    </a:ext>
+                  </a:extLst>
+                </p:cNvPr>
+                <p:cNvSpPr txBox="1"/>
+                <p:nvPr/>
+              </p:nvSpPr>
+              <p:spPr>
+                <a:xfrm>
+                  <a:off x="6108978" y="2085045"/>
+                  <a:ext cx="460062" cy="677108"/>
+                </a:xfrm>
+                <a:prstGeom prst="rect">
+                  <a:avLst/>
+                </a:prstGeom>
+                <a:noFill/>
+              </p:spPr>
+              <p:txBody>
+                <a:bodyPr wrap="none" lIns="0" tIns="0" rIns="0" bIns="0" rtlCol="0">
+                  <a:spAutoFit/>
+                </a:bodyPr>
+                <a:lstStyle/>
+                <a:p>
+                  <a:pPr/>
+                  <a14:m>
+                    <m:oMathPara xmlns:m="http://schemas.openxmlformats.org/officeDocument/2006/math">
+                      <m:oMathParaPr>
+                        <m:jc m:val="centerGroup"/>
+                      </m:oMathParaPr>
+                      <m:oMath xmlns:m="http://schemas.openxmlformats.org/officeDocument/2006/math">
+                        <m:r>
+                          <a:rPr lang="en-GB" sz="4400" b="0" i="1" smtClean="0">
+                            <a:latin typeface="Cambria Math" panose="02040503050406030204" pitchFamily="18" charset="0"/>
+                          </a:rPr>
+                          <m:t>∃</m:t>
+                        </m:r>
+                      </m:oMath>
+                    </m:oMathPara>
+                  </a14:m>
+                  <a:endParaRPr lang="en-GB" sz="4400" dirty="0"/>
+                </a:p>
+              </p:txBody>
+            </p:sp>
+          </mc:Choice>
+          <mc:Fallback xmlns="">
+            <p:sp>
+              <p:nvSpPr>
+                <p:cNvPr id="14" name="TextBox 13">
+                  <a:extLst>
+                    <a:ext uri="{FF2B5EF4-FFF2-40B4-BE49-F238E27FC236}">
+                      <a16:creationId xmlns:a16="http://schemas.microsoft.com/office/drawing/2014/main" id="{BA22B093-9980-E538-2BF0-79F3B9D217F2}"/>
+                    </a:ext>
+                  </a:extLst>
+                </p:cNvPr>
+                <p:cNvSpPr txBox="1">
+                  <a:spLocks noRot="1" noChangeAspect="1" noMove="1" noResize="1" noEditPoints="1" noAdjustHandles="1" noChangeArrowheads="1" noChangeShapeType="1" noTextEdit="1"/>
+                </p:cNvSpPr>
+                <p:nvPr/>
+              </p:nvSpPr>
+              <p:spPr>
+                <a:xfrm>
+                  <a:off x="6108978" y="2085045"/>
+                  <a:ext cx="460062" cy="677108"/>
+                </a:xfrm>
+                <a:prstGeom prst="rect">
+                  <a:avLst/>
+                </a:prstGeom>
+                <a:blipFill>
+                  <a:blip r:embed="rId4"/>
+                  <a:stretch>
+                    <a:fillRect/>
+                  </a:stretch>
+                </a:blipFill>
+              </p:spPr>
+              <p:txBody>
+                <a:bodyPr/>
+                <a:lstStyle/>
+                <a:p>
+                  <a:r>
+                    <a:rPr lang="en-GB">
+                      <a:noFill/>
+                    </a:rPr>
+                    <a:t> </a:t>
+                  </a:r>
+                </a:p>
+              </p:txBody>
+            </p:sp>
+          </mc:Fallback>
+        </mc:AlternateContent>
+        <p:cxnSp>
+          <p:nvCxnSpPr>
+            <p:cNvPr id="15" name="Straight Arrow Connector 14">
+              <a:extLst>
+                <a:ext uri="{FF2B5EF4-FFF2-40B4-BE49-F238E27FC236}">
+                  <a16:creationId xmlns:a16="http://schemas.microsoft.com/office/drawing/2014/main" id="{99B408C5-766B-9B8C-DECB-8CBE207EFB8A}"/>
+                </a:ext>
+              </a:extLst>
+            </p:cNvPr>
+            <p:cNvCxnSpPr/>
+            <p:nvPr/>
+          </p:nvCxnSpPr>
+          <p:spPr>
+            <a:xfrm flipV="1">
+              <a:off x="6355683" y="2509515"/>
+              <a:ext cx="319119" cy="411173"/>
+            </a:xfrm>
+            <a:prstGeom prst="straightConnector1">
+              <a:avLst/>
+            </a:prstGeom>
+            <a:ln>
+              <a:tailEnd type="triangle"/>
+            </a:ln>
+          </p:spPr>
+          <p:style>
+            <a:lnRef idx="1">
+              <a:schemeClr val="dk1"/>
+            </a:lnRef>
+            <a:fillRef idx="0">
+              <a:schemeClr val="dk1"/>
+            </a:fillRef>
+            <a:effectRef idx="0">
+              <a:schemeClr val="dk1"/>
+            </a:effectRef>
+            <a:fontRef idx="minor">
+              <a:schemeClr val="tx1"/>
+            </a:fontRef>
+          </p:style>
+        </p:cxnSp>
+        <p:cxnSp>
+          <p:nvCxnSpPr>
+            <p:cNvPr id="16" name="Straight Arrow Connector 15">
+              <a:extLst>
+                <a:ext uri="{FF2B5EF4-FFF2-40B4-BE49-F238E27FC236}">
+                  <a16:creationId xmlns:a16="http://schemas.microsoft.com/office/drawing/2014/main" id="{FE28B80E-E37F-E182-6E39-598690F577BD}"/>
+                </a:ext>
+              </a:extLst>
+            </p:cNvPr>
+            <p:cNvCxnSpPr/>
+            <p:nvPr/>
+          </p:nvCxnSpPr>
+          <p:spPr>
+            <a:xfrm>
+              <a:off x="6674802" y="2509515"/>
+              <a:ext cx="319120" cy="368215"/>
+            </a:xfrm>
+            <a:prstGeom prst="straightConnector1">
+              <a:avLst/>
+            </a:prstGeom>
+            <a:ln>
+              <a:tailEnd type="triangle"/>
+            </a:ln>
+          </p:spPr>
+          <p:style>
+            <a:lnRef idx="1">
+              <a:schemeClr val="dk1"/>
+            </a:lnRef>
+            <a:fillRef idx="0">
+              <a:schemeClr val="dk1"/>
+            </a:fillRef>
+            <a:effectRef idx="0">
+              <a:schemeClr val="dk1"/>
+            </a:effectRef>
+            <a:fontRef idx="minor">
+              <a:schemeClr val="tx1"/>
+            </a:fontRef>
+          </p:style>
+        </p:cxnSp>
+        <p:cxnSp>
+          <p:nvCxnSpPr>
+            <p:cNvPr id="17" name="Straight Arrow Connector 16">
+              <a:extLst>
+                <a:ext uri="{FF2B5EF4-FFF2-40B4-BE49-F238E27FC236}">
+                  <a16:creationId xmlns:a16="http://schemas.microsoft.com/office/drawing/2014/main" id="{D89F6A05-6EF8-864D-BA9F-62005A2F8CF8}"/>
+                </a:ext>
+              </a:extLst>
+            </p:cNvPr>
+            <p:cNvCxnSpPr>
+              <a:cxnSpLocks/>
+            </p:cNvCxnSpPr>
+            <p:nvPr/>
+          </p:nvCxnSpPr>
+          <p:spPr>
+            <a:xfrm flipV="1">
+              <a:off x="6355683" y="2908100"/>
+              <a:ext cx="638239" cy="12588"/>
+            </a:xfrm>
+            <a:prstGeom prst="straightConnector1">
+              <a:avLst/>
+            </a:prstGeom>
+            <a:ln>
+              <a:tailEnd type="triangle"/>
+            </a:ln>
+          </p:spPr>
+          <p:style>
+            <a:lnRef idx="2">
+              <a:schemeClr val="accent2"/>
+            </a:lnRef>
+            <a:fillRef idx="0">
+              <a:schemeClr val="accent2"/>
+            </a:fillRef>
+            <a:effectRef idx="1">
+              <a:schemeClr val="accent2"/>
+            </a:effectRef>
+            <a:fontRef idx="minor">
+              <a:schemeClr val="tx1"/>
+            </a:fontRef>
+          </p:style>
+        </p:cxnSp>
+        <p:sp>
+          <p:nvSpPr>
+            <p:cNvPr id="18" name="TextBox 17">
+              <a:extLst>
+                <a:ext uri="{FF2B5EF4-FFF2-40B4-BE49-F238E27FC236}">
+                  <a16:creationId xmlns:a16="http://schemas.microsoft.com/office/drawing/2014/main" id="{0C422872-69A3-60F3-0AA3-F36D9885A2A3}"/>
+                </a:ext>
+              </a:extLst>
+            </p:cNvPr>
+            <p:cNvSpPr txBox="1"/>
+            <p:nvPr/>
+          </p:nvSpPr>
+          <p:spPr>
+            <a:xfrm rot="5400000">
+              <a:off x="6523613" y="2556090"/>
+              <a:ext cx="385042" cy="369332"/>
+            </a:xfrm>
+            <a:prstGeom prst="rect">
+              <a:avLst/>
+            </a:prstGeom>
+            <a:noFill/>
+          </p:spPr>
+          <p:txBody>
+            <a:bodyPr wrap="none" rtlCol="0">
+              <a:spAutoFit/>
+            </a:bodyPr>
+            <a:lstStyle/>
+            <a:p>
+              <a:r>
+                <a:rPr lang="en-GB" dirty="0">
+                  <a:solidFill>
+                    <a:schemeClr val="accent2"/>
+                  </a:solidFill>
+                </a:rPr>
+                <a:t>⇒</a:t>
+              </a:r>
+            </a:p>
+          </p:txBody>
+        </p:sp>
+      </p:grpSp>
+      <p:pic>
+        <p:nvPicPr>
+          <p:cNvPr id="24" name="Picture 23">
+            <a:extLst>
+              <a:ext uri="{FF2B5EF4-FFF2-40B4-BE49-F238E27FC236}">
+                <a16:creationId xmlns:a16="http://schemas.microsoft.com/office/drawing/2014/main" id="{462FBDCE-656E-D8FF-13EC-CAD582FFE11F}"/>
+              </a:ext>
+            </a:extLst>
+          </p:cNvPr>
+          <p:cNvPicPr>
+            <a:picLocks noChangeAspect="1"/>
+          </p:cNvPicPr>
+          <p:nvPr/>
+        </p:nvPicPr>
+        <p:blipFill>
+          <a:blip r:embed="rId5"/>
+          <a:stretch>
+            <a:fillRect/>
+          </a:stretch>
+        </p:blipFill>
+        <p:spPr>
+          <a:xfrm>
+            <a:off x="0" y="4495738"/>
+            <a:ext cx="12192000" cy="2334228"/>
+          </a:xfrm>
+          <a:prstGeom prst="rect">
+            <a:avLst/>
+          </a:prstGeom>
+        </p:spPr>
+      </p:pic>
+      <p:sp>
+        <p:nvSpPr>
+          <p:cNvPr id="25" name="Rectangle 24">
+            <a:extLst>
+              <a:ext uri="{FF2B5EF4-FFF2-40B4-BE49-F238E27FC236}">
+                <a16:creationId xmlns:a16="http://schemas.microsoft.com/office/drawing/2014/main" id="{0A479065-8648-F8E9-4FE3-C2A42F7A9CF8}"/>
+              </a:ext>
+            </a:extLst>
+          </p:cNvPr>
+          <p:cNvSpPr/>
+          <p:nvPr/>
+        </p:nvSpPr>
+        <p:spPr>
+          <a:xfrm>
+            <a:off x="3289385" y="4654273"/>
+            <a:ext cx="4240607" cy="1992004"/>
+          </a:xfrm>
+          <a:prstGeom prst="rect">
+            <a:avLst/>
+          </a:prstGeom>
+          <a:ln>
+            <a:solidFill>
+              <a:schemeClr val="bg1"/>
+            </a:solidFill>
+          </a:ln>
+        </p:spPr>
+        <p:style>
+          <a:lnRef idx="2">
+            <a:schemeClr val="accent6"/>
+          </a:lnRef>
+          <a:fillRef idx="1">
+            <a:schemeClr val="lt1"/>
+          </a:fillRef>
+          <a:effectRef idx="0">
+            <a:schemeClr val="accent6"/>
+          </a:effectRef>
+          <a:fontRef idx="minor">
+            <a:schemeClr val="dk1"/>
+          </a:fontRef>
+        </p:style>
+        <p:txBody>
+          <a:bodyPr rtlCol="0" anchor="ctr"/>
+          <a:lstStyle/>
+          <a:p>
+            <a:pPr algn="ctr"/>
+            <a:endParaRPr lang="en-GB"/>
+          </a:p>
+        </p:txBody>
+      </p:sp>
+      <p:sp>
+        <p:nvSpPr>
+          <p:cNvPr id="26" name="Rectangle 25">
+            <a:extLst>
+              <a:ext uri="{FF2B5EF4-FFF2-40B4-BE49-F238E27FC236}">
+                <a16:creationId xmlns:a16="http://schemas.microsoft.com/office/drawing/2014/main" id="{300A5B4D-5262-E607-D488-54C292D2A2CB}"/>
+              </a:ext>
+            </a:extLst>
+          </p:cNvPr>
+          <p:cNvSpPr/>
+          <p:nvPr/>
+        </p:nvSpPr>
+        <p:spPr>
+          <a:xfrm>
+            <a:off x="7529992" y="4582050"/>
+            <a:ext cx="4662008" cy="2136250"/>
+          </a:xfrm>
+          <a:prstGeom prst="rect">
+            <a:avLst/>
+          </a:prstGeom>
+          <a:ln>
+            <a:solidFill>
+              <a:schemeClr val="bg1"/>
+            </a:solidFill>
+          </a:ln>
+        </p:spPr>
+        <p:style>
+          <a:lnRef idx="2">
+            <a:schemeClr val="accent6"/>
+          </a:lnRef>
+          <a:fillRef idx="1">
+            <a:schemeClr val="lt1"/>
+          </a:fillRef>
+          <a:effectRef idx="0">
+            <a:schemeClr val="accent6"/>
+          </a:effectRef>
+          <a:fontRef idx="minor">
+            <a:schemeClr val="dk1"/>
+          </a:fontRef>
+        </p:style>
+        <p:txBody>
+          <a:bodyPr rtlCol="0" anchor="ctr"/>
+          <a:lstStyle/>
+          <a:p>
+            <a:pPr algn="ctr"/>
+            <a:endParaRPr lang="en-GB"/>
+          </a:p>
+        </p:txBody>
+      </p:sp>
+    </p:spTree>
+    <p:extLst>
+      <p:ext uri="{BB962C8B-B14F-4D97-AF65-F5344CB8AC3E}">
+        <p14:creationId xmlns:p14="http://schemas.microsoft.com/office/powerpoint/2010/main" val="2099903486"/>
+      </p:ext>
+    </p:extLst>
+  </p:cSld>
+  <p:clrMapOvr>
+    <a:masterClrMapping/>
+  </p:clrMapOvr>
+  <p:timing>
+    <p:tnLst>
+      <p:par>
+        <p:cTn id="1" dur="indefinite" restart="never" nodeType="tmRoot">
+          <p:childTnLst>
+            <p:seq concurrent="1" nextAc="seek">
+              <p:cTn id="2" dur="indefinite" nodeType="mainSeq">
+                <p:childTnLst>
+                  <p:par>
+                    <p:cTn id="3" fill="hold">
+                      <p:stCondLst>
+                        <p:cond delay="indefinite"/>
+                      </p:stCondLst>
+                      <p:childTnLst>
+                        <p:par>
+                          <p:cTn id="4" fill="hold">
+                            <p:stCondLst>
+                              <p:cond delay="0"/>
+                            </p:stCondLst>
+                            <p:childTnLst>
+                              <p:par>
+                                <p:cTn id="5" presetID="1" presetClass="entr" presetSubtype="0" fill="hold" nodeType="clickEffect">
+                                  <p:stCondLst>
+                                    <p:cond delay="0"/>
+                                  </p:stCondLst>
+                                  <p:childTnLst>
+                                    <p:set>
+                                      <p:cBhvr>
+                                        <p:cTn id="6" dur="1" fill="hold">
+                                          <p:stCondLst>
+                                            <p:cond delay="0"/>
+                                          </p:stCondLst>
+                                        </p:cTn>
+                                        <p:tgtEl>
+                                          <p:spTgt spid="10">
+                                            <p:txEl>
+                                              <p:pRg st="0" end="0"/>
+                                            </p:txEl>
+                                          </p:spTgt>
+                                        </p:tgtEl>
+                                        <p:attrNameLst>
+                                          <p:attrName>style.visibility</p:attrName>
+                                        </p:attrNameLst>
+                                      </p:cBhvr>
+                                      <p:to>
+                                        <p:strVal val="visible"/>
+                                      </p:to>
+                                    </p:set>
+                                  </p:childTnLst>
+                                </p:cTn>
+                              </p:par>
+                            </p:childTnLst>
+                          </p:cTn>
+                        </p:par>
+                      </p:childTnLst>
+                    </p:cTn>
+                  </p:par>
+                  <p:par>
+                    <p:cTn id="7" fill="hold">
+                      <p:stCondLst>
+                        <p:cond delay="indefinite"/>
+                      </p:stCondLst>
+                      <p:childTnLst>
+                        <p:par>
+                          <p:cTn id="8" fill="hold">
+                            <p:stCondLst>
+                              <p:cond delay="0"/>
+                            </p:stCondLst>
+                            <p:childTnLst>
+                              <p:par>
+                                <p:cTn id="9" presetID="1" presetClass="entr" presetSubtype="0" fill="hold" nodeType="clickEffect">
+                                  <p:stCondLst>
+                                    <p:cond delay="0"/>
+                                  </p:stCondLst>
+                                  <p:childTnLst>
+                                    <p:set>
+                                      <p:cBhvr>
+                                        <p:cTn id="10" dur="1" fill="hold">
+                                          <p:stCondLst>
+                                            <p:cond delay="0"/>
+                                          </p:stCondLst>
+                                        </p:cTn>
+                                        <p:tgtEl>
+                                          <p:spTgt spid="10">
+                                            <p:txEl>
+                                              <p:pRg st="2" end="2"/>
+                                            </p:txEl>
+                                          </p:spTgt>
+                                        </p:tgtEl>
+                                        <p:attrNameLst>
+                                          <p:attrName>style.visibility</p:attrName>
+                                        </p:attrNameLst>
+                                      </p:cBhvr>
+                                      <p:to>
+                                        <p:strVal val="visible"/>
+                                      </p:to>
+                                    </p:set>
+                                  </p:childTnLst>
+                                </p:cTn>
+                              </p:par>
+                              <p:par>
+                                <p:cTn id="11" presetID="1" presetClass="entr" presetSubtype="0" fill="hold" nodeType="withEffect">
+                                  <p:stCondLst>
+                                    <p:cond delay="0"/>
+                                  </p:stCondLst>
+                                  <p:childTnLst>
+                                    <p:set>
+                                      <p:cBhvr>
+                                        <p:cTn id="12" dur="1" fill="hold">
+                                          <p:stCondLst>
+                                            <p:cond delay="0"/>
+                                          </p:stCondLst>
+                                        </p:cTn>
+                                        <p:tgtEl>
+                                          <p:spTgt spid="20"/>
+                                        </p:tgtEl>
+                                        <p:attrNameLst>
+                                          <p:attrName>style.visibility</p:attrName>
+                                        </p:attrNameLst>
+                                      </p:cBhvr>
+                                      <p:to>
+                                        <p:strVal val="visible"/>
+                                      </p:to>
+                                    </p:set>
+                                  </p:childTnLst>
+                                </p:cTn>
+                              </p:par>
+                            </p:childTnLst>
+                          </p:cTn>
+                        </p:par>
+                      </p:childTnLst>
+                    </p:cTn>
+                  </p:par>
+                  <p:par>
+                    <p:cTn id="13" fill="hold">
+                      <p:stCondLst>
+                        <p:cond delay="indefinite"/>
+                      </p:stCondLst>
+                      <p:childTnLst>
+                        <p:par>
+                          <p:cTn id="14" fill="hold">
+                            <p:stCondLst>
+                              <p:cond delay="0"/>
+                            </p:stCondLst>
+                            <p:childTnLst>
+                              <p:par>
+                                <p:cTn id="15" presetID="1" presetClass="entr" presetSubtype="0" fill="hold" nodeType="clickEffect">
+                                  <p:stCondLst>
+                                    <p:cond delay="0"/>
+                                  </p:stCondLst>
+                                  <p:childTnLst>
+                                    <p:set>
+                                      <p:cBhvr>
+                                        <p:cTn id="16" dur="1" fill="hold">
+                                          <p:stCondLst>
+                                            <p:cond delay="0"/>
+                                          </p:stCondLst>
+                                        </p:cTn>
+                                        <p:tgtEl>
+                                          <p:spTgt spid="10">
+                                            <p:txEl>
+                                              <p:pRg st="5" end="5"/>
+                                            </p:txEl>
+                                          </p:spTgt>
+                                        </p:tgtEl>
+                                        <p:attrNameLst>
+                                          <p:attrName>style.visibility</p:attrName>
+                                        </p:attrNameLst>
+                                      </p:cBhvr>
+                                      <p:to>
+                                        <p:strVal val="visible"/>
+                                      </p:to>
+                                    </p:set>
+                                  </p:childTnLst>
+                                </p:cTn>
+                              </p:par>
+                            </p:childTnLst>
+                          </p:cTn>
+                        </p:par>
+                      </p:childTnLst>
+                    </p:cTn>
+                  </p:par>
+                  <p:par>
+                    <p:cTn id="17" fill="hold">
+                      <p:stCondLst>
+                        <p:cond delay="indefinite"/>
+                      </p:stCondLst>
+                      <p:childTnLst>
+                        <p:par>
+                          <p:cTn id="18" fill="hold">
+                            <p:stCondLst>
+                              <p:cond delay="0"/>
+                            </p:stCondLst>
+                            <p:childTnLst>
+                              <p:par>
+                                <p:cTn id="19" presetID="1" presetClass="entr" presetSubtype="0" fill="hold" nodeType="clickEffect">
+                                  <p:stCondLst>
+                                    <p:cond delay="0"/>
+                                  </p:stCondLst>
+                                  <p:childTnLst>
+                                    <p:set>
+                                      <p:cBhvr>
+                                        <p:cTn id="20" dur="1" fill="hold">
+                                          <p:stCondLst>
+                                            <p:cond delay="0"/>
+                                          </p:stCondLst>
+                                        </p:cTn>
+                                        <p:tgtEl>
+                                          <p:spTgt spid="24"/>
+                                        </p:tgtEl>
+                                        <p:attrNameLst>
+                                          <p:attrName>style.visibility</p:attrName>
+                                        </p:attrNameLst>
+                                      </p:cBhvr>
+                                      <p:to>
+                                        <p:strVal val="visible"/>
+                                      </p:to>
+                                    </p:set>
+                                  </p:childTnLst>
+                                </p:cTn>
+                              </p:par>
+                              <p:par>
+                                <p:cTn id="21" presetID="1" presetClass="entr" presetSubtype="0" fill="hold" grpId="1" nodeType="withEffect">
+                                  <p:stCondLst>
+                                    <p:cond delay="0"/>
+                                  </p:stCondLst>
+                                  <p:childTnLst>
+                                    <p:set>
+                                      <p:cBhvr>
+                                        <p:cTn id="22" dur="1" fill="hold">
+                                          <p:stCondLst>
+                                            <p:cond delay="0"/>
+                                          </p:stCondLst>
+                                        </p:cTn>
+                                        <p:tgtEl>
+                                          <p:spTgt spid="25"/>
+                                        </p:tgtEl>
+                                        <p:attrNameLst>
+                                          <p:attrName>style.visibility</p:attrName>
+                                        </p:attrNameLst>
+                                      </p:cBhvr>
+                                      <p:to>
+                                        <p:strVal val="visible"/>
+                                      </p:to>
+                                    </p:set>
+                                  </p:childTnLst>
+                                </p:cTn>
+                              </p:par>
+                              <p:par>
+                                <p:cTn id="23" presetID="1" presetClass="entr" presetSubtype="0" fill="hold" grpId="1" nodeType="withEffect">
+                                  <p:stCondLst>
+                                    <p:cond delay="0"/>
+                                  </p:stCondLst>
+                                  <p:childTnLst>
+                                    <p:set>
+                                      <p:cBhvr>
+                                        <p:cTn id="24" dur="1" fill="hold">
+                                          <p:stCondLst>
+                                            <p:cond delay="0"/>
+                                          </p:stCondLst>
+                                        </p:cTn>
+                                        <p:tgtEl>
+                                          <p:spTgt spid="26"/>
+                                        </p:tgtEl>
+                                        <p:attrNameLst>
+                                          <p:attrName>style.visibility</p:attrName>
+                                        </p:attrNameLst>
+                                      </p:cBhvr>
+                                      <p:to>
+                                        <p:strVal val="visible"/>
+                                      </p:to>
+                                    </p:set>
+                                  </p:childTnLst>
+                                </p:cTn>
+                              </p:par>
+                            </p:childTnLst>
+                          </p:cTn>
+                        </p:par>
+                      </p:childTnLst>
+                    </p:cTn>
+                  </p:par>
+                  <p:par>
+                    <p:cTn id="25" fill="hold">
+                      <p:stCondLst>
+                        <p:cond delay="indefinite"/>
+                      </p:stCondLst>
+                      <p:childTnLst>
+                        <p:par>
+                          <p:cTn id="26" fill="hold">
+                            <p:stCondLst>
+                              <p:cond delay="0"/>
+                            </p:stCondLst>
+                            <p:childTnLst>
+                              <p:par>
+                                <p:cTn id="27" presetID="1" presetClass="exit" presetSubtype="0" fill="hold" grpId="0" nodeType="clickEffect">
+                                  <p:stCondLst>
+                                    <p:cond delay="0"/>
+                                  </p:stCondLst>
+                                  <p:childTnLst>
+                                    <p:set>
+                                      <p:cBhvr>
+                                        <p:cTn id="28" dur="1" fill="hold">
+                                          <p:stCondLst>
+                                            <p:cond delay="0"/>
+                                          </p:stCondLst>
+                                        </p:cTn>
+                                        <p:tgtEl>
+                                          <p:spTgt spid="25"/>
+                                        </p:tgtEl>
+                                        <p:attrNameLst>
+                                          <p:attrName>style.visibility</p:attrName>
+                                        </p:attrNameLst>
+                                      </p:cBhvr>
+                                      <p:to>
+                                        <p:strVal val="hidden"/>
+                                      </p:to>
+                                    </p:set>
+                                  </p:childTnLst>
+                                </p:cTn>
+                              </p:par>
+                            </p:childTnLst>
+                          </p:cTn>
+                        </p:par>
+                      </p:childTnLst>
+                    </p:cTn>
+                  </p:par>
+                  <p:par>
+                    <p:cTn id="29" fill="hold">
+                      <p:stCondLst>
+                        <p:cond delay="indefinite"/>
+                      </p:stCondLst>
+                      <p:childTnLst>
+                        <p:par>
+                          <p:cTn id="30" fill="hold">
+                            <p:stCondLst>
+                              <p:cond delay="0"/>
+                            </p:stCondLst>
+                            <p:childTnLst>
+                              <p:par>
+                                <p:cTn id="31" presetID="1" presetClass="exit" presetSubtype="0" fill="hold" grpId="0" nodeType="clickEffect">
+                                  <p:stCondLst>
+                                    <p:cond delay="0"/>
+                                  </p:stCondLst>
+                                  <p:childTnLst>
+                                    <p:set>
+                                      <p:cBhvr>
+                                        <p:cTn id="32" dur="1" fill="hold">
+                                          <p:stCondLst>
+                                            <p:cond delay="0"/>
+                                          </p:stCondLst>
+                                        </p:cTn>
+                                        <p:tgtEl>
+                                          <p:spTgt spid="26"/>
+                                        </p:tgtEl>
+                                        <p:attrNameLst>
+                                          <p:attrName>style.visibility</p:attrName>
+                                        </p:attrNameLst>
+                                      </p:cBhvr>
+                                      <p:to>
+                                        <p:strVal val="hidden"/>
+                                      </p:to>
+                                    </p:set>
+                                  </p:childTnLst>
+                                </p:cTn>
+                              </p:par>
+                            </p:childTnLst>
+                          </p:cTn>
+                        </p:par>
+                      </p:childTnLst>
+                    </p:cTn>
+                  </p:par>
+                </p:childTnLst>
+              </p:cTn>
+              <p:prevCondLst>
+                <p:cond evt="onPrev" delay="0">
+                  <p:tgtEl>
+                    <p:sldTgt/>
+                  </p:tgtEl>
+                </p:cond>
+              </p:prevCondLst>
+              <p:nextCondLst>
+                <p:cond evt="onNext" delay="0">
+                  <p:tgtEl>
+                    <p:sldTgt/>
+                  </p:tgtEl>
+                </p:cond>
+              </p:nextCondLst>
+            </p:seq>
+          </p:childTnLst>
+        </p:cTn>
+      </p:par>
+    </p:tnLst>
+    <p:bldLst>
+      <p:bldP spid="25" grpId="0" animBg="1"/>
+      <p:bldP spid="25" grpId="1" animBg="1"/>
+      <p:bldP spid="26" grpId="0" animBg="1"/>
+      <p:bldP spid="26" grpId="1" animBg="1"/>
+    </p:bldLst>
+  </p:timing>
+</p:sld>
+</file>
+
+<file path=ppt/slides/slide11.xml><?xml version="1.0" encoding="utf-8"?>
+<p:sld xmlns:a="http://schemas.openxmlformats.org/drawingml/2006/main" xmlns:r="http://schemas.openxmlformats.org/officeDocument/2006/relationships" xmlns:p="http://schemas.openxmlformats.org/presentationml/2006/main">
+  <p:cSld>
+    <p:spTree>
+      <p:nvGrpSpPr>
+        <p:cNvPr id="1" name=""/>
+        <p:cNvGrpSpPr/>
+        <p:nvPr/>
+      </p:nvGrpSpPr>
+      <p:grpSpPr>
+        <a:xfrm>
+          <a:off x="0" y="0"/>
+          <a:ext cx="0" cy="0"/>
+          <a:chOff x="0" y="0"/>
+          <a:chExt cx="0" cy="0"/>
+        </a:xfrm>
+      </p:grpSpPr>
+      <p:sp>
+        <p:nvSpPr>
+          <p:cNvPr id="2" name="Title 1">
+            <a:extLst>
+              <a:ext uri="{FF2B5EF4-FFF2-40B4-BE49-F238E27FC236}">
                 <a16:creationId xmlns:a16="http://schemas.microsoft.com/office/drawing/2014/main" id="{3CD09AE5-870C-0D64-97E6-5459B2CF4A9E}"/>
               </a:ext>
             </a:extLst>
@@ -5030,7 +6266,7 @@
           <a:p>
             <a:fld id="{6113E31D-E2AB-40D1-8B51-AFA5AFEF393A}" type="slidenum">
               <a:rPr lang="en-US" smtClean="0"/>
-              <a:t>10</a:t>
+              <a:t>11</a:t>
             </a:fld>
             <a:endParaRPr lang="en-US"/>
           </a:p>
@@ -5519,7 +6755,7 @@
 </p:sld>
 </file>
 
-<file path=ppt/slides/slide11.xml><?xml version="1.0" encoding="utf-8"?>
+<file path=ppt/slides/slide12.xml><?xml version="1.0" encoding="utf-8"?>
 <p:sld xmlns:a="http://schemas.openxmlformats.org/drawingml/2006/main" xmlns:r="http://schemas.openxmlformats.org/officeDocument/2006/relationships" xmlns:p="http://schemas.openxmlformats.org/presentationml/2006/main">
   <p:cSld>
     <p:spTree>
@@ -5619,7 +6855,7 @@
           <a:p>
             <a:fld id="{6113E31D-E2AB-40D1-8B51-AFA5AFEF393A}" type="slidenum">
               <a:rPr lang="en-US" smtClean="0"/>
-              <a:t>11</a:t>
+              <a:t>12</a:t>
             </a:fld>
             <a:endParaRPr lang="en-US"/>
           </a:p>
@@ -5756,7 +6992,7 @@
 </p:sld>
 </file>
 
-<file path=ppt/slides/slide12.xml><?xml version="1.0" encoding="utf-8"?>
+<file path=ppt/slides/slide13.xml><?xml version="1.0" encoding="utf-8"?>
 <p:sld xmlns:a="http://schemas.openxmlformats.org/drawingml/2006/main" xmlns:r="http://schemas.openxmlformats.org/officeDocument/2006/relationships" xmlns:p="http://schemas.openxmlformats.org/presentationml/2006/main">
   <p:cSld>
     <p:spTree>
@@ -5929,7 +7165,7 @@
           <a:p>
             <a:fld id="{6113E31D-E2AB-40D1-8B51-AFA5AFEF393A}" type="slidenum">
               <a:rPr lang="en-US" smtClean="0"/>
-              <a:t>12</a:t>
+              <a:t>13</a:t>
             </a:fld>
             <a:endParaRPr lang="en-US"/>
           </a:p>
@@ -7535,7 +8771,7 @@
 </p:sld>
 </file>
 
-<file path=ppt/slides/slide13.xml><?xml version="1.0" encoding="utf-8"?>
+<file path=ppt/slides/slide14.xml><?xml version="1.0" encoding="utf-8"?>
 <p:sld xmlns:a="http://schemas.openxmlformats.org/drawingml/2006/main" xmlns:r="http://schemas.openxmlformats.org/officeDocument/2006/relationships" xmlns:p="http://schemas.openxmlformats.org/presentationml/2006/main">
   <p:cSld>
     <p:spTree>
@@ -7581,7 +8817,7 @@
           <a:p>
             <a:fld id="{6113E31D-E2AB-40D1-8B51-AFA5AFEF393A}" type="slidenum">
               <a:rPr lang="en-US" smtClean="0"/>
-              <a:t>13</a:t>
+              <a:t>14</a:t>
             </a:fld>
             <a:endParaRPr lang="en-US"/>
           </a:p>
@@ -9088,7 +10324,7 @@
 </p:sld>
 </file>
 
-<file path=ppt/slides/slide14.xml><?xml version="1.0" encoding="utf-8"?>
+<file path=ppt/slides/slide15.xml><?xml version="1.0" encoding="utf-8"?>
 <p:sld xmlns:a="http://schemas.openxmlformats.org/drawingml/2006/main" xmlns:r="http://schemas.openxmlformats.org/officeDocument/2006/relationships" xmlns:p="http://schemas.openxmlformats.org/presentationml/2006/main">
   <p:cSld>
     <p:spTree>
@@ -9161,7 +10397,7 @@
           <a:p>
             <a:fld id="{6113E31D-E2AB-40D1-8B51-AFA5AFEF393A}" type="slidenum">
               <a:rPr lang="en-US" smtClean="0"/>
-              <a:t>14</a:t>
+              <a:t>15</a:t>
             </a:fld>
             <a:endParaRPr lang="en-US"/>
           </a:p>
@@ -10629,7 +11865,7 @@
 </p:sld>
 </file>
 
-<file path=ppt/slides/slide15.xml><?xml version="1.0" encoding="utf-8"?>
+<file path=ppt/slides/slide16.xml><?xml version="1.0" encoding="utf-8"?>
 <p:sld xmlns:a="http://schemas.openxmlformats.org/drawingml/2006/main" xmlns:r="http://schemas.openxmlformats.org/officeDocument/2006/relationships" xmlns:p="http://schemas.openxmlformats.org/presentationml/2006/main">
   <p:cSld>
     <p:spTree>
@@ -10786,7 +12022,7 @@
           <a:p>
             <a:fld id="{6113E31D-E2AB-40D1-8B51-AFA5AFEF393A}" type="slidenum">
               <a:rPr lang="en-US" smtClean="0"/>
-              <a:t>15</a:t>
+              <a:t>16</a:t>
             </a:fld>
             <a:endParaRPr lang="en-US"/>
           </a:p>
@@ -10921,7 +12157,7 @@
 </p:sld>
 </file>
 
-<file path=ppt/slides/slide16.xml><?xml version="1.0" encoding="utf-8"?>
+<file path=ppt/slides/slide17.xml><?xml version="1.0" encoding="utf-8"?>
 <p:sld xmlns:a="http://schemas.openxmlformats.org/drawingml/2006/main" xmlns:r="http://schemas.openxmlformats.org/officeDocument/2006/relationships" xmlns:p="http://schemas.openxmlformats.org/presentationml/2006/main">
   <p:cSld>
     <p:spTree>
@@ -10967,7 +12203,7 @@
           <a:p>
             <a:fld id="{6113E31D-E2AB-40D1-8B51-AFA5AFEF393A}" type="slidenum">
               <a:rPr lang="en-US" smtClean="0"/>
-              <a:t>16</a:t>
+              <a:t>17</a:t>
             </a:fld>
             <a:endParaRPr lang="en-US"/>
           </a:p>
@@ -14221,7 +15457,7 @@
 </p:sld>
 </file>
 
-<file path=ppt/slides/slide17.xml><?xml version="1.0" encoding="utf-8"?>
+<file path=ppt/slides/slide18.xml><?xml version="1.0" encoding="utf-8"?>
 <p:sld xmlns:a="http://schemas.openxmlformats.org/drawingml/2006/main" xmlns:r="http://schemas.openxmlformats.org/officeDocument/2006/relationships" xmlns:p="http://schemas.openxmlformats.org/presentationml/2006/main">
   <p:cSld>
     <p:spTree>
@@ -14289,7 +15525,7 @@
           <a:p>
             <a:fld id="{6113E31D-E2AB-40D1-8B51-AFA5AFEF393A}" type="slidenum">
               <a:rPr lang="en-US" smtClean="0"/>
-              <a:t>17</a:t>
+              <a:t>18</a:t>
             </a:fld>
             <a:endParaRPr lang="en-US"/>
           </a:p>
@@ -15212,6 +16448,1051 @@
           <p:cNvPr id="2" name="Title 1">
             <a:extLst>
               <a:ext uri="{FF2B5EF4-FFF2-40B4-BE49-F238E27FC236}">
+                <a16:creationId xmlns:a16="http://schemas.microsoft.com/office/drawing/2014/main" id="{50D536DC-27A5-F649-738C-A7AED8DDD9BE}"/>
+              </a:ext>
+            </a:extLst>
+          </p:cNvPr>
+          <p:cNvSpPr>
+            <a:spLocks noGrp="1"/>
+          </p:cNvSpPr>
+          <p:nvPr>
+            <p:ph type="title"/>
+          </p:nvPr>
+        </p:nvSpPr>
+        <p:spPr>
+          <a:xfrm>
+            <a:off x="789105" y="18255"/>
+            <a:ext cx="10515600" cy="1325563"/>
+          </a:xfrm>
+        </p:spPr>
+        <p:txBody>
+          <a:bodyPr/>
+          <a:lstStyle/>
+          <a:p>
+            <a:r>
+              <a:rPr lang="en-GB" dirty="0"/>
+              <a:t>Quick update on YADE</a:t>
+            </a:r>
+          </a:p>
+        </p:txBody>
+      </p:sp>
+      <p:sp>
+        <p:nvSpPr>
+          <p:cNvPr id="3" name="Content Placeholder 2">
+            <a:extLst>
+              <a:ext uri="{FF2B5EF4-FFF2-40B4-BE49-F238E27FC236}">
+                <a16:creationId xmlns:a16="http://schemas.microsoft.com/office/drawing/2014/main" id="{1925BBF7-C1AC-E1DC-C6E5-D5AEA3C2063E}"/>
+              </a:ext>
+            </a:extLst>
+          </p:cNvPr>
+          <p:cNvSpPr>
+            <a:spLocks noGrp="1"/>
+          </p:cNvSpPr>
+          <p:nvPr>
+            <p:ph idx="1"/>
+          </p:nvPr>
+        </p:nvSpPr>
+        <p:spPr>
+          <a:xfrm>
+            <a:off x="838200" y="1110781"/>
+            <a:ext cx="11125200" cy="5658234"/>
+          </a:xfrm>
+        </p:spPr>
+        <p:txBody>
+          <a:bodyPr>
+            <a:normAutofit fontScale="92500" lnSpcReduction="10000"/>
+          </a:bodyPr>
+          <a:lstStyle/>
+          <a:p>
+            <a:r>
+              <a:rPr lang="en-GB" dirty="0"/>
+              <a:t>Mechanisation features:</a:t>
+            </a:r>
+          </a:p>
+          <a:p>
+            <a:pPr marL="457200" lvl="1" indent="0">
+              <a:buNone/>
+            </a:pPr>
+            <a:r>
+              <a:rPr lang="en-GB" dirty="0"/>
+              <a:t>YADE is now fully included in the </a:t>
+            </a:r>
+            <a:r>
+              <a:rPr lang="en-GB" dirty="0" err="1"/>
+              <a:t>vscode</a:t>
+            </a:r>
+            <a:r>
+              <a:rPr lang="en-GB" dirty="0"/>
+              <a:t> extension (no need to install it separately)</a:t>
+            </a:r>
+          </a:p>
+          <a:p>
+            <a:r>
+              <a:rPr lang="en-GB" dirty="0"/>
+              <a:t>New “Multiplayer” mode</a:t>
+            </a:r>
+          </a:p>
+          <a:p>
+            <a:pPr marL="457200" lvl="1" indent="0">
+              <a:buNone/>
+            </a:pPr>
+            <a:r>
+              <a:rPr lang="en-GB" dirty="0"/>
+              <a:t>Requires running a server</a:t>
+            </a:r>
+          </a:p>
+          <a:p>
+            <a:pPr lvl="1"/>
+            <a:r>
+              <a:rPr lang="en-GB" dirty="0"/>
+              <a:t>Solution 1: </a:t>
+            </a:r>
+            <a:r>
+              <a:rPr lang="en-GB" dirty="0" err="1"/>
+              <a:t>vscode</a:t>
+            </a:r>
+            <a:endParaRPr lang="en-GB" dirty="0"/>
+          </a:p>
+          <a:p>
+            <a:pPr lvl="2"/>
+            <a:r>
+              <a:rPr lang="en-GB" dirty="0"/>
+              <a:t>run it locally (the server is embedded in YADE’s </a:t>
+            </a:r>
+            <a:r>
+              <a:rPr lang="en-GB" dirty="0" err="1"/>
+              <a:t>vscode</a:t>
+            </a:r>
+            <a:r>
+              <a:rPr lang="en-GB" dirty="0"/>
+              <a:t> extension)</a:t>
+            </a:r>
+          </a:p>
+          <a:p>
+            <a:pPr lvl="2"/>
+            <a:r>
+              <a:rPr lang="en-GB" dirty="0"/>
+              <a:t>share it over the network with </a:t>
+            </a:r>
+            <a:r>
+              <a:rPr lang="en-GB" dirty="0" err="1"/>
+              <a:t>LiveShare</a:t>
+            </a:r>
+            <a:r>
+              <a:rPr lang="en-GB" dirty="0"/>
+              <a:t> extension</a:t>
+            </a:r>
+          </a:p>
+          <a:p>
+            <a:pPr lvl="1"/>
+            <a:r>
+              <a:rPr lang="en-GB" dirty="0"/>
+              <a:t>Solution 2: run it on a web hosting platform (with node.js enabled)</a:t>
+            </a:r>
+          </a:p>
+          <a:p>
+            <a:pPr marL="457200" lvl="1" indent="0">
+              <a:buNone/>
+            </a:pPr>
+            <a:r>
+              <a:rPr lang="en-GB" dirty="0"/>
+              <a:t>	(e.g., glitch.io which has free tier)</a:t>
+            </a:r>
+          </a:p>
+          <a:p>
+            <a:r>
+              <a:rPr lang="en-GB" dirty="0"/>
+              <a:t>Future work (contributors welcome!)</a:t>
+            </a:r>
+          </a:p>
+          <a:p>
+            <a:pPr lvl="1"/>
+            <a:r>
+              <a:rPr lang="en-GB" dirty="0"/>
+              <a:t>Benchmark, e.g., formalise a monoidal coherence theorem</a:t>
+            </a:r>
+          </a:p>
+          <a:p>
+            <a:pPr lvl="1"/>
+            <a:r>
+              <a:rPr lang="en-GB" dirty="0"/>
+              <a:t>Improve the generation of Coq code</a:t>
+            </a:r>
+          </a:p>
+          <a:p>
+            <a:pPr lvl="1"/>
+            <a:r>
+              <a:rPr lang="en-GB" dirty="0"/>
+              <a:t>Make it more modular over the library of category</a:t>
+            </a:r>
+          </a:p>
+          <a:p>
+            <a:pPr lvl="1"/>
+            <a:r>
+              <a:rPr lang="en-GB" dirty="0"/>
+              <a:t>Make it work in </a:t>
+            </a:r>
+            <a:r>
+              <a:rPr lang="en-GB" dirty="0" err="1"/>
+              <a:t>vscode</a:t>
+            </a:r>
+            <a:r>
+              <a:rPr lang="en-GB" dirty="0"/>
+              <a:t> in the browser  </a:t>
+            </a:r>
+          </a:p>
+          <a:p>
+            <a:pPr marL="914400" lvl="2" indent="0">
+              <a:buNone/>
+            </a:pPr>
+            <a:r>
+              <a:rPr lang="en-GB" dirty="0"/>
+              <a:t>(coq-</a:t>
+            </a:r>
+            <a:r>
+              <a:rPr lang="en-GB" dirty="0" err="1"/>
+              <a:t>lsp</a:t>
+            </a:r>
+            <a:r>
+              <a:rPr lang="en-GB" dirty="0"/>
+              <a:t> now fully support coq in the browser!)</a:t>
+            </a:r>
+          </a:p>
+          <a:p>
+            <a:pPr lvl="1"/>
+            <a:endParaRPr lang="en-GB" dirty="0"/>
+          </a:p>
+        </p:txBody>
+      </p:sp>
+      <p:sp>
+        <p:nvSpPr>
+          <p:cNvPr id="4" name="Slide Number Placeholder 3">
+            <a:extLst>
+              <a:ext uri="{FF2B5EF4-FFF2-40B4-BE49-F238E27FC236}">
+                <a16:creationId xmlns:a16="http://schemas.microsoft.com/office/drawing/2014/main" id="{EEC4B85C-B267-8BAB-7883-5A587E914194}"/>
+              </a:ext>
+            </a:extLst>
+          </p:cNvPr>
+          <p:cNvSpPr>
+            <a:spLocks noGrp="1"/>
+          </p:cNvSpPr>
+          <p:nvPr>
+            <p:ph type="sldNum" sz="quarter" idx="12"/>
+          </p:nvPr>
+        </p:nvSpPr>
+        <p:spPr/>
+        <p:txBody>
+          <a:bodyPr/>
+          <a:lstStyle/>
+          <a:p>
+            <a:fld id="{6113E31D-E2AB-40D1-8B51-AFA5AFEF393A}" type="slidenum">
+              <a:rPr lang="en-US" smtClean="0"/>
+              <a:t>2</a:t>
+            </a:fld>
+            <a:endParaRPr lang="en-US"/>
+          </a:p>
+        </p:txBody>
+      </p:sp>
+    </p:spTree>
+    <p:extLst>
+      <p:ext uri="{BB962C8B-B14F-4D97-AF65-F5344CB8AC3E}">
+        <p14:creationId xmlns:p14="http://schemas.microsoft.com/office/powerpoint/2010/main" val="1198375135"/>
+      </p:ext>
+    </p:extLst>
+  </p:cSld>
+  <p:clrMapOvr>
+    <a:masterClrMapping/>
+  </p:clrMapOvr>
+  <p:timing>
+    <p:tnLst>
+      <p:par>
+        <p:cTn id="1" dur="indefinite" restart="never" nodeType="tmRoot">
+          <p:childTnLst>
+            <p:seq concurrent="1" nextAc="seek">
+              <p:cTn id="2" dur="indefinite" nodeType="mainSeq">
+                <p:childTnLst>
+                  <p:par>
+                    <p:cTn id="3" fill="hold">
+                      <p:stCondLst>
+                        <p:cond delay="indefinite"/>
+                      </p:stCondLst>
+                      <p:childTnLst>
+                        <p:par>
+                          <p:cTn id="4" fill="hold">
+                            <p:stCondLst>
+                              <p:cond delay="0"/>
+                            </p:stCondLst>
+                            <p:childTnLst>
+                              <p:par>
+                                <p:cTn id="5" presetID="1" presetClass="entr" presetSubtype="0" fill="hold" nodeType="clickEffect">
+                                  <p:stCondLst>
+                                    <p:cond delay="0"/>
+                                  </p:stCondLst>
+                                  <p:childTnLst>
+                                    <p:set>
+                                      <p:cBhvr>
+                                        <p:cTn id="6" dur="1" fill="hold">
+                                          <p:stCondLst>
+                                            <p:cond delay="0"/>
+                                          </p:stCondLst>
+                                        </p:cTn>
+                                        <p:tgtEl>
+                                          <p:spTgt spid="3">
+                                            <p:txEl>
+                                              <p:pRg st="0" end="0"/>
+                                            </p:txEl>
+                                          </p:spTgt>
+                                        </p:tgtEl>
+                                        <p:attrNameLst>
+                                          <p:attrName>style.visibility</p:attrName>
+                                        </p:attrNameLst>
+                                      </p:cBhvr>
+                                      <p:to>
+                                        <p:strVal val="visible"/>
+                                      </p:to>
+                                    </p:set>
+                                  </p:childTnLst>
+                                </p:cTn>
+                              </p:par>
+                            </p:childTnLst>
+                          </p:cTn>
+                        </p:par>
+                      </p:childTnLst>
+                    </p:cTn>
+                  </p:par>
+                  <p:par>
+                    <p:cTn id="7" fill="hold">
+                      <p:stCondLst>
+                        <p:cond delay="indefinite"/>
+                      </p:stCondLst>
+                      <p:childTnLst>
+                        <p:par>
+                          <p:cTn id="8" fill="hold">
+                            <p:stCondLst>
+                              <p:cond delay="0"/>
+                            </p:stCondLst>
+                            <p:childTnLst>
+                              <p:par>
+                                <p:cTn id="9" presetID="1" presetClass="entr" presetSubtype="0" fill="hold" nodeType="clickEffect">
+                                  <p:stCondLst>
+                                    <p:cond delay="0"/>
+                                  </p:stCondLst>
+                                  <p:childTnLst>
+                                    <p:set>
+                                      <p:cBhvr>
+                                        <p:cTn id="10" dur="1" fill="hold">
+                                          <p:stCondLst>
+                                            <p:cond delay="0"/>
+                                          </p:stCondLst>
+                                        </p:cTn>
+                                        <p:tgtEl>
+                                          <p:spTgt spid="3">
+                                            <p:txEl>
+                                              <p:pRg st="1" end="1"/>
+                                            </p:txEl>
+                                          </p:spTgt>
+                                        </p:tgtEl>
+                                        <p:attrNameLst>
+                                          <p:attrName>style.visibility</p:attrName>
+                                        </p:attrNameLst>
+                                      </p:cBhvr>
+                                      <p:to>
+                                        <p:strVal val="visible"/>
+                                      </p:to>
+                                    </p:set>
+                                  </p:childTnLst>
+                                </p:cTn>
+                              </p:par>
+                            </p:childTnLst>
+                          </p:cTn>
+                        </p:par>
+                      </p:childTnLst>
+                    </p:cTn>
+                  </p:par>
+                  <p:par>
+                    <p:cTn id="11" fill="hold">
+                      <p:stCondLst>
+                        <p:cond delay="indefinite"/>
+                      </p:stCondLst>
+                      <p:childTnLst>
+                        <p:par>
+                          <p:cTn id="12" fill="hold">
+                            <p:stCondLst>
+                              <p:cond delay="0"/>
+                            </p:stCondLst>
+                            <p:childTnLst>
+                              <p:par>
+                                <p:cTn id="13" presetID="1" presetClass="entr" presetSubtype="0" fill="hold" nodeType="clickEffect">
+                                  <p:stCondLst>
+                                    <p:cond delay="0"/>
+                                  </p:stCondLst>
+                                  <p:childTnLst>
+                                    <p:set>
+                                      <p:cBhvr>
+                                        <p:cTn id="14" dur="1" fill="hold">
+                                          <p:stCondLst>
+                                            <p:cond delay="0"/>
+                                          </p:stCondLst>
+                                        </p:cTn>
+                                        <p:tgtEl>
+                                          <p:spTgt spid="3">
+                                            <p:txEl>
+                                              <p:pRg st="2" end="2"/>
+                                            </p:txEl>
+                                          </p:spTgt>
+                                        </p:tgtEl>
+                                        <p:attrNameLst>
+                                          <p:attrName>style.visibility</p:attrName>
+                                        </p:attrNameLst>
+                                      </p:cBhvr>
+                                      <p:to>
+                                        <p:strVal val="visible"/>
+                                      </p:to>
+                                    </p:set>
+                                  </p:childTnLst>
+                                </p:cTn>
+                              </p:par>
+                            </p:childTnLst>
+                          </p:cTn>
+                        </p:par>
+                      </p:childTnLst>
+                    </p:cTn>
+                  </p:par>
+                  <p:par>
+                    <p:cTn id="15" fill="hold">
+                      <p:stCondLst>
+                        <p:cond delay="indefinite"/>
+                      </p:stCondLst>
+                      <p:childTnLst>
+                        <p:par>
+                          <p:cTn id="16" fill="hold">
+                            <p:stCondLst>
+                              <p:cond delay="0"/>
+                            </p:stCondLst>
+                            <p:childTnLst>
+                              <p:par>
+                                <p:cTn id="17" presetID="1" presetClass="entr" presetSubtype="0" fill="hold" nodeType="clickEffect">
+                                  <p:stCondLst>
+                                    <p:cond delay="0"/>
+                                  </p:stCondLst>
+                                  <p:childTnLst>
+                                    <p:set>
+                                      <p:cBhvr>
+                                        <p:cTn id="18" dur="1" fill="hold">
+                                          <p:stCondLst>
+                                            <p:cond delay="0"/>
+                                          </p:stCondLst>
+                                        </p:cTn>
+                                        <p:tgtEl>
+                                          <p:spTgt spid="3">
+                                            <p:txEl>
+                                              <p:pRg st="3" end="3"/>
+                                            </p:txEl>
+                                          </p:spTgt>
+                                        </p:tgtEl>
+                                        <p:attrNameLst>
+                                          <p:attrName>style.visibility</p:attrName>
+                                        </p:attrNameLst>
+                                      </p:cBhvr>
+                                      <p:to>
+                                        <p:strVal val="visible"/>
+                                      </p:to>
+                                    </p:set>
+                                  </p:childTnLst>
+                                </p:cTn>
+                              </p:par>
+                            </p:childTnLst>
+                          </p:cTn>
+                        </p:par>
+                      </p:childTnLst>
+                    </p:cTn>
+                  </p:par>
+                  <p:par>
+                    <p:cTn id="19" fill="hold">
+                      <p:stCondLst>
+                        <p:cond delay="indefinite"/>
+                      </p:stCondLst>
+                      <p:childTnLst>
+                        <p:par>
+                          <p:cTn id="20" fill="hold">
+                            <p:stCondLst>
+                              <p:cond delay="0"/>
+                            </p:stCondLst>
+                            <p:childTnLst>
+                              <p:par>
+                                <p:cTn id="21" presetID="1" presetClass="entr" presetSubtype="0" fill="hold" nodeType="clickEffect">
+                                  <p:stCondLst>
+                                    <p:cond delay="0"/>
+                                  </p:stCondLst>
+                                  <p:childTnLst>
+                                    <p:set>
+                                      <p:cBhvr>
+                                        <p:cTn id="22" dur="1" fill="hold">
+                                          <p:stCondLst>
+                                            <p:cond delay="0"/>
+                                          </p:stCondLst>
+                                        </p:cTn>
+                                        <p:tgtEl>
+                                          <p:spTgt spid="3">
+                                            <p:txEl>
+                                              <p:pRg st="4" end="4"/>
+                                            </p:txEl>
+                                          </p:spTgt>
+                                        </p:tgtEl>
+                                        <p:attrNameLst>
+                                          <p:attrName>style.visibility</p:attrName>
+                                        </p:attrNameLst>
+                                      </p:cBhvr>
+                                      <p:to>
+                                        <p:strVal val="visible"/>
+                                      </p:to>
+                                    </p:set>
+                                  </p:childTnLst>
+                                </p:cTn>
+                              </p:par>
+                            </p:childTnLst>
+                          </p:cTn>
+                        </p:par>
+                      </p:childTnLst>
+                    </p:cTn>
+                  </p:par>
+                  <p:par>
+                    <p:cTn id="23" fill="hold">
+                      <p:stCondLst>
+                        <p:cond delay="indefinite"/>
+                      </p:stCondLst>
+                      <p:childTnLst>
+                        <p:par>
+                          <p:cTn id="24" fill="hold">
+                            <p:stCondLst>
+                              <p:cond delay="0"/>
+                            </p:stCondLst>
+                            <p:childTnLst>
+                              <p:par>
+                                <p:cTn id="25" presetID="1" presetClass="entr" presetSubtype="0" fill="hold" nodeType="clickEffect">
+                                  <p:stCondLst>
+                                    <p:cond delay="0"/>
+                                  </p:stCondLst>
+                                  <p:childTnLst>
+                                    <p:set>
+                                      <p:cBhvr>
+                                        <p:cTn id="26" dur="1" fill="hold">
+                                          <p:stCondLst>
+                                            <p:cond delay="0"/>
+                                          </p:stCondLst>
+                                        </p:cTn>
+                                        <p:tgtEl>
+                                          <p:spTgt spid="3">
+                                            <p:txEl>
+                                              <p:pRg st="5" end="5"/>
+                                            </p:txEl>
+                                          </p:spTgt>
+                                        </p:tgtEl>
+                                        <p:attrNameLst>
+                                          <p:attrName>style.visibility</p:attrName>
+                                        </p:attrNameLst>
+                                      </p:cBhvr>
+                                      <p:to>
+                                        <p:strVal val="visible"/>
+                                      </p:to>
+                                    </p:set>
+                                  </p:childTnLst>
+                                </p:cTn>
+                              </p:par>
+                            </p:childTnLst>
+                          </p:cTn>
+                        </p:par>
+                      </p:childTnLst>
+                    </p:cTn>
+                  </p:par>
+                  <p:par>
+                    <p:cTn id="27" fill="hold">
+                      <p:stCondLst>
+                        <p:cond delay="indefinite"/>
+                      </p:stCondLst>
+                      <p:childTnLst>
+                        <p:par>
+                          <p:cTn id="28" fill="hold">
+                            <p:stCondLst>
+                              <p:cond delay="0"/>
+                            </p:stCondLst>
+                            <p:childTnLst>
+                              <p:par>
+                                <p:cTn id="29" presetID="1" presetClass="entr" presetSubtype="0" fill="hold" nodeType="clickEffect">
+                                  <p:stCondLst>
+                                    <p:cond delay="0"/>
+                                  </p:stCondLst>
+                                  <p:childTnLst>
+                                    <p:set>
+                                      <p:cBhvr>
+                                        <p:cTn id="30" dur="1" fill="hold">
+                                          <p:stCondLst>
+                                            <p:cond delay="0"/>
+                                          </p:stCondLst>
+                                        </p:cTn>
+                                        <p:tgtEl>
+                                          <p:spTgt spid="3">
+                                            <p:txEl>
+                                              <p:pRg st="6" end="6"/>
+                                            </p:txEl>
+                                          </p:spTgt>
+                                        </p:tgtEl>
+                                        <p:attrNameLst>
+                                          <p:attrName>style.visibility</p:attrName>
+                                        </p:attrNameLst>
+                                      </p:cBhvr>
+                                      <p:to>
+                                        <p:strVal val="visible"/>
+                                      </p:to>
+                                    </p:set>
+                                  </p:childTnLst>
+                                </p:cTn>
+                              </p:par>
+                            </p:childTnLst>
+                          </p:cTn>
+                        </p:par>
+                      </p:childTnLst>
+                    </p:cTn>
+                  </p:par>
+                  <p:par>
+                    <p:cTn id="31" fill="hold">
+                      <p:stCondLst>
+                        <p:cond delay="indefinite"/>
+                      </p:stCondLst>
+                      <p:childTnLst>
+                        <p:par>
+                          <p:cTn id="32" fill="hold">
+                            <p:stCondLst>
+                              <p:cond delay="0"/>
+                            </p:stCondLst>
+                            <p:childTnLst>
+                              <p:par>
+                                <p:cTn id="33" presetID="1" presetClass="entr" presetSubtype="0" fill="hold" nodeType="clickEffect">
+                                  <p:stCondLst>
+                                    <p:cond delay="0"/>
+                                  </p:stCondLst>
+                                  <p:childTnLst>
+                                    <p:set>
+                                      <p:cBhvr>
+                                        <p:cTn id="34" dur="1" fill="hold">
+                                          <p:stCondLst>
+                                            <p:cond delay="0"/>
+                                          </p:stCondLst>
+                                        </p:cTn>
+                                        <p:tgtEl>
+                                          <p:spTgt spid="3">
+                                            <p:txEl>
+                                              <p:pRg st="7" end="7"/>
+                                            </p:txEl>
+                                          </p:spTgt>
+                                        </p:tgtEl>
+                                        <p:attrNameLst>
+                                          <p:attrName>style.visibility</p:attrName>
+                                        </p:attrNameLst>
+                                      </p:cBhvr>
+                                      <p:to>
+                                        <p:strVal val="visible"/>
+                                      </p:to>
+                                    </p:set>
+                                  </p:childTnLst>
+                                </p:cTn>
+                              </p:par>
+                            </p:childTnLst>
+                          </p:cTn>
+                        </p:par>
+                      </p:childTnLst>
+                    </p:cTn>
+                  </p:par>
+                  <p:par>
+                    <p:cTn id="35" fill="hold">
+                      <p:stCondLst>
+                        <p:cond delay="indefinite"/>
+                      </p:stCondLst>
+                      <p:childTnLst>
+                        <p:par>
+                          <p:cTn id="36" fill="hold">
+                            <p:stCondLst>
+                              <p:cond delay="0"/>
+                            </p:stCondLst>
+                            <p:childTnLst>
+                              <p:par>
+                                <p:cTn id="37" presetID="1" presetClass="entr" presetSubtype="0" fill="hold" nodeType="clickEffect">
+                                  <p:stCondLst>
+                                    <p:cond delay="0"/>
+                                  </p:stCondLst>
+                                  <p:childTnLst>
+                                    <p:set>
+                                      <p:cBhvr>
+                                        <p:cTn id="38" dur="1" fill="hold">
+                                          <p:stCondLst>
+                                            <p:cond delay="0"/>
+                                          </p:stCondLst>
+                                        </p:cTn>
+                                        <p:tgtEl>
+                                          <p:spTgt spid="3">
+                                            <p:txEl>
+                                              <p:pRg st="8" end="8"/>
+                                            </p:txEl>
+                                          </p:spTgt>
+                                        </p:tgtEl>
+                                        <p:attrNameLst>
+                                          <p:attrName>style.visibility</p:attrName>
+                                        </p:attrNameLst>
+                                      </p:cBhvr>
+                                      <p:to>
+                                        <p:strVal val="visible"/>
+                                      </p:to>
+                                    </p:set>
+                                  </p:childTnLst>
+                                </p:cTn>
+                              </p:par>
+                            </p:childTnLst>
+                          </p:cTn>
+                        </p:par>
+                      </p:childTnLst>
+                    </p:cTn>
+                  </p:par>
+                  <p:par>
+                    <p:cTn id="39" fill="hold">
+                      <p:stCondLst>
+                        <p:cond delay="indefinite"/>
+                      </p:stCondLst>
+                      <p:childTnLst>
+                        <p:par>
+                          <p:cTn id="40" fill="hold">
+                            <p:stCondLst>
+                              <p:cond delay="0"/>
+                            </p:stCondLst>
+                            <p:childTnLst>
+                              <p:par>
+                                <p:cTn id="41" presetID="1" presetClass="entr" presetSubtype="0" fill="hold" nodeType="clickEffect">
+                                  <p:stCondLst>
+                                    <p:cond delay="0"/>
+                                  </p:stCondLst>
+                                  <p:childTnLst>
+                                    <p:set>
+                                      <p:cBhvr>
+                                        <p:cTn id="42" dur="1" fill="hold">
+                                          <p:stCondLst>
+                                            <p:cond delay="0"/>
+                                          </p:stCondLst>
+                                        </p:cTn>
+                                        <p:tgtEl>
+                                          <p:spTgt spid="3">
+                                            <p:txEl>
+                                              <p:pRg st="9" end="9"/>
+                                            </p:txEl>
+                                          </p:spTgt>
+                                        </p:tgtEl>
+                                        <p:attrNameLst>
+                                          <p:attrName>style.visibility</p:attrName>
+                                        </p:attrNameLst>
+                                      </p:cBhvr>
+                                      <p:to>
+                                        <p:strVal val="visible"/>
+                                      </p:to>
+                                    </p:set>
+                                  </p:childTnLst>
+                                </p:cTn>
+                              </p:par>
+                            </p:childTnLst>
+                          </p:cTn>
+                        </p:par>
+                      </p:childTnLst>
+                    </p:cTn>
+                  </p:par>
+                  <p:par>
+                    <p:cTn id="43" fill="hold">
+                      <p:stCondLst>
+                        <p:cond delay="indefinite"/>
+                      </p:stCondLst>
+                      <p:childTnLst>
+                        <p:par>
+                          <p:cTn id="44" fill="hold">
+                            <p:stCondLst>
+                              <p:cond delay="0"/>
+                            </p:stCondLst>
+                            <p:childTnLst>
+                              <p:par>
+                                <p:cTn id="45" presetID="1" presetClass="entr" presetSubtype="0" fill="hold" nodeType="clickEffect">
+                                  <p:stCondLst>
+                                    <p:cond delay="0"/>
+                                  </p:stCondLst>
+                                  <p:childTnLst>
+                                    <p:set>
+                                      <p:cBhvr>
+                                        <p:cTn id="46" dur="1" fill="hold">
+                                          <p:stCondLst>
+                                            <p:cond delay="0"/>
+                                          </p:stCondLst>
+                                        </p:cTn>
+                                        <p:tgtEl>
+                                          <p:spTgt spid="3">
+                                            <p:txEl>
+                                              <p:pRg st="10" end="10"/>
+                                            </p:txEl>
+                                          </p:spTgt>
+                                        </p:tgtEl>
+                                        <p:attrNameLst>
+                                          <p:attrName>style.visibility</p:attrName>
+                                        </p:attrNameLst>
+                                      </p:cBhvr>
+                                      <p:to>
+                                        <p:strVal val="visible"/>
+                                      </p:to>
+                                    </p:set>
+                                  </p:childTnLst>
+                                </p:cTn>
+                              </p:par>
+                            </p:childTnLst>
+                          </p:cTn>
+                        </p:par>
+                      </p:childTnLst>
+                    </p:cTn>
+                  </p:par>
+                  <p:par>
+                    <p:cTn id="47" fill="hold">
+                      <p:stCondLst>
+                        <p:cond delay="indefinite"/>
+                      </p:stCondLst>
+                      <p:childTnLst>
+                        <p:par>
+                          <p:cTn id="48" fill="hold">
+                            <p:stCondLst>
+                              <p:cond delay="0"/>
+                            </p:stCondLst>
+                            <p:childTnLst>
+                              <p:par>
+                                <p:cTn id="49" presetID="1" presetClass="entr" presetSubtype="0" fill="hold" nodeType="clickEffect">
+                                  <p:stCondLst>
+                                    <p:cond delay="0"/>
+                                  </p:stCondLst>
+                                  <p:childTnLst>
+                                    <p:set>
+                                      <p:cBhvr>
+                                        <p:cTn id="50" dur="1" fill="hold">
+                                          <p:stCondLst>
+                                            <p:cond delay="0"/>
+                                          </p:stCondLst>
+                                        </p:cTn>
+                                        <p:tgtEl>
+                                          <p:spTgt spid="3">
+                                            <p:txEl>
+                                              <p:pRg st="11" end="11"/>
+                                            </p:txEl>
+                                          </p:spTgt>
+                                        </p:tgtEl>
+                                        <p:attrNameLst>
+                                          <p:attrName>style.visibility</p:attrName>
+                                        </p:attrNameLst>
+                                      </p:cBhvr>
+                                      <p:to>
+                                        <p:strVal val="visible"/>
+                                      </p:to>
+                                    </p:set>
+                                  </p:childTnLst>
+                                </p:cTn>
+                              </p:par>
+                            </p:childTnLst>
+                          </p:cTn>
+                        </p:par>
+                      </p:childTnLst>
+                    </p:cTn>
+                  </p:par>
+                  <p:par>
+                    <p:cTn id="51" fill="hold">
+                      <p:stCondLst>
+                        <p:cond delay="indefinite"/>
+                      </p:stCondLst>
+                      <p:childTnLst>
+                        <p:par>
+                          <p:cTn id="52" fill="hold">
+                            <p:stCondLst>
+                              <p:cond delay="0"/>
+                            </p:stCondLst>
+                            <p:childTnLst>
+                              <p:par>
+                                <p:cTn id="53" presetID="1" presetClass="entr" presetSubtype="0" fill="hold" nodeType="clickEffect">
+                                  <p:stCondLst>
+                                    <p:cond delay="0"/>
+                                  </p:stCondLst>
+                                  <p:childTnLst>
+                                    <p:set>
+                                      <p:cBhvr>
+                                        <p:cTn id="54" dur="1" fill="hold">
+                                          <p:stCondLst>
+                                            <p:cond delay="0"/>
+                                          </p:stCondLst>
+                                        </p:cTn>
+                                        <p:tgtEl>
+                                          <p:spTgt spid="3">
+                                            <p:txEl>
+                                              <p:pRg st="12" end="12"/>
+                                            </p:txEl>
+                                          </p:spTgt>
+                                        </p:tgtEl>
+                                        <p:attrNameLst>
+                                          <p:attrName>style.visibility</p:attrName>
+                                        </p:attrNameLst>
+                                      </p:cBhvr>
+                                      <p:to>
+                                        <p:strVal val="visible"/>
+                                      </p:to>
+                                    </p:set>
+                                  </p:childTnLst>
+                                </p:cTn>
+                              </p:par>
+                            </p:childTnLst>
+                          </p:cTn>
+                        </p:par>
+                      </p:childTnLst>
+                    </p:cTn>
+                  </p:par>
+                  <p:par>
+                    <p:cTn id="55" fill="hold">
+                      <p:stCondLst>
+                        <p:cond delay="indefinite"/>
+                      </p:stCondLst>
+                      <p:childTnLst>
+                        <p:par>
+                          <p:cTn id="56" fill="hold">
+                            <p:stCondLst>
+                              <p:cond delay="0"/>
+                            </p:stCondLst>
+                            <p:childTnLst>
+                              <p:par>
+                                <p:cTn id="57" presetID="1" presetClass="entr" presetSubtype="0" fill="hold" nodeType="clickEffect">
+                                  <p:stCondLst>
+                                    <p:cond delay="0"/>
+                                  </p:stCondLst>
+                                  <p:childTnLst>
+                                    <p:set>
+                                      <p:cBhvr>
+                                        <p:cTn id="58" dur="1" fill="hold">
+                                          <p:stCondLst>
+                                            <p:cond delay="0"/>
+                                          </p:stCondLst>
+                                        </p:cTn>
+                                        <p:tgtEl>
+                                          <p:spTgt spid="3">
+                                            <p:txEl>
+                                              <p:pRg st="13" end="13"/>
+                                            </p:txEl>
+                                          </p:spTgt>
+                                        </p:tgtEl>
+                                        <p:attrNameLst>
+                                          <p:attrName>style.visibility</p:attrName>
+                                        </p:attrNameLst>
+                                      </p:cBhvr>
+                                      <p:to>
+                                        <p:strVal val="visible"/>
+                                      </p:to>
+                                    </p:set>
+                                  </p:childTnLst>
+                                </p:cTn>
+                              </p:par>
+                            </p:childTnLst>
+                          </p:cTn>
+                        </p:par>
+                      </p:childTnLst>
+                    </p:cTn>
+                  </p:par>
+                  <p:par>
+                    <p:cTn id="59" fill="hold">
+                      <p:stCondLst>
+                        <p:cond delay="indefinite"/>
+                      </p:stCondLst>
+                      <p:childTnLst>
+                        <p:par>
+                          <p:cTn id="60" fill="hold">
+                            <p:stCondLst>
+                              <p:cond delay="0"/>
+                            </p:stCondLst>
+                            <p:childTnLst>
+                              <p:par>
+                                <p:cTn id="61" presetID="1" presetClass="entr" presetSubtype="0" fill="hold" nodeType="clickEffect">
+                                  <p:stCondLst>
+                                    <p:cond delay="0"/>
+                                  </p:stCondLst>
+                                  <p:childTnLst>
+                                    <p:set>
+                                      <p:cBhvr>
+                                        <p:cTn id="62" dur="1" fill="hold">
+                                          <p:stCondLst>
+                                            <p:cond delay="0"/>
+                                          </p:stCondLst>
+                                        </p:cTn>
+                                        <p:tgtEl>
+                                          <p:spTgt spid="3">
+                                            <p:txEl>
+                                              <p:pRg st="14" end="14"/>
+                                            </p:txEl>
+                                          </p:spTgt>
+                                        </p:tgtEl>
+                                        <p:attrNameLst>
+                                          <p:attrName>style.visibility</p:attrName>
+                                        </p:attrNameLst>
+                                      </p:cBhvr>
+                                      <p:to>
+                                        <p:strVal val="visible"/>
+                                      </p:to>
+                                    </p:set>
+                                  </p:childTnLst>
+                                </p:cTn>
+                              </p:par>
+                            </p:childTnLst>
+                          </p:cTn>
+                        </p:par>
+                      </p:childTnLst>
+                    </p:cTn>
+                  </p:par>
+                </p:childTnLst>
+              </p:cTn>
+              <p:prevCondLst>
+                <p:cond evt="onPrev" delay="0">
+                  <p:tgtEl>
+                    <p:sldTgt/>
+                  </p:tgtEl>
+                </p:cond>
+              </p:prevCondLst>
+              <p:nextCondLst>
+                <p:cond evt="onNext" delay="0">
+                  <p:tgtEl>
+                    <p:sldTgt/>
+                  </p:tgtEl>
+                </p:cond>
+              </p:nextCondLst>
+            </p:seq>
+          </p:childTnLst>
+        </p:cTn>
+      </p:par>
+    </p:tnLst>
+  </p:timing>
+</p:sld>
+</file>
+
+<file path=ppt/slides/slide3.xml><?xml version="1.0" encoding="utf-8"?>
+<p:sld xmlns:a="http://schemas.openxmlformats.org/drawingml/2006/main" xmlns:r="http://schemas.openxmlformats.org/officeDocument/2006/relationships" xmlns:p="http://schemas.openxmlformats.org/presentationml/2006/main">
+  <p:cSld>
+    <p:spTree>
+      <p:nvGrpSpPr>
+        <p:cNvPr id="1" name=""/>
+        <p:cNvGrpSpPr/>
+        <p:nvPr/>
+      </p:nvGrpSpPr>
+      <p:grpSpPr>
+        <a:xfrm>
+          <a:off x="0" y="0"/>
+          <a:ext cx="0" cy="0"/>
+          <a:chOff x="0" y="0"/>
+          <a:chExt cx="0" cy="0"/>
+        </a:xfrm>
+      </p:grpSpPr>
+      <p:sp>
+        <p:nvSpPr>
+          <p:cNvPr id="2" name="Title 1">
+            <a:extLst>
+              <a:ext uri="{FF2B5EF4-FFF2-40B4-BE49-F238E27FC236}">
                 <a16:creationId xmlns:a16="http://schemas.microsoft.com/office/drawing/2014/main" id="{64D680B4-20BE-E339-99A5-925A057ADD95}"/>
               </a:ext>
             </a:extLst>
@@ -15268,6 +17549,18 @@
           </a:bodyPr>
           <a:lstStyle/>
           <a:p>
+            <a:pPr marL="0" indent="0">
+              <a:lnSpc>
+                <a:spcPct val="120000"/>
+              </a:lnSpc>
+              <a:buNone/>
+            </a:pPr>
+            <a:r>
+              <a:rPr lang="en-GB" dirty="0"/>
+              <a:t>(not implemented)</a:t>
+            </a:r>
+          </a:p>
+          <a:p>
             <a:pPr>
               <a:lnSpc>
                 <a:spcPct val="120000"/>
@@ -15275,7 +17568,7 @@
             </a:pPr>
             <a:r>
               <a:rPr lang="en-GB" dirty="0"/>
-              <a:t>No need for any text interface</a:t>
+              <a:t>No text interface</a:t>
             </a:r>
           </a:p>
           <a:p>
@@ -15385,7 +17678,7 @@
           <a:p>
             <a:fld id="{6113E31D-E2AB-40D1-8B51-AFA5AFEF393A}" type="slidenum">
               <a:rPr lang="en-US" smtClean="0"/>
-              <a:t>2</a:t>
+              <a:t>3</a:t>
             </a:fld>
             <a:endParaRPr lang="en-US"/>
           </a:p>
@@ -15722,7 +18015,7 @@
                             </p:stCondLst>
                             <p:childTnLst>
                               <p:par>
-                                <p:cTn id="25" presetID="1" presetClass="entr" presetSubtype="0" fill="hold" grpId="0" nodeType="clickEffect">
+                                <p:cTn id="25" presetID="1" presetClass="entr" presetSubtype="0" fill="hold" nodeType="clickEffect">
                                   <p:stCondLst>
                                     <p:cond delay="0"/>
                                   </p:stCondLst>
@@ -15730,6 +18023,55 @@
                                     <p:set>
                                       <p:cBhvr>
                                         <p:cTn id="26" dur="1" fill="hold">
+                                          <p:stCondLst>
+                                            <p:cond delay="0"/>
+                                          </p:stCondLst>
+                                        </p:cTn>
+                                        <p:tgtEl>
+                                          <p:spTgt spid="3">
+                                            <p:txEl>
+                                              <p:pRg st="5" end="5"/>
+                                            </p:txEl>
+                                          </p:spTgt>
+                                        </p:tgtEl>
+                                        <p:attrNameLst>
+                                          <p:attrName>style.visibility</p:attrName>
+                                        </p:attrNameLst>
+                                      </p:cBhvr>
+                                      <p:to>
+                                        <p:strVal val="visible"/>
+                                      </p:to>
+                                    </p:set>
+                                  </p:childTnLst>
+                                </p:cTn>
+                              </p:par>
+                            </p:childTnLst>
+                          </p:cTn>
+                        </p:par>
+                      </p:childTnLst>
+                    </p:cTn>
+                  </p:par>
+                  <p:par>
+                    <p:cTn id="27" fill="hold">
+                      <p:stCondLst>
+                        <p:cond delay="indefinite"/>
+                      </p:stCondLst>
+                      <p:childTnLst>
+                        <p:par>
+                          <p:cTn id="28" fill="hold">
+                            <p:stCondLst>
+                              <p:cond delay="0"/>
+                            </p:stCondLst>
+                            <p:childTnLst>
+                              <p:par>
+                                <p:cTn id="29" presetID="1" presetClass="entr" presetSubtype="0" fill="hold" grpId="0" nodeType="clickEffect">
+                                  <p:stCondLst>
+                                    <p:cond delay="0"/>
+                                  </p:stCondLst>
+                                  <p:childTnLst>
+                                    <p:set>
+                                      <p:cBhvr>
+                                        <p:cTn id="30" dur="1" fill="hold">
                                           <p:stCondLst>
                                             <p:cond delay="0"/>
                                           </p:stCondLst>
@@ -15782,7 +18124,7 @@
 </p:sld>
 </file>
 
-<file path=ppt/slides/slide3.xml><?xml version="1.0" encoding="utf-8"?>
+<file path=ppt/slides/slide4.xml><?xml version="1.0" encoding="utf-8"?>
 <p:sld xmlns:a="http://schemas.openxmlformats.org/drawingml/2006/main" xmlns:r="http://schemas.openxmlformats.org/officeDocument/2006/relationships" xmlns:p="http://schemas.openxmlformats.org/presentationml/2006/main">
   <p:cSld>
     <p:spTree>
@@ -15990,7 +18332,7 @@
           <a:p>
             <a:fld id="{6113E31D-E2AB-40D1-8B51-AFA5AFEF393A}" type="slidenum">
               <a:rPr lang="en-US" smtClean="0"/>
-              <a:t>3</a:t>
+              <a:t>4</a:t>
             </a:fld>
             <a:endParaRPr lang="en-US"/>
           </a:p>
@@ -16499,7 +18841,7 @@
 </p:sld>
 </file>
 
-<file path=ppt/slides/slide4.xml><?xml version="1.0" encoding="utf-8"?>
+<file path=ppt/slides/slide5.xml><?xml version="1.0" encoding="utf-8"?>
 <p:sld xmlns:a="http://schemas.openxmlformats.org/drawingml/2006/main" xmlns:r="http://schemas.openxmlformats.org/officeDocument/2006/relationships" xmlns:p="http://schemas.openxmlformats.org/presentationml/2006/main">
   <p:cSld>
     <p:spTree>
@@ -16539,7 +18881,7 @@
           <a:p>
             <a:fld id="{6113E31D-E2AB-40D1-8B51-AFA5AFEF393A}" type="slidenum">
               <a:rPr lang="en-US" smtClean="0"/>
-              <a:t>4</a:t>
+              <a:t>5</a:t>
             </a:fld>
             <a:endParaRPr lang="en-US" dirty="0"/>
           </a:p>
@@ -18282,7 +20624,7 @@
 </p:sld>
 </file>
 
-<file path=ppt/slides/slide5.xml><?xml version="1.0" encoding="utf-8"?>
+<file path=ppt/slides/slide6.xml><?xml version="1.0" encoding="utf-8"?>
 <p:sld xmlns:a="http://schemas.openxmlformats.org/drawingml/2006/main" xmlns:r="http://schemas.openxmlformats.org/officeDocument/2006/relationships" xmlns:p="http://schemas.openxmlformats.org/presentationml/2006/main">
   <p:cSld>
     <p:spTree>
@@ -18392,7 +20734,7 @@
           <a:p>
             <a:fld id="{6113E31D-E2AB-40D1-8B51-AFA5AFEF393A}" type="slidenum">
               <a:rPr lang="en-US" smtClean="0"/>
-              <a:t>5</a:t>
+              <a:t>6</a:t>
             </a:fld>
             <a:endParaRPr lang="en-US"/>
           </a:p>
@@ -18611,7 +20953,7 @@
 </p:sld>
 </file>
 
-<file path=ppt/slides/slide6.xml><?xml version="1.0" encoding="utf-8"?>
+<file path=ppt/slides/slide7.xml><?xml version="1.0" encoding="utf-8"?>
 <p:sld xmlns:a="http://schemas.openxmlformats.org/drawingml/2006/main" xmlns:r="http://schemas.openxmlformats.org/officeDocument/2006/relationships" xmlns:p="http://schemas.openxmlformats.org/presentationml/2006/main">
   <p:cSld>
     <p:spTree>
@@ -18651,7 +20993,7 @@
           <a:p>
             <a:fld id="{6113E31D-E2AB-40D1-8B51-AFA5AFEF393A}" type="slidenum">
               <a:rPr lang="en-US" smtClean="0"/>
-              <a:t>6</a:t>
+              <a:t>7</a:t>
             </a:fld>
             <a:endParaRPr lang="en-US"/>
           </a:p>
@@ -21191,7 +23533,7 @@
 </p:sld>
 </file>
 
-<file path=ppt/slides/slide7.xml><?xml version="1.0" encoding="utf-8"?>
+<file path=ppt/slides/slide8.xml><?xml version="1.0" encoding="utf-8"?>
 <p:sld xmlns:a="http://schemas.openxmlformats.org/drawingml/2006/main" xmlns:r="http://schemas.openxmlformats.org/officeDocument/2006/relationships" xmlns:p="http://schemas.openxmlformats.org/presentationml/2006/main">
   <p:cSld>
     <p:spTree>
@@ -21259,7 +23601,7 @@
           <a:p>
             <a:fld id="{6113E31D-E2AB-40D1-8B51-AFA5AFEF393A}" type="slidenum">
               <a:rPr lang="en-US" smtClean="0"/>
-              <a:t>7</a:t>
+              <a:t>8</a:t>
             </a:fld>
             <a:endParaRPr lang="en-US"/>
           </a:p>
@@ -22748,7 +25090,7 @@
 </p:sld>
 </file>
 
-<file path=ppt/slides/slide8.xml><?xml version="1.0" encoding="utf-8"?>
+<file path=ppt/slides/slide9.xml><?xml version="1.0" encoding="utf-8"?>
 <p:sld xmlns:a="http://schemas.openxmlformats.org/drawingml/2006/main" xmlns:r="http://schemas.openxmlformats.org/officeDocument/2006/relationships" xmlns:p="http://schemas.openxmlformats.org/presentationml/2006/main">
   <p:cSld>
     <p:spTree>
@@ -22934,7 +25276,7 @@
           <a:p>
             <a:fld id="{6113E31D-E2AB-40D1-8B51-AFA5AFEF393A}" type="slidenum">
               <a:rPr lang="en-US" smtClean="0"/>
-              <a:t>8</a:t>
+              <a:t>9</a:t>
             </a:fld>
             <a:endParaRPr lang="en-US"/>
           </a:p>
@@ -25476,1157 +27818,6 @@
 </p:sld>
 </file>
 
-<file path=ppt/slides/slide9.xml><?xml version="1.0" encoding="utf-8"?>
-<p:sld xmlns:a="http://schemas.openxmlformats.org/drawingml/2006/main" xmlns:r="http://schemas.openxmlformats.org/officeDocument/2006/relationships" xmlns:p="http://schemas.openxmlformats.org/presentationml/2006/main">
-  <p:cSld>
-    <p:spTree>
-      <p:nvGrpSpPr>
-        <p:cNvPr id="1" name=""/>
-        <p:cNvGrpSpPr/>
-        <p:nvPr/>
-      </p:nvGrpSpPr>
-      <p:grpSpPr>
-        <a:xfrm>
-          <a:off x="0" y="0"/>
-          <a:ext cx="0" cy="0"/>
-          <a:chOff x="0" y="0"/>
-          <a:chExt cx="0" cy="0"/>
-        </a:xfrm>
-      </p:grpSpPr>
-      <p:sp>
-        <p:nvSpPr>
-          <p:cNvPr id="2" name="Title 1">
-            <a:extLst>
-              <a:ext uri="{FF2B5EF4-FFF2-40B4-BE49-F238E27FC236}">
-                <a16:creationId xmlns:a16="http://schemas.microsoft.com/office/drawing/2014/main" id="{3E15FD04-853D-FEDB-EF39-87746E9D7E05}"/>
-              </a:ext>
-            </a:extLst>
-          </p:cNvPr>
-          <p:cNvSpPr>
-            <a:spLocks noGrp="1"/>
-          </p:cNvSpPr>
-          <p:nvPr>
-            <p:ph type="title"/>
-          </p:nvPr>
-        </p:nvSpPr>
-        <p:spPr>
-          <a:xfrm>
-            <a:off x="838200" y="38400"/>
-            <a:ext cx="10515600" cy="1325563"/>
-          </a:xfrm>
-        </p:spPr>
-        <p:txBody>
-          <a:bodyPr/>
-          <a:lstStyle/>
-          <a:p>
-            <a:r>
-              <a:rPr lang="en-GB" dirty="0"/>
-              <a:t>Logical semantics</a:t>
-            </a:r>
-          </a:p>
-        </p:txBody>
-      </p:sp>
-      <p:sp>
-        <p:nvSpPr>
-          <p:cNvPr id="4" name="Slide Number Placeholder 3">
-            <a:extLst>
-              <a:ext uri="{FF2B5EF4-FFF2-40B4-BE49-F238E27FC236}">
-                <a16:creationId xmlns:a16="http://schemas.microsoft.com/office/drawing/2014/main" id="{763D1B60-BDCF-128C-9081-1A5EFAE5712D}"/>
-              </a:ext>
-            </a:extLst>
-          </p:cNvPr>
-          <p:cNvSpPr>
-            <a:spLocks noGrp="1"/>
-          </p:cNvSpPr>
-          <p:nvPr>
-            <p:ph type="sldNum" sz="quarter" idx="12"/>
-          </p:nvPr>
-        </p:nvSpPr>
-        <p:spPr/>
-        <p:txBody>
-          <a:bodyPr/>
-          <a:lstStyle/>
-          <a:p>
-            <a:fld id="{6113E31D-E2AB-40D1-8B51-AFA5AFEF393A}" type="slidenum">
-              <a:rPr lang="en-US" smtClean="0"/>
-              <a:t>9</a:t>
-            </a:fld>
-            <a:endParaRPr lang="en-US"/>
-          </a:p>
-        </p:txBody>
-      </p:sp>
-      <p:sp>
-        <p:nvSpPr>
-          <p:cNvPr id="10" name="TextBox 9">
-            <a:extLst>
-              <a:ext uri="{FF2B5EF4-FFF2-40B4-BE49-F238E27FC236}">
-                <a16:creationId xmlns:a16="http://schemas.microsoft.com/office/drawing/2014/main" id="{E19623A2-14DC-93EE-24A7-25EA214E0FDD}"/>
-              </a:ext>
-            </a:extLst>
-          </p:cNvPr>
-          <p:cNvSpPr txBox="1"/>
-          <p:nvPr/>
-        </p:nvSpPr>
-        <p:spPr>
-          <a:xfrm>
-            <a:off x="945478" y="1161449"/>
-            <a:ext cx="9763829" cy="3539430"/>
-          </a:xfrm>
-          <a:prstGeom prst="rect">
-            <a:avLst/>
-          </a:prstGeom>
-          <a:noFill/>
-        </p:spPr>
-        <p:txBody>
-          <a:bodyPr wrap="square" rtlCol="0">
-            <a:spAutoFit/>
-          </a:bodyPr>
-          <a:lstStyle/>
-          <a:p>
-            <a:pPr marL="285750" indent="-285750">
-              <a:buFont typeface="Arial" panose="020B0604020202020204" pitchFamily="34" charset="0"/>
-              <a:buChar char="•"/>
-            </a:pPr>
-            <a:r>
-              <a:rPr lang="en-GB" sz="2800" dirty="0"/>
-              <a:t>Formal logic: calculus of conditions</a:t>
-            </a:r>
-          </a:p>
-          <a:p>
-            <a:pPr marL="285750" indent="-285750">
-              <a:buFont typeface="Arial" panose="020B0604020202020204" pitchFamily="34" charset="0"/>
-              <a:buChar char="•"/>
-            </a:pPr>
-            <a:endParaRPr lang="en-GB" sz="2800" dirty="0"/>
-          </a:p>
-          <a:p>
-            <a:pPr marL="285750" indent="-285750">
-              <a:buFont typeface="Arial" panose="020B0604020202020204" pitchFamily="34" charset="0"/>
-              <a:buChar char="•"/>
-            </a:pPr>
-            <a:r>
-              <a:rPr lang="en-GB" sz="2800" dirty="0"/>
-              <a:t>Theory: all the declared rewriting rules, e.g.,</a:t>
-            </a:r>
-          </a:p>
-          <a:p>
-            <a:pPr marL="285750" indent="-285750">
-              <a:buFont typeface="Arial" panose="020B0604020202020204" pitchFamily="34" charset="0"/>
-              <a:buChar char="•"/>
-            </a:pPr>
-            <a:endParaRPr lang="en-GB" sz="2800" dirty="0"/>
-          </a:p>
-          <a:p>
-            <a:pPr marL="285750" indent="-285750">
-              <a:buFont typeface="Arial" panose="020B0604020202020204" pitchFamily="34" charset="0"/>
-              <a:buChar char="•"/>
-            </a:pPr>
-            <a:endParaRPr lang="en-GB" sz="2800" dirty="0"/>
-          </a:p>
-          <a:p>
-            <a:pPr marL="285750" indent="-285750">
-              <a:buFont typeface="Arial" panose="020B0604020202020204" pitchFamily="34" charset="0"/>
-              <a:buChar char="•"/>
-            </a:pPr>
-            <a:r>
-              <a:rPr lang="en-GB" sz="2800" dirty="0"/>
-              <a:t>A state is represented by a formula which expresses what has been proved so far</a:t>
-            </a:r>
-          </a:p>
-          <a:p>
-            <a:endParaRPr lang="en-GB" sz="2800" dirty="0"/>
-          </a:p>
-        </p:txBody>
-      </p:sp>
-      <p:grpSp>
-        <p:nvGrpSpPr>
-          <p:cNvPr id="20" name="Group 19">
-            <a:extLst>
-              <a:ext uri="{FF2B5EF4-FFF2-40B4-BE49-F238E27FC236}">
-                <a16:creationId xmlns:a16="http://schemas.microsoft.com/office/drawing/2014/main" id="{32A37611-51E7-D77A-85A2-E47B37C4DBC2}"/>
-              </a:ext>
-            </a:extLst>
-          </p:cNvPr>
-          <p:cNvGrpSpPr/>
-          <p:nvPr/>
-        </p:nvGrpSpPr>
-        <p:grpSpPr>
-          <a:xfrm>
-            <a:off x="4882998" y="2560968"/>
-            <a:ext cx="2130287" cy="848232"/>
-            <a:chOff x="4863635" y="2085045"/>
-            <a:chExt cx="2130287" cy="848232"/>
-          </a:xfrm>
-        </p:grpSpPr>
-        <mc:AlternateContent xmlns:mc="http://schemas.openxmlformats.org/markup-compatibility/2006">
-          <mc:Choice xmlns:a14="http://schemas.microsoft.com/office/drawing/2010/main" Requires="a14">
-            <p:sp>
-              <p:nvSpPr>
-                <p:cNvPr id="11" name="TextBox 10">
-                  <a:extLst>
-                    <a:ext uri="{FF2B5EF4-FFF2-40B4-BE49-F238E27FC236}">
-                      <a16:creationId xmlns:a16="http://schemas.microsoft.com/office/drawing/2014/main" id="{988EADA6-F22E-F9B9-DC45-2D6D8D0F6F72}"/>
-                    </a:ext>
-                  </a:extLst>
-                </p:cNvPr>
-                <p:cNvSpPr txBox="1"/>
-                <p:nvPr/>
-              </p:nvSpPr>
-              <p:spPr>
-                <a:xfrm>
-                  <a:off x="4863635" y="2124660"/>
-                  <a:ext cx="482503" cy="677108"/>
-                </a:xfrm>
-                <a:prstGeom prst="rect">
-                  <a:avLst/>
-                </a:prstGeom>
-                <a:noFill/>
-              </p:spPr>
-              <p:txBody>
-                <a:bodyPr wrap="none" lIns="0" tIns="0" rIns="0" bIns="0" rtlCol="0">
-                  <a:spAutoFit/>
-                </a:bodyPr>
-                <a:lstStyle/>
-                <a:p>
-                  <a:pPr/>
-                  <a14:m>
-                    <m:oMathPara xmlns:m="http://schemas.openxmlformats.org/officeDocument/2006/math">
-                      <m:oMathParaPr>
-                        <m:jc m:val="centerGroup"/>
-                      </m:oMathParaPr>
-                      <m:oMath xmlns:m="http://schemas.openxmlformats.org/officeDocument/2006/math">
-                        <m:r>
-                          <a:rPr lang="en-GB" sz="4400" b="0" i="1" smtClean="0">
-                            <a:latin typeface="Cambria Math" panose="02040503050406030204" pitchFamily="18" charset="0"/>
-                          </a:rPr>
-                          <m:t>∀</m:t>
-                        </m:r>
-                      </m:oMath>
-                    </m:oMathPara>
-                  </a14:m>
-                  <a:endParaRPr lang="en-GB" sz="4400" dirty="0"/>
-                </a:p>
-              </p:txBody>
-            </p:sp>
-          </mc:Choice>
-          <mc:Fallback>
-            <p:sp>
-              <p:nvSpPr>
-                <p:cNvPr id="11" name="TextBox 10">
-                  <a:extLst>
-                    <a:ext uri="{FF2B5EF4-FFF2-40B4-BE49-F238E27FC236}">
-                      <a16:creationId xmlns:a16="http://schemas.microsoft.com/office/drawing/2014/main" id="{988EADA6-F22E-F9B9-DC45-2D6D8D0F6F72}"/>
-                    </a:ext>
-                  </a:extLst>
-                </p:cNvPr>
-                <p:cNvSpPr txBox="1">
-                  <a:spLocks noRot="1" noChangeAspect="1" noMove="1" noResize="1" noEditPoints="1" noAdjustHandles="1" noChangeArrowheads="1" noChangeShapeType="1" noTextEdit="1"/>
-                </p:cNvSpPr>
-                <p:nvPr/>
-              </p:nvSpPr>
-              <p:spPr>
-                <a:xfrm>
-                  <a:off x="4863635" y="2124660"/>
-                  <a:ext cx="482503" cy="677108"/>
-                </a:xfrm>
-                <a:prstGeom prst="rect">
-                  <a:avLst/>
-                </a:prstGeom>
-                <a:blipFill>
-                  <a:blip r:embed="rId3"/>
-                  <a:stretch>
-                    <a:fillRect/>
-                  </a:stretch>
-                </a:blipFill>
-              </p:spPr>
-              <p:txBody>
-                <a:bodyPr/>
-                <a:lstStyle/>
-                <a:p>
-                  <a:r>
-                    <a:rPr lang="en-GB">
-                      <a:noFill/>
-                    </a:rPr>
-                    <a:t> </a:t>
-                  </a:r>
-                </a:p>
-              </p:txBody>
-            </p:sp>
-          </mc:Fallback>
-        </mc:AlternateContent>
-        <p:cxnSp>
-          <p:nvCxnSpPr>
-            <p:cNvPr id="12" name="Straight Arrow Connector 11">
-              <a:extLst>
-                <a:ext uri="{FF2B5EF4-FFF2-40B4-BE49-F238E27FC236}">
-                  <a16:creationId xmlns:a16="http://schemas.microsoft.com/office/drawing/2014/main" id="{9B4A4257-E06D-5897-26C3-E8244FA43DAD}"/>
-                </a:ext>
-              </a:extLst>
-            </p:cNvPr>
-            <p:cNvCxnSpPr/>
-            <p:nvPr/>
-          </p:nvCxnSpPr>
-          <p:spPr>
-            <a:xfrm flipV="1">
-              <a:off x="5145244" y="2466557"/>
-              <a:ext cx="319119" cy="411173"/>
-            </a:xfrm>
-            <a:prstGeom prst="straightConnector1">
-              <a:avLst/>
-            </a:prstGeom>
-            <a:ln>
-              <a:tailEnd type="triangle"/>
-            </a:ln>
-          </p:spPr>
-          <p:style>
-            <a:lnRef idx="2">
-              <a:schemeClr val="accent2"/>
-            </a:lnRef>
-            <a:fillRef idx="0">
-              <a:schemeClr val="accent2"/>
-            </a:fillRef>
-            <a:effectRef idx="1">
-              <a:schemeClr val="accent2"/>
-            </a:effectRef>
-            <a:fontRef idx="minor">
-              <a:schemeClr val="tx1"/>
-            </a:fontRef>
-          </p:style>
-        </p:cxnSp>
-        <p:cxnSp>
-          <p:nvCxnSpPr>
-            <p:cNvPr id="13" name="Straight Arrow Connector 12">
-              <a:extLst>
-                <a:ext uri="{FF2B5EF4-FFF2-40B4-BE49-F238E27FC236}">
-                  <a16:creationId xmlns:a16="http://schemas.microsoft.com/office/drawing/2014/main" id="{2C59CCE0-39FD-1DDA-B411-1128DA804401}"/>
-                </a:ext>
-              </a:extLst>
-            </p:cNvPr>
-            <p:cNvCxnSpPr/>
-            <p:nvPr/>
-          </p:nvCxnSpPr>
-          <p:spPr>
-            <a:xfrm>
-              <a:off x="5464363" y="2466557"/>
-              <a:ext cx="319120" cy="368215"/>
-            </a:xfrm>
-            <a:prstGeom prst="straightConnector1">
-              <a:avLst/>
-            </a:prstGeom>
-            <a:ln>
-              <a:tailEnd type="triangle"/>
-            </a:ln>
-          </p:spPr>
-          <p:style>
-            <a:lnRef idx="2">
-              <a:schemeClr val="accent2"/>
-            </a:lnRef>
-            <a:fillRef idx="0">
-              <a:schemeClr val="accent2"/>
-            </a:fillRef>
-            <a:effectRef idx="1">
-              <a:schemeClr val="accent2"/>
-            </a:effectRef>
-            <a:fontRef idx="minor">
-              <a:schemeClr val="tx1"/>
-            </a:fontRef>
-          </p:style>
-        </p:cxnSp>
-        <mc:AlternateContent xmlns:mc="http://schemas.openxmlformats.org/markup-compatibility/2006">
-          <mc:Choice xmlns:a14="http://schemas.microsoft.com/office/drawing/2010/main" Requires="a14">
-            <p:sp>
-              <p:nvSpPr>
-                <p:cNvPr id="14" name="TextBox 13">
-                  <a:extLst>
-                    <a:ext uri="{FF2B5EF4-FFF2-40B4-BE49-F238E27FC236}">
-                      <a16:creationId xmlns:a16="http://schemas.microsoft.com/office/drawing/2014/main" id="{BA22B093-9980-E538-2BF0-79F3B9D217F2}"/>
-                    </a:ext>
-                  </a:extLst>
-                </p:cNvPr>
-                <p:cNvSpPr txBox="1"/>
-                <p:nvPr/>
-              </p:nvSpPr>
-              <p:spPr>
-                <a:xfrm>
-                  <a:off x="6108978" y="2085045"/>
-                  <a:ext cx="460062" cy="677108"/>
-                </a:xfrm>
-                <a:prstGeom prst="rect">
-                  <a:avLst/>
-                </a:prstGeom>
-                <a:noFill/>
-              </p:spPr>
-              <p:txBody>
-                <a:bodyPr wrap="none" lIns="0" tIns="0" rIns="0" bIns="0" rtlCol="0">
-                  <a:spAutoFit/>
-                </a:bodyPr>
-                <a:lstStyle/>
-                <a:p>
-                  <a:pPr/>
-                  <a14:m>
-                    <m:oMathPara xmlns:m="http://schemas.openxmlformats.org/officeDocument/2006/math">
-                      <m:oMathParaPr>
-                        <m:jc m:val="centerGroup"/>
-                      </m:oMathParaPr>
-                      <m:oMath xmlns:m="http://schemas.openxmlformats.org/officeDocument/2006/math">
-                        <m:r>
-                          <a:rPr lang="en-GB" sz="4400" b="0" i="1" smtClean="0">
-                            <a:latin typeface="Cambria Math" panose="02040503050406030204" pitchFamily="18" charset="0"/>
-                          </a:rPr>
-                          <m:t>∃</m:t>
-                        </m:r>
-                      </m:oMath>
-                    </m:oMathPara>
-                  </a14:m>
-                  <a:endParaRPr lang="en-GB" sz="4400" dirty="0"/>
-                </a:p>
-              </p:txBody>
-            </p:sp>
-          </mc:Choice>
-          <mc:Fallback>
-            <p:sp>
-              <p:nvSpPr>
-                <p:cNvPr id="14" name="TextBox 13">
-                  <a:extLst>
-                    <a:ext uri="{FF2B5EF4-FFF2-40B4-BE49-F238E27FC236}">
-                      <a16:creationId xmlns:a16="http://schemas.microsoft.com/office/drawing/2014/main" id="{BA22B093-9980-E538-2BF0-79F3B9D217F2}"/>
-                    </a:ext>
-                  </a:extLst>
-                </p:cNvPr>
-                <p:cNvSpPr txBox="1">
-                  <a:spLocks noRot="1" noChangeAspect="1" noMove="1" noResize="1" noEditPoints="1" noAdjustHandles="1" noChangeArrowheads="1" noChangeShapeType="1" noTextEdit="1"/>
-                </p:cNvSpPr>
-                <p:nvPr/>
-              </p:nvSpPr>
-              <p:spPr>
-                <a:xfrm>
-                  <a:off x="6108978" y="2085045"/>
-                  <a:ext cx="460062" cy="677108"/>
-                </a:xfrm>
-                <a:prstGeom prst="rect">
-                  <a:avLst/>
-                </a:prstGeom>
-                <a:blipFill>
-                  <a:blip r:embed="rId4"/>
-                  <a:stretch>
-                    <a:fillRect/>
-                  </a:stretch>
-                </a:blipFill>
-              </p:spPr>
-              <p:txBody>
-                <a:bodyPr/>
-                <a:lstStyle/>
-                <a:p>
-                  <a:r>
-                    <a:rPr lang="en-GB">
-                      <a:noFill/>
-                    </a:rPr>
-                    <a:t> </a:t>
-                  </a:r>
-                </a:p>
-              </p:txBody>
-            </p:sp>
-          </mc:Fallback>
-        </mc:AlternateContent>
-        <p:cxnSp>
-          <p:nvCxnSpPr>
-            <p:cNvPr id="15" name="Straight Arrow Connector 14">
-              <a:extLst>
-                <a:ext uri="{FF2B5EF4-FFF2-40B4-BE49-F238E27FC236}">
-                  <a16:creationId xmlns:a16="http://schemas.microsoft.com/office/drawing/2014/main" id="{99B408C5-766B-9B8C-DECB-8CBE207EFB8A}"/>
-                </a:ext>
-              </a:extLst>
-            </p:cNvPr>
-            <p:cNvCxnSpPr/>
-            <p:nvPr/>
-          </p:nvCxnSpPr>
-          <p:spPr>
-            <a:xfrm flipV="1">
-              <a:off x="6355683" y="2509515"/>
-              <a:ext cx="319119" cy="411173"/>
-            </a:xfrm>
-            <a:prstGeom prst="straightConnector1">
-              <a:avLst/>
-            </a:prstGeom>
-            <a:ln>
-              <a:tailEnd type="triangle"/>
-            </a:ln>
-          </p:spPr>
-          <p:style>
-            <a:lnRef idx="1">
-              <a:schemeClr val="dk1"/>
-            </a:lnRef>
-            <a:fillRef idx="0">
-              <a:schemeClr val="dk1"/>
-            </a:fillRef>
-            <a:effectRef idx="0">
-              <a:schemeClr val="dk1"/>
-            </a:effectRef>
-            <a:fontRef idx="minor">
-              <a:schemeClr val="tx1"/>
-            </a:fontRef>
-          </p:style>
-        </p:cxnSp>
-        <p:cxnSp>
-          <p:nvCxnSpPr>
-            <p:cNvPr id="16" name="Straight Arrow Connector 15">
-              <a:extLst>
-                <a:ext uri="{FF2B5EF4-FFF2-40B4-BE49-F238E27FC236}">
-                  <a16:creationId xmlns:a16="http://schemas.microsoft.com/office/drawing/2014/main" id="{FE28B80E-E37F-E182-6E39-598690F577BD}"/>
-                </a:ext>
-              </a:extLst>
-            </p:cNvPr>
-            <p:cNvCxnSpPr/>
-            <p:nvPr/>
-          </p:nvCxnSpPr>
-          <p:spPr>
-            <a:xfrm>
-              <a:off x="6674802" y="2509515"/>
-              <a:ext cx="319120" cy="368215"/>
-            </a:xfrm>
-            <a:prstGeom prst="straightConnector1">
-              <a:avLst/>
-            </a:prstGeom>
-            <a:ln>
-              <a:tailEnd type="triangle"/>
-            </a:ln>
-          </p:spPr>
-          <p:style>
-            <a:lnRef idx="1">
-              <a:schemeClr val="dk1"/>
-            </a:lnRef>
-            <a:fillRef idx="0">
-              <a:schemeClr val="dk1"/>
-            </a:fillRef>
-            <a:effectRef idx="0">
-              <a:schemeClr val="dk1"/>
-            </a:effectRef>
-            <a:fontRef idx="minor">
-              <a:schemeClr val="tx1"/>
-            </a:fontRef>
-          </p:style>
-        </p:cxnSp>
-        <p:cxnSp>
-          <p:nvCxnSpPr>
-            <p:cNvPr id="17" name="Straight Arrow Connector 16">
-              <a:extLst>
-                <a:ext uri="{FF2B5EF4-FFF2-40B4-BE49-F238E27FC236}">
-                  <a16:creationId xmlns:a16="http://schemas.microsoft.com/office/drawing/2014/main" id="{D89F6A05-6EF8-864D-BA9F-62005A2F8CF8}"/>
-                </a:ext>
-              </a:extLst>
-            </p:cNvPr>
-            <p:cNvCxnSpPr>
-              <a:cxnSpLocks/>
-            </p:cNvCxnSpPr>
-            <p:nvPr/>
-          </p:nvCxnSpPr>
-          <p:spPr>
-            <a:xfrm flipV="1">
-              <a:off x="6355683" y="2908100"/>
-              <a:ext cx="638239" cy="12588"/>
-            </a:xfrm>
-            <a:prstGeom prst="straightConnector1">
-              <a:avLst/>
-            </a:prstGeom>
-            <a:ln>
-              <a:tailEnd type="triangle"/>
-            </a:ln>
-          </p:spPr>
-          <p:style>
-            <a:lnRef idx="2">
-              <a:schemeClr val="accent2"/>
-            </a:lnRef>
-            <a:fillRef idx="0">
-              <a:schemeClr val="accent2"/>
-            </a:fillRef>
-            <a:effectRef idx="1">
-              <a:schemeClr val="accent2"/>
-            </a:effectRef>
-            <a:fontRef idx="minor">
-              <a:schemeClr val="tx1"/>
-            </a:fontRef>
-          </p:style>
-        </p:cxnSp>
-        <p:sp>
-          <p:nvSpPr>
-            <p:cNvPr id="18" name="TextBox 17">
-              <a:extLst>
-                <a:ext uri="{FF2B5EF4-FFF2-40B4-BE49-F238E27FC236}">
-                  <a16:creationId xmlns:a16="http://schemas.microsoft.com/office/drawing/2014/main" id="{0C422872-69A3-60F3-0AA3-F36D9885A2A3}"/>
-                </a:ext>
-              </a:extLst>
-            </p:cNvPr>
-            <p:cNvSpPr txBox="1"/>
-            <p:nvPr/>
-          </p:nvSpPr>
-          <p:spPr>
-            <a:xfrm rot="5400000">
-              <a:off x="6523613" y="2556090"/>
-              <a:ext cx="385042" cy="369332"/>
-            </a:xfrm>
-            <a:prstGeom prst="rect">
-              <a:avLst/>
-            </a:prstGeom>
-            <a:noFill/>
-          </p:spPr>
-          <p:txBody>
-            <a:bodyPr wrap="none" rtlCol="0">
-              <a:spAutoFit/>
-            </a:bodyPr>
-            <a:lstStyle/>
-            <a:p>
-              <a:r>
-                <a:rPr lang="en-GB" dirty="0">
-                  <a:solidFill>
-                    <a:schemeClr val="accent2"/>
-                  </a:solidFill>
-                </a:rPr>
-                <a:t>⇒</a:t>
-              </a:r>
-            </a:p>
-          </p:txBody>
-        </p:sp>
-      </p:grpSp>
-      <p:pic>
-        <p:nvPicPr>
-          <p:cNvPr id="24" name="Picture 23">
-            <a:extLst>
-              <a:ext uri="{FF2B5EF4-FFF2-40B4-BE49-F238E27FC236}">
-                <a16:creationId xmlns:a16="http://schemas.microsoft.com/office/drawing/2014/main" id="{462FBDCE-656E-D8FF-13EC-CAD582FFE11F}"/>
-              </a:ext>
-            </a:extLst>
-          </p:cNvPr>
-          <p:cNvPicPr>
-            <a:picLocks noChangeAspect="1"/>
-          </p:cNvPicPr>
-          <p:nvPr/>
-        </p:nvPicPr>
-        <p:blipFill>
-          <a:blip r:embed="rId5"/>
-          <a:stretch>
-            <a:fillRect/>
-          </a:stretch>
-        </p:blipFill>
-        <p:spPr>
-          <a:xfrm>
-            <a:off x="0" y="4495738"/>
-            <a:ext cx="12192000" cy="2334228"/>
-          </a:xfrm>
-          <a:prstGeom prst="rect">
-            <a:avLst/>
-          </a:prstGeom>
-        </p:spPr>
-      </p:pic>
-      <p:sp>
-        <p:nvSpPr>
-          <p:cNvPr id="25" name="Rectangle 24">
-            <a:extLst>
-              <a:ext uri="{FF2B5EF4-FFF2-40B4-BE49-F238E27FC236}">
-                <a16:creationId xmlns:a16="http://schemas.microsoft.com/office/drawing/2014/main" id="{0A479065-8648-F8E9-4FE3-C2A42F7A9CF8}"/>
-              </a:ext>
-            </a:extLst>
-          </p:cNvPr>
-          <p:cNvSpPr/>
-          <p:nvPr/>
-        </p:nvSpPr>
-        <p:spPr>
-          <a:xfrm>
-            <a:off x="3289385" y="4654273"/>
-            <a:ext cx="4240607" cy="1992004"/>
-          </a:xfrm>
-          <a:prstGeom prst="rect">
-            <a:avLst/>
-          </a:prstGeom>
-          <a:ln>
-            <a:solidFill>
-              <a:schemeClr val="bg1"/>
-            </a:solidFill>
-          </a:ln>
-        </p:spPr>
-        <p:style>
-          <a:lnRef idx="2">
-            <a:schemeClr val="accent6"/>
-          </a:lnRef>
-          <a:fillRef idx="1">
-            <a:schemeClr val="lt1"/>
-          </a:fillRef>
-          <a:effectRef idx="0">
-            <a:schemeClr val="accent6"/>
-          </a:effectRef>
-          <a:fontRef idx="minor">
-            <a:schemeClr val="dk1"/>
-          </a:fontRef>
-        </p:style>
-        <p:txBody>
-          <a:bodyPr rtlCol="0" anchor="ctr"/>
-          <a:lstStyle/>
-          <a:p>
-            <a:pPr algn="ctr"/>
-            <a:endParaRPr lang="en-GB"/>
-          </a:p>
-        </p:txBody>
-      </p:sp>
-      <p:sp>
-        <p:nvSpPr>
-          <p:cNvPr id="26" name="Rectangle 25">
-            <a:extLst>
-              <a:ext uri="{FF2B5EF4-FFF2-40B4-BE49-F238E27FC236}">
-                <a16:creationId xmlns:a16="http://schemas.microsoft.com/office/drawing/2014/main" id="{300A5B4D-5262-E607-D488-54C292D2A2CB}"/>
-              </a:ext>
-            </a:extLst>
-          </p:cNvPr>
-          <p:cNvSpPr/>
-          <p:nvPr/>
-        </p:nvSpPr>
-        <p:spPr>
-          <a:xfrm>
-            <a:off x="7529992" y="4582050"/>
-            <a:ext cx="4662008" cy="2136250"/>
-          </a:xfrm>
-          <a:prstGeom prst="rect">
-            <a:avLst/>
-          </a:prstGeom>
-          <a:ln>
-            <a:solidFill>
-              <a:schemeClr val="bg1"/>
-            </a:solidFill>
-          </a:ln>
-        </p:spPr>
-        <p:style>
-          <a:lnRef idx="2">
-            <a:schemeClr val="accent6"/>
-          </a:lnRef>
-          <a:fillRef idx="1">
-            <a:schemeClr val="lt1"/>
-          </a:fillRef>
-          <a:effectRef idx="0">
-            <a:schemeClr val="accent6"/>
-          </a:effectRef>
-          <a:fontRef idx="minor">
-            <a:schemeClr val="dk1"/>
-          </a:fontRef>
-        </p:style>
-        <p:txBody>
-          <a:bodyPr rtlCol="0" anchor="ctr"/>
-          <a:lstStyle/>
-          <a:p>
-            <a:pPr algn="ctr"/>
-            <a:endParaRPr lang="en-GB"/>
-          </a:p>
-        </p:txBody>
-      </p:sp>
-    </p:spTree>
-    <p:extLst>
-      <p:ext uri="{BB962C8B-B14F-4D97-AF65-F5344CB8AC3E}">
-        <p14:creationId xmlns:p14="http://schemas.microsoft.com/office/powerpoint/2010/main" val="2099903486"/>
-      </p:ext>
-    </p:extLst>
-  </p:cSld>
-  <p:clrMapOvr>
-    <a:masterClrMapping/>
-  </p:clrMapOvr>
-  <p:timing>
-    <p:tnLst>
-      <p:par>
-        <p:cTn id="1" dur="indefinite" restart="never" nodeType="tmRoot">
-          <p:childTnLst>
-            <p:seq concurrent="1" nextAc="seek">
-              <p:cTn id="2" dur="indefinite" nodeType="mainSeq">
-                <p:childTnLst>
-                  <p:par>
-                    <p:cTn id="3" fill="hold">
-                      <p:stCondLst>
-                        <p:cond delay="indefinite"/>
-                      </p:stCondLst>
-                      <p:childTnLst>
-                        <p:par>
-                          <p:cTn id="4" fill="hold">
-                            <p:stCondLst>
-                              <p:cond delay="0"/>
-                            </p:stCondLst>
-                            <p:childTnLst>
-                              <p:par>
-                                <p:cTn id="5" presetID="1" presetClass="entr" presetSubtype="0" fill="hold" nodeType="clickEffect">
-                                  <p:stCondLst>
-                                    <p:cond delay="0"/>
-                                  </p:stCondLst>
-                                  <p:childTnLst>
-                                    <p:set>
-                                      <p:cBhvr>
-                                        <p:cTn id="6" dur="1" fill="hold">
-                                          <p:stCondLst>
-                                            <p:cond delay="0"/>
-                                          </p:stCondLst>
-                                        </p:cTn>
-                                        <p:tgtEl>
-                                          <p:spTgt spid="10">
-                                            <p:txEl>
-                                              <p:pRg st="0" end="0"/>
-                                            </p:txEl>
-                                          </p:spTgt>
-                                        </p:tgtEl>
-                                        <p:attrNameLst>
-                                          <p:attrName>style.visibility</p:attrName>
-                                        </p:attrNameLst>
-                                      </p:cBhvr>
-                                      <p:to>
-                                        <p:strVal val="visible"/>
-                                      </p:to>
-                                    </p:set>
-                                  </p:childTnLst>
-                                </p:cTn>
-                              </p:par>
-                            </p:childTnLst>
-                          </p:cTn>
-                        </p:par>
-                      </p:childTnLst>
-                    </p:cTn>
-                  </p:par>
-                  <p:par>
-                    <p:cTn id="7" fill="hold">
-                      <p:stCondLst>
-                        <p:cond delay="indefinite"/>
-                      </p:stCondLst>
-                      <p:childTnLst>
-                        <p:par>
-                          <p:cTn id="8" fill="hold">
-                            <p:stCondLst>
-                              <p:cond delay="0"/>
-                            </p:stCondLst>
-                            <p:childTnLst>
-                              <p:par>
-                                <p:cTn id="9" presetID="1" presetClass="entr" presetSubtype="0" fill="hold" nodeType="clickEffect">
-                                  <p:stCondLst>
-                                    <p:cond delay="0"/>
-                                  </p:stCondLst>
-                                  <p:childTnLst>
-                                    <p:set>
-                                      <p:cBhvr>
-                                        <p:cTn id="10" dur="1" fill="hold">
-                                          <p:stCondLst>
-                                            <p:cond delay="0"/>
-                                          </p:stCondLst>
-                                        </p:cTn>
-                                        <p:tgtEl>
-                                          <p:spTgt spid="10">
-                                            <p:txEl>
-                                              <p:pRg st="2" end="2"/>
-                                            </p:txEl>
-                                          </p:spTgt>
-                                        </p:tgtEl>
-                                        <p:attrNameLst>
-                                          <p:attrName>style.visibility</p:attrName>
-                                        </p:attrNameLst>
-                                      </p:cBhvr>
-                                      <p:to>
-                                        <p:strVal val="visible"/>
-                                      </p:to>
-                                    </p:set>
-                                  </p:childTnLst>
-                                </p:cTn>
-                              </p:par>
-                              <p:par>
-                                <p:cTn id="11" presetID="1" presetClass="entr" presetSubtype="0" fill="hold" nodeType="withEffect">
-                                  <p:stCondLst>
-                                    <p:cond delay="0"/>
-                                  </p:stCondLst>
-                                  <p:childTnLst>
-                                    <p:set>
-                                      <p:cBhvr>
-                                        <p:cTn id="12" dur="1" fill="hold">
-                                          <p:stCondLst>
-                                            <p:cond delay="0"/>
-                                          </p:stCondLst>
-                                        </p:cTn>
-                                        <p:tgtEl>
-                                          <p:spTgt spid="20"/>
-                                        </p:tgtEl>
-                                        <p:attrNameLst>
-                                          <p:attrName>style.visibility</p:attrName>
-                                        </p:attrNameLst>
-                                      </p:cBhvr>
-                                      <p:to>
-                                        <p:strVal val="visible"/>
-                                      </p:to>
-                                    </p:set>
-                                  </p:childTnLst>
-                                </p:cTn>
-                              </p:par>
-                            </p:childTnLst>
-                          </p:cTn>
-                        </p:par>
-                      </p:childTnLst>
-                    </p:cTn>
-                  </p:par>
-                  <p:par>
-                    <p:cTn id="13" fill="hold">
-                      <p:stCondLst>
-                        <p:cond delay="indefinite"/>
-                      </p:stCondLst>
-                      <p:childTnLst>
-                        <p:par>
-                          <p:cTn id="14" fill="hold">
-                            <p:stCondLst>
-                              <p:cond delay="0"/>
-                            </p:stCondLst>
-                            <p:childTnLst>
-                              <p:par>
-                                <p:cTn id="15" presetID="1" presetClass="entr" presetSubtype="0" fill="hold" nodeType="clickEffect">
-                                  <p:stCondLst>
-                                    <p:cond delay="0"/>
-                                  </p:stCondLst>
-                                  <p:childTnLst>
-                                    <p:set>
-                                      <p:cBhvr>
-                                        <p:cTn id="16" dur="1" fill="hold">
-                                          <p:stCondLst>
-                                            <p:cond delay="0"/>
-                                          </p:stCondLst>
-                                        </p:cTn>
-                                        <p:tgtEl>
-                                          <p:spTgt spid="10">
-                                            <p:txEl>
-                                              <p:pRg st="5" end="5"/>
-                                            </p:txEl>
-                                          </p:spTgt>
-                                        </p:tgtEl>
-                                        <p:attrNameLst>
-                                          <p:attrName>style.visibility</p:attrName>
-                                        </p:attrNameLst>
-                                      </p:cBhvr>
-                                      <p:to>
-                                        <p:strVal val="visible"/>
-                                      </p:to>
-                                    </p:set>
-                                  </p:childTnLst>
-                                </p:cTn>
-                              </p:par>
-                            </p:childTnLst>
-                          </p:cTn>
-                        </p:par>
-                      </p:childTnLst>
-                    </p:cTn>
-                  </p:par>
-                  <p:par>
-                    <p:cTn id="17" fill="hold">
-                      <p:stCondLst>
-                        <p:cond delay="indefinite"/>
-                      </p:stCondLst>
-                      <p:childTnLst>
-                        <p:par>
-                          <p:cTn id="18" fill="hold">
-                            <p:stCondLst>
-                              <p:cond delay="0"/>
-                            </p:stCondLst>
-                            <p:childTnLst>
-                              <p:par>
-                                <p:cTn id="19" presetID="1" presetClass="entr" presetSubtype="0" fill="hold" nodeType="clickEffect">
-                                  <p:stCondLst>
-                                    <p:cond delay="0"/>
-                                  </p:stCondLst>
-                                  <p:childTnLst>
-                                    <p:set>
-                                      <p:cBhvr>
-                                        <p:cTn id="20" dur="1" fill="hold">
-                                          <p:stCondLst>
-                                            <p:cond delay="0"/>
-                                          </p:stCondLst>
-                                        </p:cTn>
-                                        <p:tgtEl>
-                                          <p:spTgt spid="24"/>
-                                        </p:tgtEl>
-                                        <p:attrNameLst>
-                                          <p:attrName>style.visibility</p:attrName>
-                                        </p:attrNameLst>
-                                      </p:cBhvr>
-                                      <p:to>
-                                        <p:strVal val="visible"/>
-                                      </p:to>
-                                    </p:set>
-                                  </p:childTnLst>
-                                </p:cTn>
-                              </p:par>
-                              <p:par>
-                                <p:cTn id="21" presetID="1" presetClass="entr" presetSubtype="0" fill="hold" grpId="1" nodeType="withEffect">
-                                  <p:stCondLst>
-                                    <p:cond delay="0"/>
-                                  </p:stCondLst>
-                                  <p:childTnLst>
-                                    <p:set>
-                                      <p:cBhvr>
-                                        <p:cTn id="22" dur="1" fill="hold">
-                                          <p:stCondLst>
-                                            <p:cond delay="0"/>
-                                          </p:stCondLst>
-                                        </p:cTn>
-                                        <p:tgtEl>
-                                          <p:spTgt spid="25"/>
-                                        </p:tgtEl>
-                                        <p:attrNameLst>
-                                          <p:attrName>style.visibility</p:attrName>
-                                        </p:attrNameLst>
-                                      </p:cBhvr>
-                                      <p:to>
-                                        <p:strVal val="visible"/>
-                                      </p:to>
-                                    </p:set>
-                                  </p:childTnLst>
-                                </p:cTn>
-                              </p:par>
-                              <p:par>
-                                <p:cTn id="23" presetID="1" presetClass="entr" presetSubtype="0" fill="hold" grpId="1" nodeType="withEffect">
-                                  <p:stCondLst>
-                                    <p:cond delay="0"/>
-                                  </p:stCondLst>
-                                  <p:childTnLst>
-                                    <p:set>
-                                      <p:cBhvr>
-                                        <p:cTn id="24" dur="1" fill="hold">
-                                          <p:stCondLst>
-                                            <p:cond delay="0"/>
-                                          </p:stCondLst>
-                                        </p:cTn>
-                                        <p:tgtEl>
-                                          <p:spTgt spid="26"/>
-                                        </p:tgtEl>
-                                        <p:attrNameLst>
-                                          <p:attrName>style.visibility</p:attrName>
-                                        </p:attrNameLst>
-                                      </p:cBhvr>
-                                      <p:to>
-                                        <p:strVal val="visible"/>
-                                      </p:to>
-                                    </p:set>
-                                  </p:childTnLst>
-                                </p:cTn>
-                              </p:par>
-                            </p:childTnLst>
-                          </p:cTn>
-                        </p:par>
-                      </p:childTnLst>
-                    </p:cTn>
-                  </p:par>
-                  <p:par>
-                    <p:cTn id="25" fill="hold">
-                      <p:stCondLst>
-                        <p:cond delay="indefinite"/>
-                      </p:stCondLst>
-                      <p:childTnLst>
-                        <p:par>
-                          <p:cTn id="26" fill="hold">
-                            <p:stCondLst>
-                              <p:cond delay="0"/>
-                            </p:stCondLst>
-                            <p:childTnLst>
-                              <p:par>
-                                <p:cTn id="27" presetID="1" presetClass="exit" presetSubtype="0" fill="hold" grpId="0" nodeType="clickEffect">
-                                  <p:stCondLst>
-                                    <p:cond delay="0"/>
-                                  </p:stCondLst>
-                                  <p:childTnLst>
-                                    <p:set>
-                                      <p:cBhvr>
-                                        <p:cTn id="28" dur="1" fill="hold">
-                                          <p:stCondLst>
-                                            <p:cond delay="0"/>
-                                          </p:stCondLst>
-                                        </p:cTn>
-                                        <p:tgtEl>
-                                          <p:spTgt spid="25"/>
-                                        </p:tgtEl>
-                                        <p:attrNameLst>
-                                          <p:attrName>style.visibility</p:attrName>
-                                        </p:attrNameLst>
-                                      </p:cBhvr>
-                                      <p:to>
-                                        <p:strVal val="hidden"/>
-                                      </p:to>
-                                    </p:set>
-                                  </p:childTnLst>
-                                </p:cTn>
-                              </p:par>
-                            </p:childTnLst>
-                          </p:cTn>
-                        </p:par>
-                      </p:childTnLst>
-                    </p:cTn>
-                  </p:par>
-                  <p:par>
-                    <p:cTn id="29" fill="hold">
-                      <p:stCondLst>
-                        <p:cond delay="indefinite"/>
-                      </p:stCondLst>
-                      <p:childTnLst>
-                        <p:par>
-                          <p:cTn id="30" fill="hold">
-                            <p:stCondLst>
-                              <p:cond delay="0"/>
-                            </p:stCondLst>
-                            <p:childTnLst>
-                              <p:par>
-                                <p:cTn id="31" presetID="1" presetClass="exit" presetSubtype="0" fill="hold" grpId="0" nodeType="clickEffect">
-                                  <p:stCondLst>
-                                    <p:cond delay="0"/>
-                                  </p:stCondLst>
-                                  <p:childTnLst>
-                                    <p:set>
-                                      <p:cBhvr>
-                                        <p:cTn id="32" dur="1" fill="hold">
-                                          <p:stCondLst>
-                                            <p:cond delay="0"/>
-                                          </p:stCondLst>
-                                        </p:cTn>
-                                        <p:tgtEl>
-                                          <p:spTgt spid="26"/>
-                                        </p:tgtEl>
-                                        <p:attrNameLst>
-                                          <p:attrName>style.visibility</p:attrName>
-                                        </p:attrNameLst>
-                                      </p:cBhvr>
-                                      <p:to>
-                                        <p:strVal val="hidden"/>
-                                      </p:to>
-                                    </p:set>
-                                  </p:childTnLst>
-                                </p:cTn>
-                              </p:par>
-                            </p:childTnLst>
-                          </p:cTn>
-                        </p:par>
-                      </p:childTnLst>
-                    </p:cTn>
-                  </p:par>
-                </p:childTnLst>
-              </p:cTn>
-              <p:prevCondLst>
-                <p:cond evt="onPrev" delay="0">
-                  <p:tgtEl>
-                    <p:sldTgt/>
-                  </p:tgtEl>
-                </p:cond>
-              </p:prevCondLst>
-              <p:nextCondLst>
-                <p:cond evt="onNext" delay="0">
-                  <p:tgtEl>
-                    <p:sldTgt/>
-                  </p:tgtEl>
-                </p:cond>
-              </p:nextCondLst>
-            </p:seq>
-          </p:childTnLst>
-        </p:cTn>
-      </p:par>
-    </p:tnLst>
-    <p:bldLst>
-      <p:bldP spid="25" grpId="0" animBg="1"/>
-      <p:bldP spid="25" grpId="1" animBg="1"/>
-      <p:bldP spid="26" grpId="0" animBg="1"/>
-      <p:bldP spid="26" grpId="1" animBg="1"/>
-    </p:bldLst>
-  </p:timing>
-</p:sld>
-</file>
-
 <file path=ppt/theme/theme1.xml><?xml version="1.0" encoding="utf-8"?>
 <a:theme xmlns:a="http://schemas.openxmlformats.org/drawingml/2006/main" name="Office Theme">
   <a:themeElements>
@@ -27479,18 +28670,18 @@
 </file>
 
 <file path=customXml/item1.xml><?xml version="1.0" encoding="utf-8"?>
-<p:properties xmlns:p="http://schemas.microsoft.com/office/2006/metadata/properties" xmlns:xsi="http://www.w3.org/2001/XMLSchema-instance" xmlns:pc="http://schemas.microsoft.com/office/infopath/2007/PartnerControls">
-  <documentManagement/>
-</p:properties>
-</file>
-
-<file path=customXml/item2.xml><?xml version="1.0" encoding="utf-8"?>
 <?mso-contentType ?>
 <FormTemplates xmlns="http://schemas.microsoft.com/sharepoint/v3/contenttype/forms">
   <Display>DocumentLibraryForm</Display>
   <Edit>DocumentLibraryForm</Edit>
   <New>DocumentLibraryForm</New>
 </FormTemplates>
+</file>
+
+<file path=customXml/item2.xml><?xml version="1.0" encoding="utf-8"?>
+<p:properties xmlns:p="http://schemas.microsoft.com/office/2006/metadata/properties" xmlns:xsi="http://www.w3.org/2001/XMLSchema-instance" xmlns:pc="http://schemas.microsoft.com/office/infopath/2007/PartnerControls">
+  <documentManagement/>
+</p:properties>
 </file>
 
 <file path=customXml/item3.xml><?xml version="1.0" encoding="utf-8"?>
@@ -27632,6 +28823,14 @@
 </file>
 
 <file path=customXml/itemProps1.xml><?xml version="1.0" encoding="utf-8"?>
+<ds:datastoreItem xmlns:ds="http://schemas.openxmlformats.org/officeDocument/2006/customXml" ds:itemID="{FFFD09D8-C434-475F-A831-E93F50798887}">
+  <ds:schemaRefs>
+    <ds:schemaRef ds:uri="http://schemas.microsoft.com/sharepoint/v3/contenttype/forms"/>
+  </ds:schemaRefs>
+</ds:datastoreItem>
+</file>
+
+<file path=customXml/itemProps2.xml><?xml version="1.0" encoding="utf-8"?>
 <ds:datastoreItem xmlns:ds="http://schemas.openxmlformats.org/officeDocument/2006/customXml" ds:itemID="{45BFADD2-80FE-49DC-806B-F4F71A45B91F}">
   <ds:schemaRefs>
     <ds:schemaRef ds:uri="http://schemas.openxmlformats.org/package/2006/metadata/core-properties"/>
@@ -27643,14 +28842,6 @@
     <ds:schemaRef ds:uri="http://purl.org/dc/terms/"/>
     <ds:schemaRef ds:uri="e197be8d-da98-4dfc-a05a-43e33b16f0db"/>
     <ds:schemaRef ds:uri="http://purl.org/dc/elements/1.1/"/>
-  </ds:schemaRefs>
-</ds:datastoreItem>
-</file>
-
-<file path=customXml/itemProps2.xml><?xml version="1.0" encoding="utf-8"?>
-<ds:datastoreItem xmlns:ds="http://schemas.openxmlformats.org/officeDocument/2006/customXml" ds:itemID="{FFFD09D8-C434-475F-A831-E93F50798887}">
-  <ds:schemaRefs>
-    <ds:schemaRef ds:uri="http://schemas.microsoft.com/sharepoint/v3/contenttype/forms"/>
   </ds:schemaRefs>
 </ds:datastoreItem>
 </file>
